--- a/doc/exp01-antlr.pptx
+++ b/doc/exp01-antlr.pptx
@@ -27,8 +27,8 @@
     <p:sldId id="423" r:id="rId20"/>
     <p:sldId id="424" r:id="rId21"/>
     <p:sldId id="425" r:id="rId22"/>
-    <p:sldId id="426" r:id="rId23"/>
-    <p:sldId id="503" r:id="rId24"/>
+    <p:sldId id="503" r:id="rId23"/>
+    <p:sldId id="426" r:id="rId24"/>
     <p:sldId id="429" r:id="rId25"/>
     <p:sldId id="427" r:id="rId26"/>
     <p:sldId id="428" r:id="rId27"/>
@@ -39,6 +39,9 @@
   </p:sldIdLst>
   <p:sldSz cx="9144000" cy="6858000" type="screen4x3"/>
   <p:notesSz cx="6858000" cy="9144000"/>
+  <p:custDataLst>
+    <p:tags r:id="rId35"/>
+  </p:custDataLst>
   <p:defaultTextStyle>
     <a:defPPr>
       <a:defRPr lang="zh-CN"/>
@@ -54,8 +57,8 @@
         <a:solidFill>
           <a:schemeClr val="tx1"/>
         </a:solidFill>
-        <a:latin typeface="Arial" panose="02080604020202020204" pitchFamily="34" charset="0"/>
-        <a:ea typeface="宋体" panose="02010600030101010101" charset="-122"/>
+        <a:latin typeface="Arial" panose="020B0604020202020204" pitchFamily="34" charset="0"/>
+        <a:ea typeface="宋体" panose="02010600030101010101" pitchFamily="2" charset="-122"/>
         <a:cs typeface="+mn-cs"/>
       </a:defRPr>
     </a:lvl1pPr>
@@ -70,8 +73,8 @@
         <a:solidFill>
           <a:schemeClr val="tx1"/>
         </a:solidFill>
-        <a:latin typeface="Arial" panose="02080604020202020204" pitchFamily="34" charset="0"/>
-        <a:ea typeface="宋体" panose="02010600030101010101" charset="-122"/>
+        <a:latin typeface="Arial" panose="020B0604020202020204" pitchFamily="34" charset="0"/>
+        <a:ea typeface="宋体" panose="02010600030101010101" pitchFamily="2" charset="-122"/>
         <a:cs typeface="+mn-cs"/>
       </a:defRPr>
     </a:lvl2pPr>
@@ -86,8 +89,8 @@
         <a:solidFill>
           <a:schemeClr val="tx1"/>
         </a:solidFill>
-        <a:latin typeface="Arial" panose="02080604020202020204" pitchFamily="34" charset="0"/>
-        <a:ea typeface="宋体" panose="02010600030101010101" charset="-122"/>
+        <a:latin typeface="Arial" panose="020B0604020202020204" pitchFamily="34" charset="0"/>
+        <a:ea typeface="宋体" panose="02010600030101010101" pitchFamily="2" charset="-122"/>
         <a:cs typeface="+mn-cs"/>
       </a:defRPr>
     </a:lvl3pPr>
@@ -102,8 +105,8 @@
         <a:solidFill>
           <a:schemeClr val="tx1"/>
         </a:solidFill>
-        <a:latin typeface="Arial" panose="02080604020202020204" pitchFamily="34" charset="0"/>
-        <a:ea typeface="宋体" panose="02010600030101010101" charset="-122"/>
+        <a:latin typeface="Arial" panose="020B0604020202020204" pitchFamily="34" charset="0"/>
+        <a:ea typeface="宋体" panose="02010600030101010101" pitchFamily="2" charset="-122"/>
         <a:cs typeface="+mn-cs"/>
       </a:defRPr>
     </a:lvl4pPr>
@@ -118,8 +121,8 @@
         <a:solidFill>
           <a:schemeClr val="tx1"/>
         </a:solidFill>
-        <a:latin typeface="Arial" panose="02080604020202020204" pitchFamily="34" charset="0"/>
-        <a:ea typeface="宋体" panose="02010600030101010101" charset="-122"/>
+        <a:latin typeface="Arial" panose="020B0604020202020204" pitchFamily="34" charset="0"/>
+        <a:ea typeface="宋体" panose="02010600030101010101" pitchFamily="2" charset="-122"/>
         <a:cs typeface="+mn-cs"/>
       </a:defRPr>
     </a:lvl5pPr>
@@ -128,8 +131,8 @@
         <a:solidFill>
           <a:schemeClr val="tx1"/>
         </a:solidFill>
-        <a:latin typeface="Arial" panose="02080604020202020204" pitchFamily="34" charset="0"/>
-        <a:ea typeface="宋体" panose="02010600030101010101" charset="-122"/>
+        <a:latin typeface="Arial" panose="020B0604020202020204" pitchFamily="34" charset="0"/>
+        <a:ea typeface="宋体" panose="02010600030101010101" pitchFamily="2" charset="-122"/>
         <a:cs typeface="+mn-cs"/>
       </a:defRPr>
     </a:lvl6pPr>
@@ -138,8 +141,8 @@
         <a:solidFill>
           <a:schemeClr val="tx1"/>
         </a:solidFill>
-        <a:latin typeface="Arial" panose="02080604020202020204" pitchFamily="34" charset="0"/>
-        <a:ea typeface="宋体" panose="02010600030101010101" charset="-122"/>
+        <a:latin typeface="Arial" panose="020B0604020202020204" pitchFamily="34" charset="0"/>
+        <a:ea typeface="宋体" panose="02010600030101010101" pitchFamily="2" charset="-122"/>
         <a:cs typeface="+mn-cs"/>
       </a:defRPr>
     </a:lvl7pPr>
@@ -148,8 +151,8 @@
         <a:solidFill>
           <a:schemeClr val="tx1"/>
         </a:solidFill>
-        <a:latin typeface="Arial" panose="02080604020202020204" pitchFamily="34" charset="0"/>
-        <a:ea typeface="宋体" panose="02010600030101010101" charset="-122"/>
+        <a:latin typeface="Arial" panose="020B0604020202020204" pitchFamily="34" charset="0"/>
+        <a:ea typeface="宋体" panose="02010600030101010101" pitchFamily="2" charset="-122"/>
         <a:cs typeface="+mn-cs"/>
       </a:defRPr>
     </a:lvl8pPr>
@@ -158,12 +161,28 @@
         <a:solidFill>
           <a:schemeClr val="tx1"/>
         </a:solidFill>
-        <a:latin typeface="Arial" panose="02080604020202020204" pitchFamily="34" charset="0"/>
-        <a:ea typeface="宋体" panose="02010600030101010101" charset="-122"/>
+        <a:latin typeface="Arial" panose="020B0604020202020204" pitchFamily="34" charset="0"/>
+        <a:ea typeface="宋体" panose="02010600030101010101" pitchFamily="2" charset="-122"/>
         <a:cs typeface="+mn-cs"/>
       </a:defRPr>
     </a:lvl9pPr>
   </p:defaultTextStyle>
+  <p:extLst>
+    <p:ext uri="{EFAFB233-063F-42B5-8137-9DF3F51BA10A}">
+      <p15:sldGuideLst xmlns:p15="http://schemas.microsoft.com/office/powerpoint/2012/main">
+        <p15:guide id="1" orient="horz" pos="2162" userDrawn="1">
+          <p15:clr>
+            <a:srgbClr val="A4A3A4"/>
+          </p15:clr>
+        </p15:guide>
+        <p15:guide id="2" pos="2931" userDrawn="1">
+          <p15:clr>
+            <a:srgbClr val="A4A3A4"/>
+          </p15:clr>
+        </p15:guide>
+      </p15:sldGuideLst>
+    </p:ext>
+  </p:extLst>
 </p:presentation>
 </file>
 
@@ -727,8 +746,8 @@
                 <a:solidFill>
                   <a:srgbClr val="0070C0"/>
                 </a:solidFill>
-                <a:latin typeface="Microsoft YaHei" panose="020B0503020204020204" pitchFamily="34" charset="-122"/>
-                <a:ea typeface="Microsoft YaHei" panose="020B0503020204020204" pitchFamily="34" charset="-122"/>
+                <a:latin typeface="微软雅黑" panose="020B0503020204020204" pitchFamily="34" charset="-122"/>
+                <a:ea typeface="微软雅黑" panose="020B0503020204020204" pitchFamily="34" charset="-122"/>
                 <a:cs typeface="+mn-cs"/>
               </a:defRPr>
             </a:lvl1pPr>
@@ -1064,8 +1083,8 @@
                 <a:blip r:embed="rId3"/>
               </a:buBlip>
               <a:defRPr>
-                <a:latin typeface="Microsoft YaHei" panose="020B0503020204020204" pitchFamily="34" charset="-122"/>
-                <a:ea typeface="Microsoft YaHei" panose="020B0503020204020204" pitchFamily="34" charset="-122"/>
+                <a:latin typeface="微软雅黑" panose="020B0503020204020204" pitchFamily="34" charset="-122"/>
+                <a:ea typeface="微软雅黑" panose="020B0503020204020204" pitchFamily="34" charset="-122"/>
               </a:defRPr>
             </a:lvl1pPr>
             <a:lvl2pPr>
@@ -1075,8 +1094,8 @@
                 <a:blip r:embed="rId4"/>
               </a:buBlip>
               <a:defRPr>
-                <a:latin typeface="Microsoft YaHei" panose="020B0503020204020204" pitchFamily="34" charset="-122"/>
-                <a:ea typeface="Microsoft YaHei" panose="020B0503020204020204" pitchFamily="34" charset="-122"/>
+                <a:latin typeface="微软雅黑" panose="020B0503020204020204" pitchFamily="34" charset="-122"/>
+                <a:ea typeface="微软雅黑" panose="020B0503020204020204" pitchFamily="34" charset="-122"/>
               </a:defRPr>
             </a:lvl2pPr>
             <a:lvl3pPr>
@@ -1088,20 +1107,20 @@
               <a:buFont typeface="Wingdings" panose="05000000000000000000" pitchFamily="2" charset="2"/>
               <a:buChar char="Ø"/>
               <a:defRPr>
-                <a:latin typeface="Microsoft YaHei" panose="020B0503020204020204" pitchFamily="34" charset="-122"/>
-                <a:ea typeface="Microsoft YaHei" panose="020B0503020204020204" pitchFamily="34" charset="-122"/>
+                <a:latin typeface="微软雅黑" panose="020B0503020204020204" pitchFamily="34" charset="-122"/>
+                <a:ea typeface="微软雅黑" panose="020B0503020204020204" pitchFamily="34" charset="-122"/>
               </a:defRPr>
             </a:lvl3pPr>
             <a:lvl4pPr>
               <a:defRPr>
-                <a:latin typeface="Microsoft YaHei" panose="020B0503020204020204" pitchFamily="34" charset="-122"/>
-                <a:ea typeface="Microsoft YaHei" panose="020B0503020204020204" pitchFamily="34" charset="-122"/>
+                <a:latin typeface="微软雅黑" panose="020B0503020204020204" pitchFamily="34" charset="-122"/>
+                <a:ea typeface="微软雅黑" panose="020B0503020204020204" pitchFamily="34" charset="-122"/>
               </a:defRPr>
             </a:lvl4pPr>
             <a:lvl5pPr>
               <a:defRPr>
-                <a:latin typeface="Microsoft YaHei" panose="020B0503020204020204" pitchFamily="34" charset="-122"/>
-                <a:ea typeface="Microsoft YaHei" panose="020B0503020204020204" pitchFamily="34" charset="-122"/>
+                <a:latin typeface="微软雅黑" panose="020B0503020204020204" pitchFamily="34" charset="-122"/>
+                <a:ea typeface="微软雅黑" panose="020B0503020204020204" pitchFamily="34" charset="-122"/>
               </a:defRPr>
             </a:lvl5pPr>
           </a:lstStyle>
@@ -1173,8 +1192,8 @@
                 <a:blip r:embed="rId3"/>
               </a:buBlip>
               <a:defRPr>
-                <a:latin typeface="Microsoft YaHei" panose="020B0503020204020204" pitchFamily="34" charset="-122"/>
-                <a:ea typeface="Microsoft YaHei" panose="020B0503020204020204" pitchFamily="34" charset="-122"/>
+                <a:latin typeface="微软雅黑" panose="020B0503020204020204" pitchFamily="34" charset="-122"/>
+                <a:ea typeface="微软雅黑" panose="020B0503020204020204" pitchFamily="34" charset="-122"/>
               </a:defRPr>
             </a:lvl1pPr>
             <a:lvl2pPr>
@@ -1184,8 +1203,8 @@
                 <a:blip r:embed="rId4"/>
               </a:buBlip>
               <a:defRPr>
-                <a:latin typeface="Microsoft YaHei" panose="020B0503020204020204" pitchFamily="34" charset="-122"/>
-                <a:ea typeface="Microsoft YaHei" panose="020B0503020204020204" pitchFamily="34" charset="-122"/>
+                <a:latin typeface="微软雅黑" panose="020B0503020204020204" pitchFamily="34" charset="-122"/>
+                <a:ea typeface="微软雅黑" panose="020B0503020204020204" pitchFamily="34" charset="-122"/>
               </a:defRPr>
             </a:lvl2pPr>
             <a:lvl3pPr>
@@ -1197,20 +1216,20 @@
               <a:buFont typeface="Wingdings" panose="05000000000000000000" pitchFamily="2" charset="2"/>
               <a:buChar char="Ø"/>
               <a:defRPr>
-                <a:latin typeface="Microsoft YaHei" panose="020B0503020204020204" pitchFamily="34" charset="-122"/>
-                <a:ea typeface="Microsoft YaHei" panose="020B0503020204020204" pitchFamily="34" charset="-122"/>
+                <a:latin typeface="微软雅黑" panose="020B0503020204020204" pitchFamily="34" charset="-122"/>
+                <a:ea typeface="微软雅黑" panose="020B0503020204020204" pitchFamily="34" charset="-122"/>
               </a:defRPr>
             </a:lvl3pPr>
             <a:lvl4pPr>
               <a:defRPr>
-                <a:latin typeface="Microsoft YaHei" panose="020B0503020204020204" pitchFamily="34" charset="-122"/>
-                <a:ea typeface="Microsoft YaHei" panose="020B0503020204020204" pitchFamily="34" charset="-122"/>
+                <a:latin typeface="微软雅黑" panose="020B0503020204020204" pitchFamily="34" charset="-122"/>
+                <a:ea typeface="微软雅黑" panose="020B0503020204020204" pitchFamily="34" charset="-122"/>
               </a:defRPr>
             </a:lvl4pPr>
             <a:lvl5pPr>
               <a:defRPr>
-                <a:latin typeface="Microsoft YaHei" panose="020B0503020204020204" pitchFamily="34" charset="-122"/>
-                <a:ea typeface="Microsoft YaHei" panose="020B0503020204020204" pitchFamily="34" charset="-122"/>
+                <a:latin typeface="微软雅黑" panose="020B0503020204020204" pitchFamily="34" charset="-122"/>
+                <a:ea typeface="微软雅黑" panose="020B0503020204020204" pitchFamily="34" charset="-122"/>
               </a:defRPr>
             </a:lvl5pPr>
           </a:lstStyle>
@@ -1303,8 +1322,8 @@
             <a:lvl1pPr marL="0" indent="0">
               <a:buNone/>
               <a:defRPr sz="2400" b="1">
-                <a:latin typeface="Microsoft YaHei" panose="020B0503020204020204" pitchFamily="34" charset="-122"/>
-                <a:ea typeface="Microsoft YaHei" panose="020B0503020204020204" pitchFamily="34" charset="-122"/>
+                <a:latin typeface="微软雅黑" panose="020B0503020204020204" pitchFamily="34" charset="-122"/>
+                <a:ea typeface="微软雅黑" panose="020B0503020204020204" pitchFamily="34" charset="-122"/>
               </a:defRPr>
             </a:lvl1pPr>
             <a:lvl2pPr marL="457200" indent="0">
@@ -1371,32 +1390,32 @@
           <a:lstStyle>
             <a:lvl1pPr>
               <a:defRPr sz="2400">
-                <a:latin typeface="Microsoft YaHei" panose="020B0503020204020204" pitchFamily="34" charset="-122"/>
-                <a:ea typeface="Microsoft YaHei" panose="020B0503020204020204" pitchFamily="34" charset="-122"/>
+                <a:latin typeface="微软雅黑" panose="020B0503020204020204" pitchFamily="34" charset="-122"/>
+                <a:ea typeface="微软雅黑" panose="020B0503020204020204" pitchFamily="34" charset="-122"/>
               </a:defRPr>
             </a:lvl1pPr>
             <a:lvl2pPr>
               <a:defRPr sz="2000">
-                <a:latin typeface="Microsoft YaHei" panose="020B0503020204020204" pitchFamily="34" charset="-122"/>
-                <a:ea typeface="Microsoft YaHei" panose="020B0503020204020204" pitchFamily="34" charset="-122"/>
+                <a:latin typeface="微软雅黑" panose="020B0503020204020204" pitchFamily="34" charset="-122"/>
+                <a:ea typeface="微软雅黑" panose="020B0503020204020204" pitchFamily="34" charset="-122"/>
               </a:defRPr>
             </a:lvl2pPr>
             <a:lvl3pPr>
               <a:defRPr sz="1800">
-                <a:latin typeface="Microsoft YaHei" panose="020B0503020204020204" pitchFamily="34" charset="-122"/>
-                <a:ea typeface="Microsoft YaHei" panose="020B0503020204020204" pitchFamily="34" charset="-122"/>
+                <a:latin typeface="微软雅黑" panose="020B0503020204020204" pitchFamily="34" charset="-122"/>
+                <a:ea typeface="微软雅黑" panose="020B0503020204020204" pitchFamily="34" charset="-122"/>
               </a:defRPr>
             </a:lvl3pPr>
             <a:lvl4pPr>
               <a:defRPr sz="1600">
-                <a:latin typeface="Microsoft YaHei" panose="020B0503020204020204" pitchFamily="34" charset="-122"/>
-                <a:ea typeface="Microsoft YaHei" panose="020B0503020204020204" pitchFamily="34" charset="-122"/>
+                <a:latin typeface="微软雅黑" panose="020B0503020204020204" pitchFamily="34" charset="-122"/>
+                <a:ea typeface="微软雅黑" panose="020B0503020204020204" pitchFamily="34" charset="-122"/>
               </a:defRPr>
             </a:lvl4pPr>
             <a:lvl5pPr>
               <a:defRPr sz="1600">
-                <a:latin typeface="Microsoft YaHei" panose="020B0503020204020204" pitchFamily="34" charset="-122"/>
-                <a:ea typeface="Microsoft YaHei" panose="020B0503020204020204" pitchFamily="34" charset="-122"/>
+                <a:latin typeface="微软雅黑" panose="020B0503020204020204" pitchFamily="34" charset="-122"/>
+                <a:ea typeface="微软雅黑" panose="020B0503020204020204" pitchFamily="34" charset="-122"/>
               </a:defRPr>
             </a:lvl5pPr>
             <a:lvl6pPr>
@@ -1476,8 +1495,8 @@
             <a:lvl1pPr marL="0" indent="0">
               <a:buNone/>
               <a:defRPr sz="2400" b="1">
-                <a:latin typeface="Microsoft YaHei" panose="020B0503020204020204" pitchFamily="34" charset="-122"/>
-                <a:ea typeface="Microsoft YaHei" panose="020B0503020204020204" pitchFamily="34" charset="-122"/>
+                <a:latin typeface="微软雅黑" panose="020B0503020204020204" pitchFamily="34" charset="-122"/>
+                <a:ea typeface="微软雅黑" panose="020B0503020204020204" pitchFamily="34" charset="-122"/>
               </a:defRPr>
             </a:lvl1pPr>
             <a:lvl2pPr marL="457200" indent="0">
@@ -1544,32 +1563,32 @@
           <a:lstStyle>
             <a:lvl1pPr>
               <a:defRPr sz="2400">
-                <a:latin typeface="Microsoft YaHei" panose="020B0503020204020204" pitchFamily="34" charset="-122"/>
-                <a:ea typeface="Microsoft YaHei" panose="020B0503020204020204" pitchFamily="34" charset="-122"/>
+                <a:latin typeface="微软雅黑" panose="020B0503020204020204" pitchFamily="34" charset="-122"/>
+                <a:ea typeface="微软雅黑" panose="020B0503020204020204" pitchFamily="34" charset="-122"/>
               </a:defRPr>
             </a:lvl1pPr>
             <a:lvl2pPr>
               <a:defRPr sz="2000">
-                <a:latin typeface="Microsoft YaHei" panose="020B0503020204020204" pitchFamily="34" charset="-122"/>
-                <a:ea typeface="Microsoft YaHei" panose="020B0503020204020204" pitchFamily="34" charset="-122"/>
+                <a:latin typeface="微软雅黑" panose="020B0503020204020204" pitchFamily="34" charset="-122"/>
+                <a:ea typeface="微软雅黑" panose="020B0503020204020204" pitchFamily="34" charset="-122"/>
               </a:defRPr>
             </a:lvl2pPr>
             <a:lvl3pPr>
               <a:defRPr sz="1800">
-                <a:latin typeface="Microsoft YaHei" panose="020B0503020204020204" pitchFamily="34" charset="-122"/>
-                <a:ea typeface="Microsoft YaHei" panose="020B0503020204020204" pitchFamily="34" charset="-122"/>
+                <a:latin typeface="微软雅黑" panose="020B0503020204020204" pitchFamily="34" charset="-122"/>
+                <a:ea typeface="微软雅黑" panose="020B0503020204020204" pitchFamily="34" charset="-122"/>
               </a:defRPr>
             </a:lvl3pPr>
             <a:lvl4pPr>
               <a:defRPr sz="1600">
-                <a:latin typeface="Microsoft YaHei" panose="020B0503020204020204" pitchFamily="34" charset="-122"/>
-                <a:ea typeface="Microsoft YaHei" panose="020B0503020204020204" pitchFamily="34" charset="-122"/>
+                <a:latin typeface="微软雅黑" panose="020B0503020204020204" pitchFamily="34" charset="-122"/>
+                <a:ea typeface="微软雅黑" panose="020B0503020204020204" pitchFamily="34" charset="-122"/>
               </a:defRPr>
             </a:lvl4pPr>
             <a:lvl5pPr>
               <a:defRPr sz="1600">
-                <a:latin typeface="Microsoft YaHei" panose="020B0503020204020204" pitchFamily="34" charset="-122"/>
-                <a:ea typeface="Microsoft YaHei" panose="020B0503020204020204" pitchFamily="34" charset="-122"/>
+                <a:latin typeface="微软雅黑" panose="020B0503020204020204" pitchFamily="34" charset="-122"/>
+                <a:ea typeface="微软雅黑" panose="020B0503020204020204" pitchFamily="34" charset="-122"/>
               </a:defRPr>
             </a:lvl5pPr>
             <a:lvl6pPr>
@@ -2331,8 +2350,8 @@
                 <a:solidFill>
                   <a:srgbClr val="0070C0"/>
                 </a:solidFill>
-                <a:latin typeface="Microsoft YaHei" panose="020B0503020204020204" pitchFamily="34" charset="-122"/>
-                <a:ea typeface="Microsoft YaHei" panose="020B0503020204020204" pitchFamily="34" charset="-122"/>
+                <a:latin typeface="微软雅黑" panose="020B0503020204020204" pitchFamily="34" charset="-122"/>
+                <a:ea typeface="微软雅黑" panose="020B0503020204020204" pitchFamily="34" charset="-122"/>
                 <a:cs typeface="+mn-cs"/>
               </a:defRPr>
             </a:lvl1pPr>
@@ -2539,8 +2558,8 @@
                 <a:blip r:embed="rId2"/>
               </a:buBlip>
               <a:defRPr>
-                <a:latin typeface="Microsoft YaHei" panose="020B0503020204020204" pitchFamily="34" charset="-122"/>
-                <a:ea typeface="Microsoft YaHei" panose="020B0503020204020204" pitchFamily="34" charset="-122"/>
+                <a:latin typeface="微软雅黑" panose="020B0503020204020204" pitchFamily="34" charset="-122"/>
+                <a:ea typeface="微软雅黑" panose="020B0503020204020204" pitchFamily="34" charset="-122"/>
               </a:defRPr>
             </a:lvl1pPr>
             <a:lvl2pPr>
@@ -2550,8 +2569,8 @@
                 <a:blip r:embed="rId3"/>
               </a:buBlip>
               <a:defRPr>
-                <a:latin typeface="Microsoft YaHei" panose="020B0503020204020204" pitchFamily="34" charset="-122"/>
-                <a:ea typeface="Microsoft YaHei" panose="020B0503020204020204" pitchFamily="34" charset="-122"/>
+                <a:latin typeface="微软雅黑" panose="020B0503020204020204" pitchFamily="34" charset="-122"/>
+                <a:ea typeface="微软雅黑" panose="020B0503020204020204" pitchFamily="34" charset="-122"/>
               </a:defRPr>
             </a:lvl2pPr>
             <a:lvl3pPr>
@@ -2563,20 +2582,20 @@
               <a:buFont typeface="Wingdings" panose="05000000000000000000" pitchFamily="2" charset="2"/>
               <a:buChar char="Ø"/>
               <a:defRPr>
-                <a:latin typeface="Microsoft YaHei" panose="020B0503020204020204" pitchFamily="34" charset="-122"/>
-                <a:ea typeface="Microsoft YaHei" panose="020B0503020204020204" pitchFamily="34" charset="-122"/>
+                <a:latin typeface="微软雅黑" panose="020B0503020204020204" pitchFamily="34" charset="-122"/>
+                <a:ea typeface="微软雅黑" panose="020B0503020204020204" pitchFamily="34" charset="-122"/>
               </a:defRPr>
             </a:lvl3pPr>
             <a:lvl4pPr>
               <a:defRPr>
-                <a:latin typeface="Microsoft YaHei" panose="020B0503020204020204" pitchFamily="34" charset="-122"/>
-                <a:ea typeface="Microsoft YaHei" panose="020B0503020204020204" pitchFamily="34" charset="-122"/>
+                <a:latin typeface="微软雅黑" panose="020B0503020204020204" pitchFamily="34" charset="-122"/>
+                <a:ea typeface="微软雅黑" panose="020B0503020204020204" pitchFamily="34" charset="-122"/>
               </a:defRPr>
             </a:lvl4pPr>
             <a:lvl5pPr>
               <a:defRPr>
-                <a:latin typeface="Microsoft YaHei" panose="020B0503020204020204" pitchFamily="34" charset="-122"/>
-                <a:ea typeface="Microsoft YaHei" panose="020B0503020204020204" pitchFamily="34" charset="-122"/>
+                <a:latin typeface="微软雅黑" panose="020B0503020204020204" pitchFamily="34" charset="-122"/>
+                <a:ea typeface="微软雅黑" panose="020B0503020204020204" pitchFamily="34" charset="-122"/>
               </a:defRPr>
             </a:lvl5pPr>
           </a:lstStyle>
@@ -2965,8 +2984,8 @@
                 <a:blip r:embed="rId3"/>
               </a:buBlip>
               <a:defRPr>
-                <a:latin typeface="Microsoft YaHei" panose="020B0503020204020204" pitchFamily="34" charset="-122"/>
-                <a:ea typeface="Microsoft YaHei" panose="020B0503020204020204" pitchFamily="34" charset="-122"/>
+                <a:latin typeface="微软雅黑" panose="020B0503020204020204" pitchFamily="34" charset="-122"/>
+                <a:ea typeface="微软雅黑" panose="020B0503020204020204" pitchFamily="34" charset="-122"/>
               </a:defRPr>
             </a:lvl1pPr>
             <a:lvl2pPr>
@@ -2976,8 +2995,8 @@
                 <a:blip r:embed="rId4"/>
               </a:buBlip>
               <a:defRPr>
-                <a:latin typeface="Microsoft YaHei" panose="020B0503020204020204" pitchFamily="34" charset="-122"/>
-                <a:ea typeface="Microsoft YaHei" panose="020B0503020204020204" pitchFamily="34" charset="-122"/>
+                <a:latin typeface="微软雅黑" panose="020B0503020204020204" pitchFamily="34" charset="-122"/>
+                <a:ea typeface="微软雅黑" panose="020B0503020204020204" pitchFamily="34" charset="-122"/>
               </a:defRPr>
             </a:lvl2pPr>
             <a:lvl3pPr>
@@ -2989,20 +3008,20 @@
               <a:buFont typeface="Wingdings" panose="05000000000000000000" pitchFamily="2" charset="2"/>
               <a:buChar char="Ø"/>
               <a:defRPr>
-                <a:latin typeface="Microsoft YaHei" panose="020B0503020204020204" pitchFamily="34" charset="-122"/>
-                <a:ea typeface="Microsoft YaHei" panose="020B0503020204020204" pitchFamily="34" charset="-122"/>
+                <a:latin typeface="微软雅黑" panose="020B0503020204020204" pitchFamily="34" charset="-122"/>
+                <a:ea typeface="微软雅黑" panose="020B0503020204020204" pitchFamily="34" charset="-122"/>
               </a:defRPr>
             </a:lvl3pPr>
             <a:lvl4pPr>
               <a:defRPr>
-                <a:latin typeface="Microsoft YaHei" panose="020B0503020204020204" pitchFamily="34" charset="-122"/>
-                <a:ea typeface="Microsoft YaHei" panose="020B0503020204020204" pitchFamily="34" charset="-122"/>
+                <a:latin typeface="微软雅黑" panose="020B0503020204020204" pitchFamily="34" charset="-122"/>
+                <a:ea typeface="微软雅黑" panose="020B0503020204020204" pitchFamily="34" charset="-122"/>
               </a:defRPr>
             </a:lvl4pPr>
             <a:lvl5pPr>
               <a:defRPr>
-                <a:latin typeface="Microsoft YaHei" panose="020B0503020204020204" pitchFamily="34" charset="-122"/>
-                <a:ea typeface="Microsoft YaHei" panose="020B0503020204020204" pitchFamily="34" charset="-122"/>
+                <a:latin typeface="微软雅黑" panose="020B0503020204020204" pitchFamily="34" charset="-122"/>
+                <a:ea typeface="微软雅黑" panose="020B0503020204020204" pitchFamily="34" charset="-122"/>
               </a:defRPr>
             </a:lvl5pPr>
           </a:lstStyle>
@@ -3074,8 +3093,8 @@
                 <a:blip r:embed="rId3"/>
               </a:buBlip>
               <a:defRPr>
-                <a:latin typeface="Microsoft YaHei" panose="020B0503020204020204" pitchFamily="34" charset="-122"/>
-                <a:ea typeface="Microsoft YaHei" panose="020B0503020204020204" pitchFamily="34" charset="-122"/>
+                <a:latin typeface="微软雅黑" panose="020B0503020204020204" pitchFamily="34" charset="-122"/>
+                <a:ea typeface="微软雅黑" panose="020B0503020204020204" pitchFamily="34" charset="-122"/>
               </a:defRPr>
             </a:lvl1pPr>
             <a:lvl2pPr>
@@ -3085,8 +3104,8 @@
                 <a:blip r:embed="rId4"/>
               </a:buBlip>
               <a:defRPr>
-                <a:latin typeface="Microsoft YaHei" panose="020B0503020204020204" pitchFamily="34" charset="-122"/>
-                <a:ea typeface="Microsoft YaHei" panose="020B0503020204020204" pitchFamily="34" charset="-122"/>
+                <a:latin typeface="微软雅黑" panose="020B0503020204020204" pitchFamily="34" charset="-122"/>
+                <a:ea typeface="微软雅黑" panose="020B0503020204020204" pitchFamily="34" charset="-122"/>
               </a:defRPr>
             </a:lvl2pPr>
             <a:lvl3pPr>
@@ -3098,20 +3117,20 @@
               <a:buFont typeface="Wingdings" panose="05000000000000000000" pitchFamily="2" charset="2"/>
               <a:buChar char="Ø"/>
               <a:defRPr>
-                <a:latin typeface="Microsoft YaHei" panose="020B0503020204020204" pitchFamily="34" charset="-122"/>
-                <a:ea typeface="Microsoft YaHei" panose="020B0503020204020204" pitchFamily="34" charset="-122"/>
+                <a:latin typeface="微软雅黑" panose="020B0503020204020204" pitchFamily="34" charset="-122"/>
+                <a:ea typeface="微软雅黑" panose="020B0503020204020204" pitchFamily="34" charset="-122"/>
               </a:defRPr>
             </a:lvl3pPr>
             <a:lvl4pPr>
               <a:defRPr>
-                <a:latin typeface="Microsoft YaHei" panose="020B0503020204020204" pitchFamily="34" charset="-122"/>
-                <a:ea typeface="Microsoft YaHei" panose="020B0503020204020204" pitchFamily="34" charset="-122"/>
+                <a:latin typeface="微软雅黑" panose="020B0503020204020204" pitchFamily="34" charset="-122"/>
+                <a:ea typeface="微软雅黑" panose="020B0503020204020204" pitchFamily="34" charset="-122"/>
               </a:defRPr>
             </a:lvl4pPr>
             <a:lvl5pPr>
               <a:defRPr>
-                <a:latin typeface="Microsoft YaHei" panose="020B0503020204020204" pitchFamily="34" charset="-122"/>
-                <a:ea typeface="Microsoft YaHei" panose="020B0503020204020204" pitchFamily="34" charset="-122"/>
+                <a:latin typeface="微软雅黑" panose="020B0503020204020204" pitchFamily="34" charset="-122"/>
+                <a:ea typeface="微软雅黑" panose="020B0503020204020204" pitchFamily="34" charset="-122"/>
               </a:defRPr>
             </a:lvl5pPr>
           </a:lstStyle>
@@ -3204,8 +3223,8 @@
             <a:lvl1pPr marL="0" indent="0">
               <a:buNone/>
               <a:defRPr sz="2400" b="1">
-                <a:latin typeface="Microsoft YaHei" panose="020B0503020204020204" pitchFamily="34" charset="-122"/>
-                <a:ea typeface="Microsoft YaHei" panose="020B0503020204020204" pitchFamily="34" charset="-122"/>
+                <a:latin typeface="微软雅黑" panose="020B0503020204020204" pitchFamily="34" charset="-122"/>
+                <a:ea typeface="微软雅黑" panose="020B0503020204020204" pitchFamily="34" charset="-122"/>
               </a:defRPr>
             </a:lvl1pPr>
             <a:lvl2pPr marL="457200" indent="0">
@@ -3272,32 +3291,32 @@
           <a:lstStyle>
             <a:lvl1pPr>
               <a:defRPr sz="2400">
-                <a:latin typeface="Microsoft YaHei" panose="020B0503020204020204" pitchFamily="34" charset="-122"/>
-                <a:ea typeface="Microsoft YaHei" panose="020B0503020204020204" pitchFamily="34" charset="-122"/>
+                <a:latin typeface="微软雅黑" panose="020B0503020204020204" pitchFamily="34" charset="-122"/>
+                <a:ea typeface="微软雅黑" panose="020B0503020204020204" pitchFamily="34" charset="-122"/>
               </a:defRPr>
             </a:lvl1pPr>
             <a:lvl2pPr>
               <a:defRPr sz="2000">
-                <a:latin typeface="Microsoft YaHei" panose="020B0503020204020204" pitchFamily="34" charset="-122"/>
-                <a:ea typeface="Microsoft YaHei" panose="020B0503020204020204" pitchFamily="34" charset="-122"/>
+                <a:latin typeface="微软雅黑" panose="020B0503020204020204" pitchFamily="34" charset="-122"/>
+                <a:ea typeface="微软雅黑" panose="020B0503020204020204" pitchFamily="34" charset="-122"/>
               </a:defRPr>
             </a:lvl2pPr>
             <a:lvl3pPr>
               <a:defRPr sz="1800">
-                <a:latin typeface="Microsoft YaHei" panose="020B0503020204020204" pitchFamily="34" charset="-122"/>
-                <a:ea typeface="Microsoft YaHei" panose="020B0503020204020204" pitchFamily="34" charset="-122"/>
+                <a:latin typeface="微软雅黑" panose="020B0503020204020204" pitchFamily="34" charset="-122"/>
+                <a:ea typeface="微软雅黑" panose="020B0503020204020204" pitchFamily="34" charset="-122"/>
               </a:defRPr>
             </a:lvl3pPr>
             <a:lvl4pPr>
               <a:defRPr sz="1600">
-                <a:latin typeface="Microsoft YaHei" panose="020B0503020204020204" pitchFamily="34" charset="-122"/>
-                <a:ea typeface="Microsoft YaHei" panose="020B0503020204020204" pitchFamily="34" charset="-122"/>
+                <a:latin typeface="微软雅黑" panose="020B0503020204020204" pitchFamily="34" charset="-122"/>
+                <a:ea typeface="微软雅黑" panose="020B0503020204020204" pitchFamily="34" charset="-122"/>
               </a:defRPr>
             </a:lvl4pPr>
             <a:lvl5pPr>
               <a:defRPr sz="1600">
-                <a:latin typeface="Microsoft YaHei" panose="020B0503020204020204" pitchFamily="34" charset="-122"/>
-                <a:ea typeface="Microsoft YaHei" panose="020B0503020204020204" pitchFamily="34" charset="-122"/>
+                <a:latin typeface="微软雅黑" panose="020B0503020204020204" pitchFamily="34" charset="-122"/>
+                <a:ea typeface="微软雅黑" panose="020B0503020204020204" pitchFamily="34" charset="-122"/>
               </a:defRPr>
             </a:lvl5pPr>
             <a:lvl6pPr>
@@ -3377,8 +3396,8 @@
             <a:lvl1pPr marL="0" indent="0">
               <a:buNone/>
               <a:defRPr sz="2400" b="1">
-                <a:latin typeface="Microsoft YaHei" panose="020B0503020204020204" pitchFamily="34" charset="-122"/>
-                <a:ea typeface="Microsoft YaHei" panose="020B0503020204020204" pitchFamily="34" charset="-122"/>
+                <a:latin typeface="微软雅黑" panose="020B0503020204020204" pitchFamily="34" charset="-122"/>
+                <a:ea typeface="微软雅黑" panose="020B0503020204020204" pitchFamily="34" charset="-122"/>
               </a:defRPr>
             </a:lvl1pPr>
             <a:lvl2pPr marL="457200" indent="0">
@@ -3445,32 +3464,32 @@
           <a:lstStyle>
             <a:lvl1pPr>
               <a:defRPr sz="2400">
-                <a:latin typeface="Microsoft YaHei" panose="020B0503020204020204" pitchFamily="34" charset="-122"/>
-                <a:ea typeface="Microsoft YaHei" panose="020B0503020204020204" pitchFamily="34" charset="-122"/>
+                <a:latin typeface="微软雅黑" panose="020B0503020204020204" pitchFamily="34" charset="-122"/>
+                <a:ea typeface="微软雅黑" panose="020B0503020204020204" pitchFamily="34" charset="-122"/>
               </a:defRPr>
             </a:lvl1pPr>
             <a:lvl2pPr>
               <a:defRPr sz="2000">
-                <a:latin typeface="Microsoft YaHei" panose="020B0503020204020204" pitchFamily="34" charset="-122"/>
-                <a:ea typeface="Microsoft YaHei" panose="020B0503020204020204" pitchFamily="34" charset="-122"/>
+                <a:latin typeface="微软雅黑" panose="020B0503020204020204" pitchFamily="34" charset="-122"/>
+                <a:ea typeface="微软雅黑" panose="020B0503020204020204" pitchFamily="34" charset="-122"/>
               </a:defRPr>
             </a:lvl2pPr>
             <a:lvl3pPr>
               <a:defRPr sz="1800">
-                <a:latin typeface="Microsoft YaHei" panose="020B0503020204020204" pitchFamily="34" charset="-122"/>
-                <a:ea typeface="Microsoft YaHei" panose="020B0503020204020204" pitchFamily="34" charset="-122"/>
+                <a:latin typeface="微软雅黑" panose="020B0503020204020204" pitchFamily="34" charset="-122"/>
+                <a:ea typeface="微软雅黑" panose="020B0503020204020204" pitchFamily="34" charset="-122"/>
               </a:defRPr>
             </a:lvl3pPr>
             <a:lvl4pPr>
               <a:defRPr sz="1600">
-                <a:latin typeface="Microsoft YaHei" panose="020B0503020204020204" pitchFamily="34" charset="-122"/>
-                <a:ea typeface="Microsoft YaHei" panose="020B0503020204020204" pitchFamily="34" charset="-122"/>
+                <a:latin typeface="微软雅黑" panose="020B0503020204020204" pitchFamily="34" charset="-122"/>
+                <a:ea typeface="微软雅黑" panose="020B0503020204020204" pitchFamily="34" charset="-122"/>
               </a:defRPr>
             </a:lvl4pPr>
             <a:lvl5pPr>
               <a:defRPr sz="1600">
-                <a:latin typeface="Microsoft YaHei" panose="020B0503020204020204" pitchFamily="34" charset="-122"/>
-                <a:ea typeface="Microsoft YaHei" panose="020B0503020204020204" pitchFamily="34" charset="-122"/>
+                <a:latin typeface="微软雅黑" panose="020B0503020204020204" pitchFamily="34" charset="-122"/>
+                <a:ea typeface="微软雅黑" panose="020B0503020204020204" pitchFamily="34" charset="-122"/>
               </a:defRPr>
             </a:lvl5pPr>
             <a:lvl6pPr>
@@ -3976,8 +3995,8 @@
                 <a:blip r:embed="rId2"/>
               </a:buBlip>
               <a:defRPr>
-                <a:latin typeface="Microsoft YaHei" panose="020B0503020204020204" pitchFamily="34" charset="-122"/>
-                <a:ea typeface="Microsoft YaHei" panose="020B0503020204020204" pitchFamily="34" charset="-122"/>
+                <a:latin typeface="微软雅黑" panose="020B0503020204020204" pitchFamily="34" charset="-122"/>
+                <a:ea typeface="微软雅黑" panose="020B0503020204020204" pitchFamily="34" charset="-122"/>
               </a:defRPr>
             </a:lvl1pPr>
             <a:lvl2pPr>
@@ -3987,8 +4006,8 @@
                 <a:blip r:embed="rId3"/>
               </a:buBlip>
               <a:defRPr>
-                <a:latin typeface="Microsoft YaHei" panose="020B0503020204020204" pitchFamily="34" charset="-122"/>
-                <a:ea typeface="Microsoft YaHei" panose="020B0503020204020204" pitchFamily="34" charset="-122"/>
+                <a:latin typeface="微软雅黑" panose="020B0503020204020204" pitchFamily="34" charset="-122"/>
+                <a:ea typeface="微软雅黑" panose="020B0503020204020204" pitchFamily="34" charset="-122"/>
               </a:defRPr>
             </a:lvl2pPr>
             <a:lvl3pPr>
@@ -4000,20 +4019,20 @@
               <a:buFont typeface="Wingdings" panose="05000000000000000000" pitchFamily="2" charset="2"/>
               <a:buChar char="Ø"/>
               <a:defRPr>
-                <a:latin typeface="Microsoft YaHei" panose="020B0503020204020204" pitchFamily="34" charset="-122"/>
-                <a:ea typeface="Microsoft YaHei" panose="020B0503020204020204" pitchFamily="34" charset="-122"/>
+                <a:latin typeface="微软雅黑" panose="020B0503020204020204" pitchFamily="34" charset="-122"/>
+                <a:ea typeface="微软雅黑" panose="020B0503020204020204" pitchFamily="34" charset="-122"/>
               </a:defRPr>
             </a:lvl3pPr>
             <a:lvl4pPr>
               <a:defRPr>
-                <a:latin typeface="Microsoft YaHei" panose="020B0503020204020204" pitchFamily="34" charset="-122"/>
-                <a:ea typeface="Microsoft YaHei" panose="020B0503020204020204" pitchFamily="34" charset="-122"/>
+                <a:latin typeface="微软雅黑" panose="020B0503020204020204" pitchFamily="34" charset="-122"/>
+                <a:ea typeface="微软雅黑" panose="020B0503020204020204" pitchFamily="34" charset="-122"/>
               </a:defRPr>
             </a:lvl4pPr>
             <a:lvl5pPr>
               <a:defRPr>
-                <a:latin typeface="Microsoft YaHei" panose="020B0503020204020204" pitchFamily="34" charset="-122"/>
-                <a:ea typeface="Microsoft YaHei" panose="020B0503020204020204" pitchFamily="34" charset="-122"/>
+                <a:latin typeface="微软雅黑" panose="020B0503020204020204" pitchFamily="34" charset="-122"/>
+                <a:ea typeface="微软雅黑" panose="020B0503020204020204" pitchFamily="34" charset="-122"/>
               </a:defRPr>
             </a:lvl5pPr>
           </a:lstStyle>
@@ -4529,8 +4548,8 @@
                 <a:solidFill>
                   <a:srgbClr val="0070C0"/>
                 </a:solidFill>
-                <a:latin typeface="Microsoft YaHei" panose="020B0503020204020204" pitchFamily="34" charset="-122"/>
-                <a:ea typeface="Microsoft YaHei" panose="020B0503020204020204" pitchFamily="34" charset="-122"/>
+                <a:latin typeface="微软雅黑" panose="020B0503020204020204" pitchFamily="34" charset="-122"/>
+                <a:ea typeface="微软雅黑" panose="020B0503020204020204" pitchFamily="34" charset="-122"/>
                 <a:cs typeface="+mn-cs"/>
               </a:defRPr>
             </a:lvl1pPr>
@@ -4737,8 +4756,8 @@
                 <a:blip r:embed="rId2"/>
               </a:buBlip>
               <a:defRPr>
-                <a:latin typeface="Microsoft YaHei" panose="020B0503020204020204" pitchFamily="34" charset="-122"/>
-                <a:ea typeface="Microsoft YaHei" panose="020B0503020204020204" pitchFamily="34" charset="-122"/>
+                <a:latin typeface="微软雅黑" panose="020B0503020204020204" pitchFamily="34" charset="-122"/>
+                <a:ea typeface="微软雅黑" panose="020B0503020204020204" pitchFamily="34" charset="-122"/>
               </a:defRPr>
             </a:lvl1pPr>
             <a:lvl2pPr>
@@ -4748,8 +4767,8 @@
                 <a:blip r:embed="rId3"/>
               </a:buBlip>
               <a:defRPr>
-                <a:latin typeface="Microsoft YaHei" panose="020B0503020204020204" pitchFamily="34" charset="-122"/>
-                <a:ea typeface="Microsoft YaHei" panose="020B0503020204020204" pitchFamily="34" charset="-122"/>
+                <a:latin typeface="微软雅黑" panose="020B0503020204020204" pitchFamily="34" charset="-122"/>
+                <a:ea typeface="微软雅黑" panose="020B0503020204020204" pitchFamily="34" charset="-122"/>
               </a:defRPr>
             </a:lvl2pPr>
             <a:lvl3pPr>
@@ -4761,20 +4780,20 @@
               <a:buFont typeface="Wingdings" panose="05000000000000000000" pitchFamily="2" charset="2"/>
               <a:buChar char="Ø"/>
               <a:defRPr>
-                <a:latin typeface="Microsoft YaHei" panose="020B0503020204020204" pitchFamily="34" charset="-122"/>
-                <a:ea typeface="Microsoft YaHei" panose="020B0503020204020204" pitchFamily="34" charset="-122"/>
+                <a:latin typeface="微软雅黑" panose="020B0503020204020204" pitchFamily="34" charset="-122"/>
+                <a:ea typeface="微软雅黑" panose="020B0503020204020204" pitchFamily="34" charset="-122"/>
               </a:defRPr>
             </a:lvl3pPr>
             <a:lvl4pPr>
               <a:defRPr>
-                <a:latin typeface="Microsoft YaHei" panose="020B0503020204020204" pitchFamily="34" charset="-122"/>
-                <a:ea typeface="Microsoft YaHei" panose="020B0503020204020204" pitchFamily="34" charset="-122"/>
+                <a:latin typeface="微软雅黑" panose="020B0503020204020204" pitchFamily="34" charset="-122"/>
+                <a:ea typeface="微软雅黑" panose="020B0503020204020204" pitchFamily="34" charset="-122"/>
               </a:defRPr>
             </a:lvl4pPr>
             <a:lvl5pPr>
               <a:defRPr>
-                <a:latin typeface="Microsoft YaHei" panose="020B0503020204020204" pitchFamily="34" charset="-122"/>
-                <a:ea typeface="Microsoft YaHei" panose="020B0503020204020204" pitchFamily="34" charset="-122"/>
+                <a:latin typeface="微软雅黑" panose="020B0503020204020204" pitchFamily="34" charset="-122"/>
+                <a:ea typeface="微软雅黑" panose="020B0503020204020204" pitchFamily="34" charset="-122"/>
               </a:defRPr>
             </a:lvl5pPr>
           </a:lstStyle>
@@ -5163,8 +5182,8 @@
                 <a:blip r:embed="rId3"/>
               </a:buBlip>
               <a:defRPr>
-                <a:latin typeface="Microsoft YaHei" panose="020B0503020204020204" pitchFamily="34" charset="-122"/>
-                <a:ea typeface="Microsoft YaHei" panose="020B0503020204020204" pitchFamily="34" charset="-122"/>
+                <a:latin typeface="微软雅黑" panose="020B0503020204020204" pitchFamily="34" charset="-122"/>
+                <a:ea typeface="微软雅黑" panose="020B0503020204020204" pitchFamily="34" charset="-122"/>
               </a:defRPr>
             </a:lvl1pPr>
             <a:lvl2pPr>
@@ -5174,8 +5193,8 @@
                 <a:blip r:embed="rId4"/>
               </a:buBlip>
               <a:defRPr>
-                <a:latin typeface="Microsoft YaHei" panose="020B0503020204020204" pitchFamily="34" charset="-122"/>
-                <a:ea typeface="Microsoft YaHei" panose="020B0503020204020204" pitchFamily="34" charset="-122"/>
+                <a:latin typeface="微软雅黑" panose="020B0503020204020204" pitchFamily="34" charset="-122"/>
+                <a:ea typeface="微软雅黑" panose="020B0503020204020204" pitchFamily="34" charset="-122"/>
               </a:defRPr>
             </a:lvl2pPr>
             <a:lvl3pPr>
@@ -5187,20 +5206,20 @@
               <a:buFont typeface="Wingdings" panose="05000000000000000000" pitchFamily="2" charset="2"/>
               <a:buChar char="Ø"/>
               <a:defRPr>
-                <a:latin typeface="Microsoft YaHei" panose="020B0503020204020204" pitchFamily="34" charset="-122"/>
-                <a:ea typeface="Microsoft YaHei" panose="020B0503020204020204" pitchFamily="34" charset="-122"/>
+                <a:latin typeface="微软雅黑" panose="020B0503020204020204" pitchFamily="34" charset="-122"/>
+                <a:ea typeface="微软雅黑" panose="020B0503020204020204" pitchFamily="34" charset="-122"/>
               </a:defRPr>
             </a:lvl3pPr>
             <a:lvl4pPr>
               <a:defRPr>
-                <a:latin typeface="Microsoft YaHei" panose="020B0503020204020204" pitchFamily="34" charset="-122"/>
-                <a:ea typeface="Microsoft YaHei" panose="020B0503020204020204" pitchFamily="34" charset="-122"/>
+                <a:latin typeface="微软雅黑" panose="020B0503020204020204" pitchFamily="34" charset="-122"/>
+                <a:ea typeface="微软雅黑" panose="020B0503020204020204" pitchFamily="34" charset="-122"/>
               </a:defRPr>
             </a:lvl4pPr>
             <a:lvl5pPr>
               <a:defRPr>
-                <a:latin typeface="Microsoft YaHei" panose="020B0503020204020204" pitchFamily="34" charset="-122"/>
-                <a:ea typeface="Microsoft YaHei" panose="020B0503020204020204" pitchFamily="34" charset="-122"/>
+                <a:latin typeface="微软雅黑" panose="020B0503020204020204" pitchFamily="34" charset="-122"/>
+                <a:ea typeface="微软雅黑" panose="020B0503020204020204" pitchFamily="34" charset="-122"/>
               </a:defRPr>
             </a:lvl5pPr>
           </a:lstStyle>
@@ -5272,8 +5291,8 @@
                 <a:blip r:embed="rId3"/>
               </a:buBlip>
               <a:defRPr>
-                <a:latin typeface="Microsoft YaHei" panose="020B0503020204020204" pitchFamily="34" charset="-122"/>
-                <a:ea typeface="Microsoft YaHei" panose="020B0503020204020204" pitchFamily="34" charset="-122"/>
+                <a:latin typeface="微软雅黑" panose="020B0503020204020204" pitchFamily="34" charset="-122"/>
+                <a:ea typeface="微软雅黑" panose="020B0503020204020204" pitchFamily="34" charset="-122"/>
               </a:defRPr>
             </a:lvl1pPr>
             <a:lvl2pPr>
@@ -5283,8 +5302,8 @@
                 <a:blip r:embed="rId4"/>
               </a:buBlip>
               <a:defRPr>
-                <a:latin typeface="Microsoft YaHei" panose="020B0503020204020204" pitchFamily="34" charset="-122"/>
-                <a:ea typeface="Microsoft YaHei" panose="020B0503020204020204" pitchFamily="34" charset="-122"/>
+                <a:latin typeface="微软雅黑" panose="020B0503020204020204" pitchFamily="34" charset="-122"/>
+                <a:ea typeface="微软雅黑" panose="020B0503020204020204" pitchFamily="34" charset="-122"/>
               </a:defRPr>
             </a:lvl2pPr>
             <a:lvl3pPr>
@@ -5296,20 +5315,20 @@
               <a:buFont typeface="Wingdings" panose="05000000000000000000" pitchFamily="2" charset="2"/>
               <a:buChar char="Ø"/>
               <a:defRPr>
-                <a:latin typeface="Microsoft YaHei" panose="020B0503020204020204" pitchFamily="34" charset="-122"/>
-                <a:ea typeface="Microsoft YaHei" panose="020B0503020204020204" pitchFamily="34" charset="-122"/>
+                <a:latin typeface="微软雅黑" panose="020B0503020204020204" pitchFamily="34" charset="-122"/>
+                <a:ea typeface="微软雅黑" panose="020B0503020204020204" pitchFamily="34" charset="-122"/>
               </a:defRPr>
             </a:lvl3pPr>
             <a:lvl4pPr>
               <a:defRPr>
-                <a:latin typeface="Microsoft YaHei" panose="020B0503020204020204" pitchFamily="34" charset="-122"/>
-                <a:ea typeface="Microsoft YaHei" panose="020B0503020204020204" pitchFamily="34" charset="-122"/>
+                <a:latin typeface="微软雅黑" panose="020B0503020204020204" pitchFamily="34" charset="-122"/>
+                <a:ea typeface="微软雅黑" panose="020B0503020204020204" pitchFamily="34" charset="-122"/>
               </a:defRPr>
             </a:lvl4pPr>
             <a:lvl5pPr>
               <a:defRPr>
-                <a:latin typeface="Microsoft YaHei" panose="020B0503020204020204" pitchFamily="34" charset="-122"/>
-                <a:ea typeface="Microsoft YaHei" panose="020B0503020204020204" pitchFamily="34" charset="-122"/>
+                <a:latin typeface="微软雅黑" panose="020B0503020204020204" pitchFamily="34" charset="-122"/>
+                <a:ea typeface="微软雅黑" panose="020B0503020204020204" pitchFamily="34" charset="-122"/>
               </a:defRPr>
             </a:lvl5pPr>
           </a:lstStyle>
@@ -5402,8 +5421,8 @@
             <a:lvl1pPr marL="0" indent="0">
               <a:buNone/>
               <a:defRPr sz="2400" b="1">
-                <a:latin typeface="Microsoft YaHei" panose="020B0503020204020204" pitchFamily="34" charset="-122"/>
-                <a:ea typeface="Microsoft YaHei" panose="020B0503020204020204" pitchFamily="34" charset="-122"/>
+                <a:latin typeface="微软雅黑" panose="020B0503020204020204" pitchFamily="34" charset="-122"/>
+                <a:ea typeface="微软雅黑" panose="020B0503020204020204" pitchFamily="34" charset="-122"/>
               </a:defRPr>
             </a:lvl1pPr>
             <a:lvl2pPr marL="457200" indent="0">
@@ -5470,32 +5489,32 @@
           <a:lstStyle>
             <a:lvl1pPr>
               <a:defRPr sz="2400">
-                <a:latin typeface="Microsoft YaHei" panose="020B0503020204020204" pitchFamily="34" charset="-122"/>
-                <a:ea typeface="Microsoft YaHei" panose="020B0503020204020204" pitchFamily="34" charset="-122"/>
+                <a:latin typeface="微软雅黑" panose="020B0503020204020204" pitchFamily="34" charset="-122"/>
+                <a:ea typeface="微软雅黑" panose="020B0503020204020204" pitchFamily="34" charset="-122"/>
               </a:defRPr>
             </a:lvl1pPr>
             <a:lvl2pPr>
               <a:defRPr sz="2000">
-                <a:latin typeface="Microsoft YaHei" panose="020B0503020204020204" pitchFamily="34" charset="-122"/>
-                <a:ea typeface="Microsoft YaHei" panose="020B0503020204020204" pitchFamily="34" charset="-122"/>
+                <a:latin typeface="微软雅黑" panose="020B0503020204020204" pitchFamily="34" charset="-122"/>
+                <a:ea typeface="微软雅黑" panose="020B0503020204020204" pitchFamily="34" charset="-122"/>
               </a:defRPr>
             </a:lvl2pPr>
             <a:lvl3pPr>
               <a:defRPr sz="1800">
-                <a:latin typeface="Microsoft YaHei" panose="020B0503020204020204" pitchFamily="34" charset="-122"/>
-                <a:ea typeface="Microsoft YaHei" panose="020B0503020204020204" pitchFamily="34" charset="-122"/>
+                <a:latin typeface="微软雅黑" panose="020B0503020204020204" pitchFamily="34" charset="-122"/>
+                <a:ea typeface="微软雅黑" panose="020B0503020204020204" pitchFamily="34" charset="-122"/>
               </a:defRPr>
             </a:lvl3pPr>
             <a:lvl4pPr>
               <a:defRPr sz="1600">
-                <a:latin typeface="Microsoft YaHei" panose="020B0503020204020204" pitchFamily="34" charset="-122"/>
-                <a:ea typeface="Microsoft YaHei" panose="020B0503020204020204" pitchFamily="34" charset="-122"/>
+                <a:latin typeface="微软雅黑" panose="020B0503020204020204" pitchFamily="34" charset="-122"/>
+                <a:ea typeface="微软雅黑" panose="020B0503020204020204" pitchFamily="34" charset="-122"/>
               </a:defRPr>
             </a:lvl4pPr>
             <a:lvl5pPr>
               <a:defRPr sz="1600">
-                <a:latin typeface="Microsoft YaHei" panose="020B0503020204020204" pitchFamily="34" charset="-122"/>
-                <a:ea typeface="Microsoft YaHei" panose="020B0503020204020204" pitchFamily="34" charset="-122"/>
+                <a:latin typeface="微软雅黑" panose="020B0503020204020204" pitchFamily="34" charset="-122"/>
+                <a:ea typeface="微软雅黑" panose="020B0503020204020204" pitchFamily="34" charset="-122"/>
               </a:defRPr>
             </a:lvl5pPr>
             <a:lvl6pPr>
@@ -5575,8 +5594,8 @@
             <a:lvl1pPr marL="0" indent="0">
               <a:buNone/>
               <a:defRPr sz="2400" b="1">
-                <a:latin typeface="Microsoft YaHei" panose="020B0503020204020204" pitchFamily="34" charset="-122"/>
-                <a:ea typeface="Microsoft YaHei" panose="020B0503020204020204" pitchFamily="34" charset="-122"/>
+                <a:latin typeface="微软雅黑" panose="020B0503020204020204" pitchFamily="34" charset="-122"/>
+                <a:ea typeface="微软雅黑" panose="020B0503020204020204" pitchFamily="34" charset="-122"/>
               </a:defRPr>
             </a:lvl1pPr>
             <a:lvl2pPr marL="457200" indent="0">
@@ -5643,32 +5662,32 @@
           <a:lstStyle>
             <a:lvl1pPr>
               <a:defRPr sz="2400">
-                <a:latin typeface="Microsoft YaHei" panose="020B0503020204020204" pitchFamily="34" charset="-122"/>
-                <a:ea typeface="Microsoft YaHei" panose="020B0503020204020204" pitchFamily="34" charset="-122"/>
+                <a:latin typeface="微软雅黑" panose="020B0503020204020204" pitchFamily="34" charset="-122"/>
+                <a:ea typeface="微软雅黑" panose="020B0503020204020204" pitchFamily="34" charset="-122"/>
               </a:defRPr>
             </a:lvl1pPr>
             <a:lvl2pPr>
               <a:defRPr sz="2000">
-                <a:latin typeface="Microsoft YaHei" panose="020B0503020204020204" pitchFamily="34" charset="-122"/>
-                <a:ea typeface="Microsoft YaHei" panose="020B0503020204020204" pitchFamily="34" charset="-122"/>
+                <a:latin typeface="微软雅黑" panose="020B0503020204020204" pitchFamily="34" charset="-122"/>
+                <a:ea typeface="微软雅黑" panose="020B0503020204020204" pitchFamily="34" charset="-122"/>
               </a:defRPr>
             </a:lvl2pPr>
             <a:lvl3pPr>
               <a:defRPr sz="1800">
-                <a:latin typeface="Microsoft YaHei" panose="020B0503020204020204" pitchFamily="34" charset="-122"/>
-                <a:ea typeface="Microsoft YaHei" panose="020B0503020204020204" pitchFamily="34" charset="-122"/>
+                <a:latin typeface="微软雅黑" panose="020B0503020204020204" pitchFamily="34" charset="-122"/>
+                <a:ea typeface="微软雅黑" panose="020B0503020204020204" pitchFamily="34" charset="-122"/>
               </a:defRPr>
             </a:lvl3pPr>
             <a:lvl4pPr>
               <a:defRPr sz="1600">
-                <a:latin typeface="Microsoft YaHei" panose="020B0503020204020204" pitchFamily="34" charset="-122"/>
-                <a:ea typeface="Microsoft YaHei" panose="020B0503020204020204" pitchFamily="34" charset="-122"/>
+                <a:latin typeface="微软雅黑" panose="020B0503020204020204" pitchFamily="34" charset="-122"/>
+                <a:ea typeface="微软雅黑" panose="020B0503020204020204" pitchFamily="34" charset="-122"/>
               </a:defRPr>
             </a:lvl4pPr>
             <a:lvl5pPr>
               <a:defRPr sz="1600">
-                <a:latin typeface="Microsoft YaHei" panose="020B0503020204020204" pitchFamily="34" charset="-122"/>
-                <a:ea typeface="Microsoft YaHei" panose="020B0503020204020204" pitchFamily="34" charset="-122"/>
+                <a:latin typeface="微软雅黑" panose="020B0503020204020204" pitchFamily="34" charset="-122"/>
+                <a:ea typeface="微软雅黑" panose="020B0503020204020204" pitchFamily="34" charset="-122"/>
               </a:defRPr>
             </a:lvl5pPr>
             <a:lvl6pPr>
@@ -6430,8 +6449,8 @@
                 <a:solidFill>
                   <a:srgbClr val="0070C0"/>
                 </a:solidFill>
-                <a:latin typeface="Microsoft YaHei" panose="020B0503020204020204" pitchFamily="34" charset="-122"/>
-                <a:ea typeface="Microsoft YaHei" panose="020B0503020204020204" pitchFamily="34" charset="-122"/>
+                <a:latin typeface="微软雅黑" panose="020B0503020204020204" pitchFamily="34" charset="-122"/>
+                <a:ea typeface="微软雅黑" panose="020B0503020204020204" pitchFamily="34" charset="-122"/>
                 <a:cs typeface="+mn-cs"/>
               </a:defRPr>
             </a:lvl1pPr>
@@ -6767,8 +6786,8 @@
                 <a:blip r:embed="rId3"/>
               </a:buBlip>
               <a:defRPr>
-                <a:latin typeface="Microsoft YaHei" panose="020B0503020204020204" pitchFamily="34" charset="-122"/>
-                <a:ea typeface="Microsoft YaHei" panose="020B0503020204020204" pitchFamily="34" charset="-122"/>
+                <a:latin typeface="微软雅黑" panose="020B0503020204020204" pitchFamily="34" charset="-122"/>
+                <a:ea typeface="微软雅黑" panose="020B0503020204020204" pitchFamily="34" charset="-122"/>
               </a:defRPr>
             </a:lvl1pPr>
             <a:lvl2pPr>
@@ -6778,8 +6797,8 @@
                 <a:blip r:embed="rId4"/>
               </a:buBlip>
               <a:defRPr>
-                <a:latin typeface="Microsoft YaHei" panose="020B0503020204020204" pitchFamily="34" charset="-122"/>
-                <a:ea typeface="Microsoft YaHei" panose="020B0503020204020204" pitchFamily="34" charset="-122"/>
+                <a:latin typeface="微软雅黑" panose="020B0503020204020204" pitchFamily="34" charset="-122"/>
+                <a:ea typeface="微软雅黑" panose="020B0503020204020204" pitchFamily="34" charset="-122"/>
               </a:defRPr>
             </a:lvl2pPr>
             <a:lvl3pPr>
@@ -6791,20 +6810,20 @@
               <a:buFont typeface="Wingdings" panose="05000000000000000000" pitchFamily="2" charset="2"/>
               <a:buChar char="Ø"/>
               <a:defRPr>
-                <a:latin typeface="Microsoft YaHei" panose="020B0503020204020204" pitchFamily="34" charset="-122"/>
-                <a:ea typeface="Microsoft YaHei" panose="020B0503020204020204" pitchFamily="34" charset="-122"/>
+                <a:latin typeface="微软雅黑" panose="020B0503020204020204" pitchFamily="34" charset="-122"/>
+                <a:ea typeface="微软雅黑" panose="020B0503020204020204" pitchFamily="34" charset="-122"/>
               </a:defRPr>
             </a:lvl3pPr>
             <a:lvl4pPr>
               <a:defRPr>
-                <a:latin typeface="Microsoft YaHei" panose="020B0503020204020204" pitchFamily="34" charset="-122"/>
-                <a:ea typeface="Microsoft YaHei" panose="020B0503020204020204" pitchFamily="34" charset="-122"/>
+                <a:latin typeface="微软雅黑" panose="020B0503020204020204" pitchFamily="34" charset="-122"/>
+                <a:ea typeface="微软雅黑" panose="020B0503020204020204" pitchFamily="34" charset="-122"/>
               </a:defRPr>
             </a:lvl4pPr>
             <a:lvl5pPr>
               <a:defRPr>
-                <a:latin typeface="Microsoft YaHei" panose="020B0503020204020204" pitchFamily="34" charset="-122"/>
-                <a:ea typeface="Microsoft YaHei" panose="020B0503020204020204" pitchFamily="34" charset="-122"/>
+                <a:latin typeface="微软雅黑" panose="020B0503020204020204" pitchFamily="34" charset="-122"/>
+                <a:ea typeface="微软雅黑" panose="020B0503020204020204" pitchFamily="34" charset="-122"/>
               </a:defRPr>
             </a:lvl5pPr>
           </a:lstStyle>
@@ -6876,8 +6895,8 @@
                 <a:blip r:embed="rId3"/>
               </a:buBlip>
               <a:defRPr>
-                <a:latin typeface="Microsoft YaHei" panose="020B0503020204020204" pitchFamily="34" charset="-122"/>
-                <a:ea typeface="Microsoft YaHei" panose="020B0503020204020204" pitchFamily="34" charset="-122"/>
+                <a:latin typeface="微软雅黑" panose="020B0503020204020204" pitchFamily="34" charset="-122"/>
+                <a:ea typeface="微软雅黑" panose="020B0503020204020204" pitchFamily="34" charset="-122"/>
               </a:defRPr>
             </a:lvl1pPr>
             <a:lvl2pPr>
@@ -6887,8 +6906,8 @@
                 <a:blip r:embed="rId4"/>
               </a:buBlip>
               <a:defRPr>
-                <a:latin typeface="Microsoft YaHei" panose="020B0503020204020204" pitchFamily="34" charset="-122"/>
-                <a:ea typeface="Microsoft YaHei" panose="020B0503020204020204" pitchFamily="34" charset="-122"/>
+                <a:latin typeface="微软雅黑" panose="020B0503020204020204" pitchFamily="34" charset="-122"/>
+                <a:ea typeface="微软雅黑" panose="020B0503020204020204" pitchFamily="34" charset="-122"/>
               </a:defRPr>
             </a:lvl2pPr>
             <a:lvl3pPr>
@@ -6900,20 +6919,20 @@
               <a:buFont typeface="Wingdings" panose="05000000000000000000" pitchFamily="2" charset="2"/>
               <a:buChar char="Ø"/>
               <a:defRPr>
-                <a:latin typeface="Microsoft YaHei" panose="020B0503020204020204" pitchFamily="34" charset="-122"/>
-                <a:ea typeface="Microsoft YaHei" panose="020B0503020204020204" pitchFamily="34" charset="-122"/>
+                <a:latin typeface="微软雅黑" panose="020B0503020204020204" pitchFamily="34" charset="-122"/>
+                <a:ea typeface="微软雅黑" panose="020B0503020204020204" pitchFamily="34" charset="-122"/>
               </a:defRPr>
             </a:lvl3pPr>
             <a:lvl4pPr>
               <a:defRPr>
-                <a:latin typeface="Microsoft YaHei" panose="020B0503020204020204" pitchFamily="34" charset="-122"/>
-                <a:ea typeface="Microsoft YaHei" panose="020B0503020204020204" pitchFamily="34" charset="-122"/>
+                <a:latin typeface="微软雅黑" panose="020B0503020204020204" pitchFamily="34" charset="-122"/>
+                <a:ea typeface="微软雅黑" panose="020B0503020204020204" pitchFamily="34" charset="-122"/>
               </a:defRPr>
             </a:lvl4pPr>
             <a:lvl5pPr>
               <a:defRPr>
-                <a:latin typeface="Microsoft YaHei" panose="020B0503020204020204" pitchFamily="34" charset="-122"/>
-                <a:ea typeface="Microsoft YaHei" panose="020B0503020204020204" pitchFamily="34" charset="-122"/>
+                <a:latin typeface="微软雅黑" panose="020B0503020204020204" pitchFamily="34" charset="-122"/>
+                <a:ea typeface="微软雅黑" panose="020B0503020204020204" pitchFamily="34" charset="-122"/>
               </a:defRPr>
             </a:lvl5pPr>
           </a:lstStyle>
@@ -7048,8 +7067,8 @@
                 <a:blip r:embed="rId2"/>
               </a:buBlip>
               <a:defRPr>
-                <a:latin typeface="Microsoft YaHei" panose="020B0503020204020204" pitchFamily="34" charset="-122"/>
-                <a:ea typeface="Microsoft YaHei" panose="020B0503020204020204" pitchFamily="34" charset="-122"/>
+                <a:latin typeface="微软雅黑" panose="020B0503020204020204" pitchFamily="34" charset="-122"/>
+                <a:ea typeface="微软雅黑" panose="020B0503020204020204" pitchFamily="34" charset="-122"/>
               </a:defRPr>
             </a:lvl1pPr>
             <a:lvl2pPr>
@@ -7059,8 +7078,8 @@
                 <a:blip r:embed="rId3"/>
               </a:buBlip>
               <a:defRPr>
-                <a:latin typeface="Microsoft YaHei" panose="020B0503020204020204" pitchFamily="34" charset="-122"/>
-                <a:ea typeface="Microsoft YaHei" panose="020B0503020204020204" pitchFamily="34" charset="-122"/>
+                <a:latin typeface="微软雅黑" panose="020B0503020204020204" pitchFamily="34" charset="-122"/>
+                <a:ea typeface="微软雅黑" panose="020B0503020204020204" pitchFamily="34" charset="-122"/>
               </a:defRPr>
             </a:lvl2pPr>
             <a:lvl3pPr>
@@ -7072,20 +7091,20 @@
               <a:buFont typeface="Wingdings" panose="05000000000000000000" pitchFamily="2" charset="2"/>
               <a:buChar char="Ø"/>
               <a:defRPr>
-                <a:latin typeface="Microsoft YaHei" panose="020B0503020204020204" pitchFamily="34" charset="-122"/>
-                <a:ea typeface="Microsoft YaHei" panose="020B0503020204020204" pitchFamily="34" charset="-122"/>
+                <a:latin typeface="微软雅黑" panose="020B0503020204020204" pitchFamily="34" charset="-122"/>
+                <a:ea typeface="微软雅黑" panose="020B0503020204020204" pitchFamily="34" charset="-122"/>
               </a:defRPr>
             </a:lvl3pPr>
             <a:lvl4pPr>
               <a:defRPr>
-                <a:latin typeface="Microsoft YaHei" panose="020B0503020204020204" pitchFamily="34" charset="-122"/>
-                <a:ea typeface="Microsoft YaHei" panose="020B0503020204020204" pitchFamily="34" charset="-122"/>
+                <a:latin typeface="微软雅黑" panose="020B0503020204020204" pitchFamily="34" charset="-122"/>
+                <a:ea typeface="微软雅黑" panose="020B0503020204020204" pitchFamily="34" charset="-122"/>
               </a:defRPr>
             </a:lvl4pPr>
             <a:lvl5pPr>
               <a:defRPr>
-                <a:latin typeface="Microsoft YaHei" panose="020B0503020204020204" pitchFamily="34" charset="-122"/>
-                <a:ea typeface="Microsoft YaHei" panose="020B0503020204020204" pitchFamily="34" charset="-122"/>
+                <a:latin typeface="微软雅黑" panose="020B0503020204020204" pitchFamily="34" charset="-122"/>
+                <a:ea typeface="微软雅黑" panose="020B0503020204020204" pitchFamily="34" charset="-122"/>
               </a:defRPr>
             </a:lvl5pPr>
           </a:lstStyle>
@@ -7474,8 +7493,8 @@
                 <a:blip r:embed="rId3"/>
               </a:buBlip>
               <a:defRPr>
-                <a:latin typeface="Microsoft YaHei" panose="020B0503020204020204" pitchFamily="34" charset="-122"/>
-                <a:ea typeface="Microsoft YaHei" panose="020B0503020204020204" pitchFamily="34" charset="-122"/>
+                <a:latin typeface="微软雅黑" panose="020B0503020204020204" pitchFamily="34" charset="-122"/>
+                <a:ea typeface="微软雅黑" panose="020B0503020204020204" pitchFamily="34" charset="-122"/>
               </a:defRPr>
             </a:lvl1pPr>
             <a:lvl2pPr>
@@ -7485,8 +7504,8 @@
                 <a:blip r:embed="rId4"/>
               </a:buBlip>
               <a:defRPr>
-                <a:latin typeface="Microsoft YaHei" panose="020B0503020204020204" pitchFamily="34" charset="-122"/>
-                <a:ea typeface="Microsoft YaHei" panose="020B0503020204020204" pitchFamily="34" charset="-122"/>
+                <a:latin typeface="微软雅黑" panose="020B0503020204020204" pitchFamily="34" charset="-122"/>
+                <a:ea typeface="微软雅黑" panose="020B0503020204020204" pitchFamily="34" charset="-122"/>
               </a:defRPr>
             </a:lvl2pPr>
             <a:lvl3pPr>
@@ -7498,20 +7517,20 @@
               <a:buFont typeface="Wingdings" panose="05000000000000000000" pitchFamily="2" charset="2"/>
               <a:buChar char="Ø"/>
               <a:defRPr>
-                <a:latin typeface="Microsoft YaHei" panose="020B0503020204020204" pitchFamily="34" charset="-122"/>
-                <a:ea typeface="Microsoft YaHei" panose="020B0503020204020204" pitchFamily="34" charset="-122"/>
+                <a:latin typeface="微软雅黑" panose="020B0503020204020204" pitchFamily="34" charset="-122"/>
+                <a:ea typeface="微软雅黑" panose="020B0503020204020204" pitchFamily="34" charset="-122"/>
               </a:defRPr>
             </a:lvl3pPr>
             <a:lvl4pPr>
               <a:defRPr>
-                <a:latin typeface="Microsoft YaHei" panose="020B0503020204020204" pitchFamily="34" charset="-122"/>
-                <a:ea typeface="Microsoft YaHei" panose="020B0503020204020204" pitchFamily="34" charset="-122"/>
+                <a:latin typeface="微软雅黑" panose="020B0503020204020204" pitchFamily="34" charset="-122"/>
+                <a:ea typeface="微软雅黑" panose="020B0503020204020204" pitchFamily="34" charset="-122"/>
               </a:defRPr>
             </a:lvl4pPr>
             <a:lvl5pPr>
               <a:defRPr>
-                <a:latin typeface="Microsoft YaHei" panose="020B0503020204020204" pitchFamily="34" charset="-122"/>
-                <a:ea typeface="Microsoft YaHei" panose="020B0503020204020204" pitchFamily="34" charset="-122"/>
+                <a:latin typeface="微软雅黑" panose="020B0503020204020204" pitchFamily="34" charset="-122"/>
+                <a:ea typeface="微软雅黑" panose="020B0503020204020204" pitchFamily="34" charset="-122"/>
               </a:defRPr>
             </a:lvl5pPr>
           </a:lstStyle>
@@ -7583,8 +7602,8 @@
                 <a:blip r:embed="rId3"/>
               </a:buBlip>
               <a:defRPr>
-                <a:latin typeface="Microsoft YaHei" panose="020B0503020204020204" pitchFamily="34" charset="-122"/>
-                <a:ea typeface="Microsoft YaHei" panose="020B0503020204020204" pitchFamily="34" charset="-122"/>
+                <a:latin typeface="微软雅黑" panose="020B0503020204020204" pitchFamily="34" charset="-122"/>
+                <a:ea typeface="微软雅黑" panose="020B0503020204020204" pitchFamily="34" charset="-122"/>
               </a:defRPr>
             </a:lvl1pPr>
             <a:lvl2pPr>
@@ -7594,8 +7613,8 @@
                 <a:blip r:embed="rId4"/>
               </a:buBlip>
               <a:defRPr>
-                <a:latin typeface="Microsoft YaHei" panose="020B0503020204020204" pitchFamily="34" charset="-122"/>
-                <a:ea typeface="Microsoft YaHei" panose="020B0503020204020204" pitchFamily="34" charset="-122"/>
+                <a:latin typeface="微软雅黑" panose="020B0503020204020204" pitchFamily="34" charset="-122"/>
+                <a:ea typeface="微软雅黑" panose="020B0503020204020204" pitchFamily="34" charset="-122"/>
               </a:defRPr>
             </a:lvl2pPr>
             <a:lvl3pPr>
@@ -7607,20 +7626,20 @@
               <a:buFont typeface="Wingdings" panose="05000000000000000000" pitchFamily="2" charset="2"/>
               <a:buChar char="Ø"/>
               <a:defRPr>
-                <a:latin typeface="Microsoft YaHei" panose="020B0503020204020204" pitchFamily="34" charset="-122"/>
-                <a:ea typeface="Microsoft YaHei" panose="020B0503020204020204" pitchFamily="34" charset="-122"/>
+                <a:latin typeface="微软雅黑" panose="020B0503020204020204" pitchFamily="34" charset="-122"/>
+                <a:ea typeface="微软雅黑" panose="020B0503020204020204" pitchFamily="34" charset="-122"/>
               </a:defRPr>
             </a:lvl3pPr>
             <a:lvl4pPr>
               <a:defRPr>
-                <a:latin typeface="Microsoft YaHei" panose="020B0503020204020204" pitchFamily="34" charset="-122"/>
-                <a:ea typeface="Microsoft YaHei" panose="020B0503020204020204" pitchFamily="34" charset="-122"/>
+                <a:latin typeface="微软雅黑" panose="020B0503020204020204" pitchFamily="34" charset="-122"/>
+                <a:ea typeface="微软雅黑" panose="020B0503020204020204" pitchFamily="34" charset="-122"/>
               </a:defRPr>
             </a:lvl4pPr>
             <a:lvl5pPr>
               <a:defRPr>
-                <a:latin typeface="Microsoft YaHei" panose="020B0503020204020204" pitchFamily="34" charset="-122"/>
-                <a:ea typeface="Microsoft YaHei" panose="020B0503020204020204" pitchFamily="34" charset="-122"/>
+                <a:latin typeface="微软雅黑" panose="020B0503020204020204" pitchFamily="34" charset="-122"/>
+                <a:ea typeface="微软雅黑" panose="020B0503020204020204" pitchFamily="34" charset="-122"/>
               </a:defRPr>
             </a:lvl5pPr>
           </a:lstStyle>
@@ -7713,8 +7732,8 @@
             <a:lvl1pPr marL="0" indent="0">
               <a:buNone/>
               <a:defRPr sz="2400" b="1">
-                <a:latin typeface="Microsoft YaHei" panose="020B0503020204020204" pitchFamily="34" charset="-122"/>
-                <a:ea typeface="Microsoft YaHei" panose="020B0503020204020204" pitchFamily="34" charset="-122"/>
+                <a:latin typeface="微软雅黑" panose="020B0503020204020204" pitchFamily="34" charset="-122"/>
+                <a:ea typeface="微软雅黑" panose="020B0503020204020204" pitchFamily="34" charset="-122"/>
               </a:defRPr>
             </a:lvl1pPr>
             <a:lvl2pPr marL="457200" indent="0">
@@ -7781,32 +7800,32 @@
           <a:lstStyle>
             <a:lvl1pPr>
               <a:defRPr sz="2400">
-                <a:latin typeface="Microsoft YaHei" panose="020B0503020204020204" pitchFamily="34" charset="-122"/>
-                <a:ea typeface="Microsoft YaHei" panose="020B0503020204020204" pitchFamily="34" charset="-122"/>
+                <a:latin typeface="微软雅黑" panose="020B0503020204020204" pitchFamily="34" charset="-122"/>
+                <a:ea typeface="微软雅黑" panose="020B0503020204020204" pitchFamily="34" charset="-122"/>
               </a:defRPr>
             </a:lvl1pPr>
             <a:lvl2pPr>
               <a:defRPr sz="2000">
-                <a:latin typeface="Microsoft YaHei" panose="020B0503020204020204" pitchFamily="34" charset="-122"/>
-                <a:ea typeface="Microsoft YaHei" panose="020B0503020204020204" pitchFamily="34" charset="-122"/>
+                <a:latin typeface="微软雅黑" panose="020B0503020204020204" pitchFamily="34" charset="-122"/>
+                <a:ea typeface="微软雅黑" panose="020B0503020204020204" pitchFamily="34" charset="-122"/>
               </a:defRPr>
             </a:lvl2pPr>
             <a:lvl3pPr>
               <a:defRPr sz="1800">
-                <a:latin typeface="Microsoft YaHei" panose="020B0503020204020204" pitchFamily="34" charset="-122"/>
-                <a:ea typeface="Microsoft YaHei" panose="020B0503020204020204" pitchFamily="34" charset="-122"/>
+                <a:latin typeface="微软雅黑" panose="020B0503020204020204" pitchFamily="34" charset="-122"/>
+                <a:ea typeface="微软雅黑" panose="020B0503020204020204" pitchFamily="34" charset="-122"/>
               </a:defRPr>
             </a:lvl3pPr>
             <a:lvl4pPr>
               <a:defRPr sz="1600">
-                <a:latin typeface="Microsoft YaHei" panose="020B0503020204020204" pitchFamily="34" charset="-122"/>
-                <a:ea typeface="Microsoft YaHei" panose="020B0503020204020204" pitchFamily="34" charset="-122"/>
+                <a:latin typeface="微软雅黑" panose="020B0503020204020204" pitchFamily="34" charset="-122"/>
+                <a:ea typeface="微软雅黑" panose="020B0503020204020204" pitchFamily="34" charset="-122"/>
               </a:defRPr>
             </a:lvl4pPr>
             <a:lvl5pPr>
               <a:defRPr sz="1600">
-                <a:latin typeface="Microsoft YaHei" panose="020B0503020204020204" pitchFamily="34" charset="-122"/>
-                <a:ea typeface="Microsoft YaHei" panose="020B0503020204020204" pitchFamily="34" charset="-122"/>
+                <a:latin typeface="微软雅黑" panose="020B0503020204020204" pitchFamily="34" charset="-122"/>
+                <a:ea typeface="微软雅黑" panose="020B0503020204020204" pitchFamily="34" charset="-122"/>
               </a:defRPr>
             </a:lvl5pPr>
             <a:lvl6pPr>
@@ -7886,8 +7905,8 @@
             <a:lvl1pPr marL="0" indent="0">
               <a:buNone/>
               <a:defRPr sz="2400" b="1">
-                <a:latin typeface="Microsoft YaHei" panose="020B0503020204020204" pitchFamily="34" charset="-122"/>
-                <a:ea typeface="Microsoft YaHei" panose="020B0503020204020204" pitchFamily="34" charset="-122"/>
+                <a:latin typeface="微软雅黑" panose="020B0503020204020204" pitchFamily="34" charset="-122"/>
+                <a:ea typeface="微软雅黑" panose="020B0503020204020204" pitchFamily="34" charset="-122"/>
               </a:defRPr>
             </a:lvl1pPr>
             <a:lvl2pPr marL="457200" indent="0">
@@ -7954,32 +7973,32 @@
           <a:lstStyle>
             <a:lvl1pPr>
               <a:defRPr sz="2400">
-                <a:latin typeface="Microsoft YaHei" panose="020B0503020204020204" pitchFamily="34" charset="-122"/>
-                <a:ea typeface="Microsoft YaHei" panose="020B0503020204020204" pitchFamily="34" charset="-122"/>
+                <a:latin typeface="微软雅黑" panose="020B0503020204020204" pitchFamily="34" charset="-122"/>
+                <a:ea typeface="微软雅黑" panose="020B0503020204020204" pitchFamily="34" charset="-122"/>
               </a:defRPr>
             </a:lvl1pPr>
             <a:lvl2pPr>
               <a:defRPr sz="2000">
-                <a:latin typeface="Microsoft YaHei" panose="020B0503020204020204" pitchFamily="34" charset="-122"/>
-                <a:ea typeface="Microsoft YaHei" panose="020B0503020204020204" pitchFamily="34" charset="-122"/>
+                <a:latin typeface="微软雅黑" panose="020B0503020204020204" pitchFamily="34" charset="-122"/>
+                <a:ea typeface="微软雅黑" panose="020B0503020204020204" pitchFamily="34" charset="-122"/>
               </a:defRPr>
             </a:lvl2pPr>
             <a:lvl3pPr>
               <a:defRPr sz="1800">
-                <a:latin typeface="Microsoft YaHei" panose="020B0503020204020204" pitchFamily="34" charset="-122"/>
-                <a:ea typeface="Microsoft YaHei" panose="020B0503020204020204" pitchFamily="34" charset="-122"/>
+                <a:latin typeface="微软雅黑" panose="020B0503020204020204" pitchFamily="34" charset="-122"/>
+                <a:ea typeface="微软雅黑" panose="020B0503020204020204" pitchFamily="34" charset="-122"/>
               </a:defRPr>
             </a:lvl3pPr>
             <a:lvl4pPr>
               <a:defRPr sz="1600">
-                <a:latin typeface="Microsoft YaHei" panose="020B0503020204020204" pitchFamily="34" charset="-122"/>
-                <a:ea typeface="Microsoft YaHei" panose="020B0503020204020204" pitchFamily="34" charset="-122"/>
+                <a:latin typeface="微软雅黑" panose="020B0503020204020204" pitchFamily="34" charset="-122"/>
+                <a:ea typeface="微软雅黑" panose="020B0503020204020204" pitchFamily="34" charset="-122"/>
               </a:defRPr>
             </a:lvl4pPr>
             <a:lvl5pPr>
               <a:defRPr sz="1600">
-                <a:latin typeface="Microsoft YaHei" panose="020B0503020204020204" pitchFamily="34" charset="-122"/>
-                <a:ea typeface="Microsoft YaHei" panose="020B0503020204020204" pitchFamily="34" charset="-122"/>
+                <a:latin typeface="微软雅黑" panose="020B0503020204020204" pitchFamily="34" charset="-122"/>
+                <a:ea typeface="微软雅黑" panose="020B0503020204020204" pitchFamily="34" charset="-122"/>
               </a:defRPr>
             </a:lvl5pPr>
             <a:lvl6pPr>
@@ -8741,8 +8760,8 @@
                 <a:solidFill>
                   <a:srgbClr val="0070C0"/>
                 </a:solidFill>
-                <a:latin typeface="Microsoft YaHei" panose="020B0503020204020204" pitchFamily="34" charset="-122"/>
-                <a:ea typeface="Microsoft YaHei" panose="020B0503020204020204" pitchFamily="34" charset="-122"/>
+                <a:latin typeface="微软雅黑" panose="020B0503020204020204" pitchFamily="34" charset="-122"/>
+                <a:ea typeface="微软雅黑" panose="020B0503020204020204" pitchFamily="34" charset="-122"/>
                 <a:cs typeface="+mn-cs"/>
               </a:defRPr>
             </a:lvl1pPr>
@@ -8949,8 +8968,8 @@
                 <a:blip r:embed="rId2"/>
               </a:buBlip>
               <a:defRPr>
-                <a:latin typeface="Microsoft YaHei" panose="020B0503020204020204" pitchFamily="34" charset="-122"/>
-                <a:ea typeface="Microsoft YaHei" panose="020B0503020204020204" pitchFamily="34" charset="-122"/>
+                <a:latin typeface="微软雅黑" panose="020B0503020204020204" pitchFamily="34" charset="-122"/>
+                <a:ea typeface="微软雅黑" panose="020B0503020204020204" pitchFamily="34" charset="-122"/>
               </a:defRPr>
             </a:lvl1pPr>
             <a:lvl2pPr>
@@ -8960,8 +8979,8 @@
                 <a:blip r:embed="rId3"/>
               </a:buBlip>
               <a:defRPr>
-                <a:latin typeface="Microsoft YaHei" panose="020B0503020204020204" pitchFamily="34" charset="-122"/>
-                <a:ea typeface="Microsoft YaHei" panose="020B0503020204020204" pitchFamily="34" charset="-122"/>
+                <a:latin typeface="微软雅黑" panose="020B0503020204020204" pitchFamily="34" charset="-122"/>
+                <a:ea typeface="微软雅黑" panose="020B0503020204020204" pitchFamily="34" charset="-122"/>
               </a:defRPr>
             </a:lvl2pPr>
             <a:lvl3pPr>
@@ -8973,20 +8992,20 @@
               <a:buFont typeface="Wingdings" panose="05000000000000000000" pitchFamily="2" charset="2"/>
               <a:buChar char="Ø"/>
               <a:defRPr>
-                <a:latin typeface="Microsoft YaHei" panose="020B0503020204020204" pitchFamily="34" charset="-122"/>
-                <a:ea typeface="Microsoft YaHei" panose="020B0503020204020204" pitchFamily="34" charset="-122"/>
+                <a:latin typeface="微软雅黑" panose="020B0503020204020204" pitchFamily="34" charset="-122"/>
+                <a:ea typeface="微软雅黑" panose="020B0503020204020204" pitchFamily="34" charset="-122"/>
               </a:defRPr>
             </a:lvl3pPr>
             <a:lvl4pPr>
               <a:defRPr>
-                <a:latin typeface="Microsoft YaHei" panose="020B0503020204020204" pitchFamily="34" charset="-122"/>
-                <a:ea typeface="Microsoft YaHei" panose="020B0503020204020204" pitchFamily="34" charset="-122"/>
+                <a:latin typeface="微软雅黑" panose="020B0503020204020204" pitchFamily="34" charset="-122"/>
+                <a:ea typeface="微软雅黑" panose="020B0503020204020204" pitchFamily="34" charset="-122"/>
               </a:defRPr>
             </a:lvl4pPr>
             <a:lvl5pPr>
               <a:defRPr>
-                <a:latin typeface="Microsoft YaHei" panose="020B0503020204020204" pitchFamily="34" charset="-122"/>
-                <a:ea typeface="Microsoft YaHei" panose="020B0503020204020204" pitchFamily="34" charset="-122"/>
+                <a:latin typeface="微软雅黑" panose="020B0503020204020204" pitchFamily="34" charset="-122"/>
+                <a:ea typeface="微软雅黑" panose="020B0503020204020204" pitchFamily="34" charset="-122"/>
               </a:defRPr>
             </a:lvl5pPr>
           </a:lstStyle>
@@ -9375,8 +9394,8 @@
                 <a:blip r:embed="rId3"/>
               </a:buBlip>
               <a:defRPr>
-                <a:latin typeface="Microsoft YaHei" panose="020B0503020204020204" pitchFamily="34" charset="-122"/>
-                <a:ea typeface="Microsoft YaHei" panose="020B0503020204020204" pitchFamily="34" charset="-122"/>
+                <a:latin typeface="微软雅黑" panose="020B0503020204020204" pitchFamily="34" charset="-122"/>
+                <a:ea typeface="微软雅黑" panose="020B0503020204020204" pitchFamily="34" charset="-122"/>
               </a:defRPr>
             </a:lvl1pPr>
             <a:lvl2pPr>
@@ -9386,8 +9405,8 @@
                 <a:blip r:embed="rId4"/>
               </a:buBlip>
               <a:defRPr>
-                <a:latin typeface="Microsoft YaHei" panose="020B0503020204020204" pitchFamily="34" charset="-122"/>
-                <a:ea typeface="Microsoft YaHei" panose="020B0503020204020204" pitchFamily="34" charset="-122"/>
+                <a:latin typeface="微软雅黑" panose="020B0503020204020204" pitchFamily="34" charset="-122"/>
+                <a:ea typeface="微软雅黑" panose="020B0503020204020204" pitchFamily="34" charset="-122"/>
               </a:defRPr>
             </a:lvl2pPr>
             <a:lvl3pPr>
@@ -9399,20 +9418,20 @@
               <a:buFont typeface="Wingdings" panose="05000000000000000000" pitchFamily="2" charset="2"/>
               <a:buChar char="Ø"/>
               <a:defRPr>
-                <a:latin typeface="Microsoft YaHei" panose="020B0503020204020204" pitchFamily="34" charset="-122"/>
-                <a:ea typeface="Microsoft YaHei" panose="020B0503020204020204" pitchFamily="34" charset="-122"/>
+                <a:latin typeface="微软雅黑" panose="020B0503020204020204" pitchFamily="34" charset="-122"/>
+                <a:ea typeface="微软雅黑" panose="020B0503020204020204" pitchFamily="34" charset="-122"/>
               </a:defRPr>
             </a:lvl3pPr>
             <a:lvl4pPr>
               <a:defRPr>
-                <a:latin typeface="Microsoft YaHei" panose="020B0503020204020204" pitchFamily="34" charset="-122"/>
-                <a:ea typeface="Microsoft YaHei" panose="020B0503020204020204" pitchFamily="34" charset="-122"/>
+                <a:latin typeface="微软雅黑" panose="020B0503020204020204" pitchFamily="34" charset="-122"/>
+                <a:ea typeface="微软雅黑" panose="020B0503020204020204" pitchFamily="34" charset="-122"/>
               </a:defRPr>
             </a:lvl4pPr>
             <a:lvl5pPr>
               <a:defRPr>
-                <a:latin typeface="Microsoft YaHei" panose="020B0503020204020204" pitchFamily="34" charset="-122"/>
-                <a:ea typeface="Microsoft YaHei" panose="020B0503020204020204" pitchFamily="34" charset="-122"/>
+                <a:latin typeface="微软雅黑" panose="020B0503020204020204" pitchFamily="34" charset="-122"/>
+                <a:ea typeface="微软雅黑" panose="020B0503020204020204" pitchFamily="34" charset="-122"/>
               </a:defRPr>
             </a:lvl5pPr>
           </a:lstStyle>
@@ -9484,8 +9503,8 @@
                 <a:blip r:embed="rId3"/>
               </a:buBlip>
               <a:defRPr>
-                <a:latin typeface="Microsoft YaHei" panose="020B0503020204020204" pitchFamily="34" charset="-122"/>
-                <a:ea typeface="Microsoft YaHei" panose="020B0503020204020204" pitchFamily="34" charset="-122"/>
+                <a:latin typeface="微软雅黑" panose="020B0503020204020204" pitchFamily="34" charset="-122"/>
+                <a:ea typeface="微软雅黑" panose="020B0503020204020204" pitchFamily="34" charset="-122"/>
               </a:defRPr>
             </a:lvl1pPr>
             <a:lvl2pPr>
@@ -9495,8 +9514,8 @@
                 <a:blip r:embed="rId4"/>
               </a:buBlip>
               <a:defRPr>
-                <a:latin typeface="Microsoft YaHei" panose="020B0503020204020204" pitchFamily="34" charset="-122"/>
-                <a:ea typeface="Microsoft YaHei" panose="020B0503020204020204" pitchFamily="34" charset="-122"/>
+                <a:latin typeface="微软雅黑" panose="020B0503020204020204" pitchFamily="34" charset="-122"/>
+                <a:ea typeface="微软雅黑" panose="020B0503020204020204" pitchFamily="34" charset="-122"/>
               </a:defRPr>
             </a:lvl2pPr>
             <a:lvl3pPr>
@@ -9508,20 +9527,20 @@
               <a:buFont typeface="Wingdings" panose="05000000000000000000" pitchFamily="2" charset="2"/>
               <a:buChar char="Ø"/>
               <a:defRPr>
-                <a:latin typeface="Microsoft YaHei" panose="020B0503020204020204" pitchFamily="34" charset="-122"/>
-                <a:ea typeface="Microsoft YaHei" panose="020B0503020204020204" pitchFamily="34" charset="-122"/>
+                <a:latin typeface="微软雅黑" panose="020B0503020204020204" pitchFamily="34" charset="-122"/>
+                <a:ea typeface="微软雅黑" panose="020B0503020204020204" pitchFamily="34" charset="-122"/>
               </a:defRPr>
             </a:lvl3pPr>
             <a:lvl4pPr>
               <a:defRPr>
-                <a:latin typeface="Microsoft YaHei" panose="020B0503020204020204" pitchFamily="34" charset="-122"/>
-                <a:ea typeface="Microsoft YaHei" panose="020B0503020204020204" pitchFamily="34" charset="-122"/>
+                <a:latin typeface="微软雅黑" panose="020B0503020204020204" pitchFamily="34" charset="-122"/>
+                <a:ea typeface="微软雅黑" panose="020B0503020204020204" pitchFamily="34" charset="-122"/>
               </a:defRPr>
             </a:lvl4pPr>
             <a:lvl5pPr>
               <a:defRPr>
-                <a:latin typeface="Microsoft YaHei" panose="020B0503020204020204" pitchFamily="34" charset="-122"/>
-                <a:ea typeface="Microsoft YaHei" panose="020B0503020204020204" pitchFamily="34" charset="-122"/>
+                <a:latin typeface="微软雅黑" panose="020B0503020204020204" pitchFamily="34" charset="-122"/>
+                <a:ea typeface="微软雅黑" panose="020B0503020204020204" pitchFamily="34" charset="-122"/>
               </a:defRPr>
             </a:lvl5pPr>
           </a:lstStyle>
@@ -9614,8 +9633,8 @@
             <a:lvl1pPr marL="0" indent="0">
               <a:buNone/>
               <a:defRPr sz="2400" b="1">
-                <a:latin typeface="Microsoft YaHei" panose="020B0503020204020204" pitchFamily="34" charset="-122"/>
-                <a:ea typeface="Microsoft YaHei" panose="020B0503020204020204" pitchFamily="34" charset="-122"/>
+                <a:latin typeface="微软雅黑" panose="020B0503020204020204" pitchFamily="34" charset="-122"/>
+                <a:ea typeface="微软雅黑" panose="020B0503020204020204" pitchFamily="34" charset="-122"/>
               </a:defRPr>
             </a:lvl1pPr>
             <a:lvl2pPr marL="457200" indent="0">
@@ -9682,32 +9701,32 @@
           <a:lstStyle>
             <a:lvl1pPr>
               <a:defRPr sz="2400">
-                <a:latin typeface="Microsoft YaHei" panose="020B0503020204020204" pitchFamily="34" charset="-122"/>
-                <a:ea typeface="Microsoft YaHei" panose="020B0503020204020204" pitchFamily="34" charset="-122"/>
+                <a:latin typeface="微软雅黑" panose="020B0503020204020204" pitchFamily="34" charset="-122"/>
+                <a:ea typeface="微软雅黑" panose="020B0503020204020204" pitchFamily="34" charset="-122"/>
               </a:defRPr>
             </a:lvl1pPr>
             <a:lvl2pPr>
               <a:defRPr sz="2000">
-                <a:latin typeface="Microsoft YaHei" panose="020B0503020204020204" pitchFamily="34" charset="-122"/>
-                <a:ea typeface="Microsoft YaHei" panose="020B0503020204020204" pitchFamily="34" charset="-122"/>
+                <a:latin typeface="微软雅黑" panose="020B0503020204020204" pitchFamily="34" charset="-122"/>
+                <a:ea typeface="微软雅黑" panose="020B0503020204020204" pitchFamily="34" charset="-122"/>
               </a:defRPr>
             </a:lvl2pPr>
             <a:lvl3pPr>
               <a:defRPr sz="1800">
-                <a:latin typeface="Microsoft YaHei" panose="020B0503020204020204" pitchFamily="34" charset="-122"/>
-                <a:ea typeface="Microsoft YaHei" panose="020B0503020204020204" pitchFamily="34" charset="-122"/>
+                <a:latin typeface="微软雅黑" panose="020B0503020204020204" pitchFamily="34" charset="-122"/>
+                <a:ea typeface="微软雅黑" panose="020B0503020204020204" pitchFamily="34" charset="-122"/>
               </a:defRPr>
             </a:lvl3pPr>
             <a:lvl4pPr>
               <a:defRPr sz="1600">
-                <a:latin typeface="Microsoft YaHei" panose="020B0503020204020204" pitchFamily="34" charset="-122"/>
-                <a:ea typeface="Microsoft YaHei" panose="020B0503020204020204" pitchFamily="34" charset="-122"/>
+                <a:latin typeface="微软雅黑" panose="020B0503020204020204" pitchFamily="34" charset="-122"/>
+                <a:ea typeface="微软雅黑" panose="020B0503020204020204" pitchFamily="34" charset="-122"/>
               </a:defRPr>
             </a:lvl4pPr>
             <a:lvl5pPr>
               <a:defRPr sz="1600">
-                <a:latin typeface="Microsoft YaHei" panose="020B0503020204020204" pitchFamily="34" charset="-122"/>
-                <a:ea typeface="Microsoft YaHei" panose="020B0503020204020204" pitchFamily="34" charset="-122"/>
+                <a:latin typeface="微软雅黑" panose="020B0503020204020204" pitchFamily="34" charset="-122"/>
+                <a:ea typeface="微软雅黑" panose="020B0503020204020204" pitchFamily="34" charset="-122"/>
               </a:defRPr>
             </a:lvl5pPr>
             <a:lvl6pPr>
@@ -9787,8 +9806,8 @@
             <a:lvl1pPr marL="0" indent="0">
               <a:buNone/>
               <a:defRPr sz="2400" b="1">
-                <a:latin typeface="Microsoft YaHei" panose="020B0503020204020204" pitchFamily="34" charset="-122"/>
-                <a:ea typeface="Microsoft YaHei" panose="020B0503020204020204" pitchFamily="34" charset="-122"/>
+                <a:latin typeface="微软雅黑" panose="020B0503020204020204" pitchFamily="34" charset="-122"/>
+                <a:ea typeface="微软雅黑" panose="020B0503020204020204" pitchFamily="34" charset="-122"/>
               </a:defRPr>
             </a:lvl1pPr>
             <a:lvl2pPr marL="457200" indent="0">
@@ -9855,32 +9874,32 @@
           <a:lstStyle>
             <a:lvl1pPr>
               <a:defRPr sz="2400">
-                <a:latin typeface="Microsoft YaHei" panose="020B0503020204020204" pitchFamily="34" charset="-122"/>
-                <a:ea typeface="Microsoft YaHei" panose="020B0503020204020204" pitchFamily="34" charset="-122"/>
+                <a:latin typeface="微软雅黑" panose="020B0503020204020204" pitchFamily="34" charset="-122"/>
+                <a:ea typeface="微软雅黑" panose="020B0503020204020204" pitchFamily="34" charset="-122"/>
               </a:defRPr>
             </a:lvl1pPr>
             <a:lvl2pPr>
               <a:defRPr sz="2000">
-                <a:latin typeface="Microsoft YaHei" panose="020B0503020204020204" pitchFamily="34" charset="-122"/>
-                <a:ea typeface="Microsoft YaHei" panose="020B0503020204020204" pitchFamily="34" charset="-122"/>
+                <a:latin typeface="微软雅黑" panose="020B0503020204020204" pitchFamily="34" charset="-122"/>
+                <a:ea typeface="微软雅黑" panose="020B0503020204020204" pitchFamily="34" charset="-122"/>
               </a:defRPr>
             </a:lvl2pPr>
             <a:lvl3pPr>
               <a:defRPr sz="1800">
-                <a:latin typeface="Microsoft YaHei" panose="020B0503020204020204" pitchFamily="34" charset="-122"/>
-                <a:ea typeface="Microsoft YaHei" panose="020B0503020204020204" pitchFamily="34" charset="-122"/>
+                <a:latin typeface="微软雅黑" panose="020B0503020204020204" pitchFamily="34" charset="-122"/>
+                <a:ea typeface="微软雅黑" panose="020B0503020204020204" pitchFamily="34" charset="-122"/>
               </a:defRPr>
             </a:lvl3pPr>
             <a:lvl4pPr>
               <a:defRPr sz="1600">
-                <a:latin typeface="Microsoft YaHei" panose="020B0503020204020204" pitchFamily="34" charset="-122"/>
-                <a:ea typeface="Microsoft YaHei" panose="020B0503020204020204" pitchFamily="34" charset="-122"/>
+                <a:latin typeface="微软雅黑" panose="020B0503020204020204" pitchFamily="34" charset="-122"/>
+                <a:ea typeface="微软雅黑" panose="020B0503020204020204" pitchFamily="34" charset="-122"/>
               </a:defRPr>
             </a:lvl4pPr>
             <a:lvl5pPr>
               <a:defRPr sz="1600">
-                <a:latin typeface="Microsoft YaHei" panose="020B0503020204020204" pitchFamily="34" charset="-122"/>
-                <a:ea typeface="Microsoft YaHei" panose="020B0503020204020204" pitchFamily="34" charset="-122"/>
+                <a:latin typeface="微软雅黑" panose="020B0503020204020204" pitchFamily="34" charset="-122"/>
+                <a:ea typeface="微软雅黑" panose="020B0503020204020204" pitchFamily="34" charset="-122"/>
               </a:defRPr>
             </a:lvl5pPr>
             <a:lvl6pPr>
@@ -10152,8 +10171,8 @@
             <a:lvl1pPr marL="0" indent="0">
               <a:buNone/>
               <a:defRPr sz="2400" b="1">
-                <a:latin typeface="Microsoft YaHei" panose="020B0503020204020204" pitchFamily="34" charset="-122"/>
-                <a:ea typeface="Microsoft YaHei" panose="020B0503020204020204" pitchFamily="34" charset="-122"/>
+                <a:latin typeface="微软雅黑" panose="020B0503020204020204" pitchFamily="34" charset="-122"/>
+                <a:ea typeface="微软雅黑" panose="020B0503020204020204" pitchFamily="34" charset="-122"/>
               </a:defRPr>
             </a:lvl1pPr>
             <a:lvl2pPr marL="457200" indent="0">
@@ -10220,32 +10239,32 @@
           <a:lstStyle>
             <a:lvl1pPr>
               <a:defRPr sz="2400">
-                <a:latin typeface="Microsoft YaHei" panose="020B0503020204020204" pitchFamily="34" charset="-122"/>
-                <a:ea typeface="Microsoft YaHei" panose="020B0503020204020204" pitchFamily="34" charset="-122"/>
+                <a:latin typeface="微软雅黑" panose="020B0503020204020204" pitchFamily="34" charset="-122"/>
+                <a:ea typeface="微软雅黑" panose="020B0503020204020204" pitchFamily="34" charset="-122"/>
               </a:defRPr>
             </a:lvl1pPr>
             <a:lvl2pPr>
               <a:defRPr sz="2000">
-                <a:latin typeface="Microsoft YaHei" panose="020B0503020204020204" pitchFamily="34" charset="-122"/>
-                <a:ea typeface="Microsoft YaHei" panose="020B0503020204020204" pitchFamily="34" charset="-122"/>
+                <a:latin typeface="微软雅黑" panose="020B0503020204020204" pitchFamily="34" charset="-122"/>
+                <a:ea typeface="微软雅黑" panose="020B0503020204020204" pitchFamily="34" charset="-122"/>
               </a:defRPr>
             </a:lvl2pPr>
             <a:lvl3pPr>
               <a:defRPr sz="1800">
-                <a:latin typeface="Microsoft YaHei" panose="020B0503020204020204" pitchFamily="34" charset="-122"/>
-                <a:ea typeface="Microsoft YaHei" panose="020B0503020204020204" pitchFamily="34" charset="-122"/>
+                <a:latin typeface="微软雅黑" panose="020B0503020204020204" pitchFamily="34" charset="-122"/>
+                <a:ea typeface="微软雅黑" panose="020B0503020204020204" pitchFamily="34" charset="-122"/>
               </a:defRPr>
             </a:lvl3pPr>
             <a:lvl4pPr>
               <a:defRPr sz="1600">
-                <a:latin typeface="Microsoft YaHei" panose="020B0503020204020204" pitchFamily="34" charset="-122"/>
-                <a:ea typeface="Microsoft YaHei" panose="020B0503020204020204" pitchFamily="34" charset="-122"/>
+                <a:latin typeface="微软雅黑" panose="020B0503020204020204" pitchFamily="34" charset="-122"/>
+                <a:ea typeface="微软雅黑" panose="020B0503020204020204" pitchFamily="34" charset="-122"/>
               </a:defRPr>
             </a:lvl4pPr>
             <a:lvl5pPr>
               <a:defRPr sz="1600">
-                <a:latin typeface="Microsoft YaHei" panose="020B0503020204020204" pitchFamily="34" charset="-122"/>
-                <a:ea typeface="Microsoft YaHei" panose="020B0503020204020204" pitchFamily="34" charset="-122"/>
+                <a:latin typeface="微软雅黑" panose="020B0503020204020204" pitchFamily="34" charset="-122"/>
+                <a:ea typeface="微软雅黑" panose="020B0503020204020204" pitchFamily="34" charset="-122"/>
               </a:defRPr>
             </a:lvl5pPr>
             <a:lvl6pPr>
@@ -10325,8 +10344,8 @@
             <a:lvl1pPr marL="0" indent="0">
               <a:buNone/>
               <a:defRPr sz="2400" b="1">
-                <a:latin typeface="Microsoft YaHei" panose="020B0503020204020204" pitchFamily="34" charset="-122"/>
-                <a:ea typeface="Microsoft YaHei" panose="020B0503020204020204" pitchFamily="34" charset="-122"/>
+                <a:latin typeface="微软雅黑" panose="020B0503020204020204" pitchFamily="34" charset="-122"/>
+                <a:ea typeface="微软雅黑" panose="020B0503020204020204" pitchFamily="34" charset="-122"/>
               </a:defRPr>
             </a:lvl1pPr>
             <a:lvl2pPr marL="457200" indent="0">
@@ -10393,32 +10412,32 @@
           <a:lstStyle>
             <a:lvl1pPr>
               <a:defRPr sz="2400">
-                <a:latin typeface="Microsoft YaHei" panose="020B0503020204020204" pitchFamily="34" charset="-122"/>
-                <a:ea typeface="Microsoft YaHei" panose="020B0503020204020204" pitchFamily="34" charset="-122"/>
+                <a:latin typeface="微软雅黑" panose="020B0503020204020204" pitchFamily="34" charset="-122"/>
+                <a:ea typeface="微软雅黑" panose="020B0503020204020204" pitchFamily="34" charset="-122"/>
               </a:defRPr>
             </a:lvl1pPr>
             <a:lvl2pPr>
               <a:defRPr sz="2000">
-                <a:latin typeface="Microsoft YaHei" panose="020B0503020204020204" pitchFamily="34" charset="-122"/>
-                <a:ea typeface="Microsoft YaHei" panose="020B0503020204020204" pitchFamily="34" charset="-122"/>
+                <a:latin typeface="微软雅黑" panose="020B0503020204020204" pitchFamily="34" charset="-122"/>
+                <a:ea typeface="微软雅黑" panose="020B0503020204020204" pitchFamily="34" charset="-122"/>
               </a:defRPr>
             </a:lvl2pPr>
             <a:lvl3pPr>
               <a:defRPr sz="1800">
-                <a:latin typeface="Microsoft YaHei" panose="020B0503020204020204" pitchFamily="34" charset="-122"/>
-                <a:ea typeface="Microsoft YaHei" panose="020B0503020204020204" pitchFamily="34" charset="-122"/>
+                <a:latin typeface="微软雅黑" panose="020B0503020204020204" pitchFamily="34" charset="-122"/>
+                <a:ea typeface="微软雅黑" panose="020B0503020204020204" pitchFamily="34" charset="-122"/>
               </a:defRPr>
             </a:lvl3pPr>
             <a:lvl4pPr>
               <a:defRPr sz="1600">
-                <a:latin typeface="Microsoft YaHei" panose="020B0503020204020204" pitchFamily="34" charset="-122"/>
-                <a:ea typeface="Microsoft YaHei" panose="020B0503020204020204" pitchFamily="34" charset="-122"/>
+                <a:latin typeface="微软雅黑" panose="020B0503020204020204" pitchFamily="34" charset="-122"/>
+                <a:ea typeface="微软雅黑" panose="020B0503020204020204" pitchFamily="34" charset="-122"/>
               </a:defRPr>
             </a:lvl4pPr>
             <a:lvl5pPr>
               <a:defRPr sz="1600">
-                <a:latin typeface="Microsoft YaHei" panose="020B0503020204020204" pitchFamily="34" charset="-122"/>
-                <a:ea typeface="Microsoft YaHei" panose="020B0503020204020204" pitchFamily="34" charset="-122"/>
+                <a:latin typeface="微软雅黑" panose="020B0503020204020204" pitchFamily="34" charset="-122"/>
+                <a:ea typeface="微软雅黑" panose="020B0503020204020204" pitchFamily="34" charset="-122"/>
               </a:defRPr>
             </a:lvl5pPr>
             <a:lvl6pPr>
@@ -11624,8 +11643,8 @@
                 <a:solidFill>
                   <a:srgbClr val="0070C0"/>
                 </a:solidFill>
-                <a:latin typeface="Microsoft YaHei" panose="020B0503020204020204" pitchFamily="34" charset="-122"/>
-                <a:ea typeface="Microsoft YaHei" panose="020B0503020204020204" pitchFamily="34" charset="-122"/>
+                <a:latin typeface="微软雅黑" panose="020B0503020204020204" pitchFamily="34" charset="-122"/>
+                <a:ea typeface="微软雅黑" panose="020B0503020204020204" pitchFamily="34" charset="-122"/>
                 <a:cs typeface="+mn-cs"/>
               </a:defRPr>
             </a:lvl1pPr>
@@ -11832,8 +11851,8 @@
                 <a:blip r:embed="rId2"/>
               </a:buBlip>
               <a:defRPr>
-                <a:latin typeface="Microsoft YaHei" panose="020B0503020204020204" pitchFamily="34" charset="-122"/>
-                <a:ea typeface="Microsoft YaHei" panose="020B0503020204020204" pitchFamily="34" charset="-122"/>
+                <a:latin typeface="微软雅黑" panose="020B0503020204020204" pitchFamily="34" charset="-122"/>
+                <a:ea typeface="微软雅黑" panose="020B0503020204020204" pitchFamily="34" charset="-122"/>
               </a:defRPr>
             </a:lvl1pPr>
             <a:lvl2pPr>
@@ -11843,8 +11862,8 @@
                 <a:blip r:embed="rId3"/>
               </a:buBlip>
               <a:defRPr>
-                <a:latin typeface="Microsoft YaHei" panose="020B0503020204020204" pitchFamily="34" charset="-122"/>
-                <a:ea typeface="Microsoft YaHei" panose="020B0503020204020204" pitchFamily="34" charset="-122"/>
+                <a:latin typeface="微软雅黑" panose="020B0503020204020204" pitchFamily="34" charset="-122"/>
+                <a:ea typeface="微软雅黑" panose="020B0503020204020204" pitchFamily="34" charset="-122"/>
               </a:defRPr>
             </a:lvl2pPr>
             <a:lvl3pPr>
@@ -11856,20 +11875,20 @@
               <a:buFont typeface="Wingdings" panose="05000000000000000000" pitchFamily="2" charset="2"/>
               <a:buChar char="Ø"/>
               <a:defRPr>
-                <a:latin typeface="Microsoft YaHei" panose="020B0503020204020204" pitchFamily="34" charset="-122"/>
-                <a:ea typeface="Microsoft YaHei" panose="020B0503020204020204" pitchFamily="34" charset="-122"/>
+                <a:latin typeface="微软雅黑" panose="020B0503020204020204" pitchFamily="34" charset="-122"/>
+                <a:ea typeface="微软雅黑" panose="020B0503020204020204" pitchFamily="34" charset="-122"/>
               </a:defRPr>
             </a:lvl3pPr>
             <a:lvl4pPr>
               <a:defRPr>
-                <a:latin typeface="Microsoft YaHei" panose="020B0503020204020204" pitchFamily="34" charset="-122"/>
-                <a:ea typeface="Microsoft YaHei" panose="020B0503020204020204" pitchFamily="34" charset="-122"/>
+                <a:latin typeface="微软雅黑" panose="020B0503020204020204" pitchFamily="34" charset="-122"/>
+                <a:ea typeface="微软雅黑" panose="020B0503020204020204" pitchFamily="34" charset="-122"/>
               </a:defRPr>
             </a:lvl4pPr>
             <a:lvl5pPr>
               <a:defRPr>
-                <a:latin typeface="Microsoft YaHei" panose="020B0503020204020204" pitchFamily="34" charset="-122"/>
-                <a:ea typeface="Microsoft YaHei" panose="020B0503020204020204" pitchFamily="34" charset="-122"/>
+                <a:latin typeface="微软雅黑" panose="020B0503020204020204" pitchFamily="34" charset="-122"/>
+                <a:ea typeface="微软雅黑" panose="020B0503020204020204" pitchFamily="34" charset="-122"/>
               </a:defRPr>
             </a:lvl5pPr>
           </a:lstStyle>
@@ -12335,7 +12354,7 @@
         <a:spcBef>
           <a:spcPts val="1000"/>
         </a:spcBef>
-        <a:buFont typeface="Arial" panose="02080604020202020204" pitchFamily="34" charset="0"/>
+        <a:buFont typeface="Arial" panose="020B0604020202020204" pitchFamily="34" charset="0"/>
         <a:buChar char="•"/>
         <a:defRPr sz="2800" kern="1200">
           <a:solidFill>
@@ -12353,7 +12372,7 @@
         <a:spcBef>
           <a:spcPts val="500"/>
         </a:spcBef>
-        <a:buFont typeface="Arial" panose="02080604020202020204" pitchFamily="34" charset="0"/>
+        <a:buFont typeface="Arial" panose="020B0604020202020204" pitchFamily="34" charset="0"/>
         <a:buChar char="•"/>
         <a:defRPr sz="2400" kern="1200">
           <a:solidFill>
@@ -12371,7 +12390,7 @@
         <a:spcBef>
           <a:spcPts val="500"/>
         </a:spcBef>
-        <a:buFont typeface="Arial" panose="02080604020202020204" pitchFamily="34" charset="0"/>
+        <a:buFont typeface="Arial" panose="020B0604020202020204" pitchFamily="34" charset="0"/>
         <a:buChar char="•"/>
         <a:defRPr sz="2000" kern="1200">
           <a:solidFill>
@@ -12389,7 +12408,7 @@
         <a:spcBef>
           <a:spcPts val="500"/>
         </a:spcBef>
-        <a:buFont typeface="Arial" panose="02080604020202020204" pitchFamily="34" charset="0"/>
+        <a:buFont typeface="Arial" panose="020B0604020202020204" pitchFamily="34" charset="0"/>
         <a:buChar char="•"/>
         <a:defRPr sz="1800" kern="1200">
           <a:solidFill>
@@ -12407,7 +12426,7 @@
         <a:spcBef>
           <a:spcPts val="500"/>
         </a:spcBef>
-        <a:buFont typeface="Arial" panose="02080604020202020204" pitchFamily="34" charset="0"/>
+        <a:buFont typeface="Arial" panose="020B0604020202020204" pitchFamily="34" charset="0"/>
         <a:buChar char="•"/>
         <a:defRPr sz="1800" kern="1200">
           <a:solidFill>
@@ -12425,7 +12444,7 @@
         <a:spcBef>
           <a:spcPts val="500"/>
         </a:spcBef>
-        <a:buFont typeface="Arial" panose="02080604020202020204" pitchFamily="34" charset="0"/>
+        <a:buFont typeface="Arial" panose="020B0604020202020204" pitchFamily="34" charset="0"/>
         <a:buChar char="•"/>
         <a:defRPr sz="1800" kern="1200">
           <a:solidFill>
@@ -12443,7 +12462,7 @@
         <a:spcBef>
           <a:spcPts val="500"/>
         </a:spcBef>
-        <a:buFont typeface="Arial" panose="02080604020202020204" pitchFamily="34" charset="0"/>
+        <a:buFont typeface="Arial" panose="020B0604020202020204" pitchFamily="34" charset="0"/>
         <a:buChar char="•"/>
         <a:defRPr sz="1800" kern="1200">
           <a:solidFill>
@@ -12461,7 +12480,7 @@
         <a:spcBef>
           <a:spcPts val="500"/>
         </a:spcBef>
-        <a:buFont typeface="Arial" panose="02080604020202020204" pitchFamily="34" charset="0"/>
+        <a:buFont typeface="Arial" panose="020B0604020202020204" pitchFamily="34" charset="0"/>
         <a:buChar char="•"/>
         <a:defRPr sz="1800" kern="1200">
           <a:solidFill>
@@ -12479,7 +12498,7 @@
         <a:spcBef>
           <a:spcPts val="500"/>
         </a:spcBef>
-        <a:buFont typeface="Arial" panose="02080604020202020204" pitchFamily="34" charset="0"/>
+        <a:buFont typeface="Arial" panose="020B0604020202020204" pitchFamily="34" charset="0"/>
         <a:buChar char="•"/>
         <a:defRPr sz="1800" kern="1200">
           <a:solidFill>
@@ -12877,7 +12896,7 @@
         <a:spcBef>
           <a:spcPts val="1000"/>
         </a:spcBef>
-        <a:buFont typeface="Arial" panose="02080604020202020204" pitchFamily="34" charset="0"/>
+        <a:buFont typeface="Arial" panose="020B0604020202020204" pitchFamily="34" charset="0"/>
         <a:buChar char="•"/>
         <a:defRPr sz="2800" kern="1200">
           <a:solidFill>
@@ -12895,7 +12914,7 @@
         <a:spcBef>
           <a:spcPts val="500"/>
         </a:spcBef>
-        <a:buFont typeface="Arial" panose="02080604020202020204" pitchFamily="34" charset="0"/>
+        <a:buFont typeface="Arial" panose="020B0604020202020204" pitchFamily="34" charset="0"/>
         <a:buChar char="•"/>
         <a:defRPr sz="2400" kern="1200">
           <a:solidFill>
@@ -12913,7 +12932,7 @@
         <a:spcBef>
           <a:spcPts val="500"/>
         </a:spcBef>
-        <a:buFont typeface="Arial" panose="02080604020202020204" pitchFamily="34" charset="0"/>
+        <a:buFont typeface="Arial" panose="020B0604020202020204" pitchFamily="34" charset="0"/>
         <a:buChar char="•"/>
         <a:defRPr sz="2000" kern="1200">
           <a:solidFill>
@@ -12931,7 +12950,7 @@
         <a:spcBef>
           <a:spcPts val="500"/>
         </a:spcBef>
-        <a:buFont typeface="Arial" panose="02080604020202020204" pitchFamily="34" charset="0"/>
+        <a:buFont typeface="Arial" panose="020B0604020202020204" pitchFamily="34" charset="0"/>
         <a:buChar char="•"/>
         <a:defRPr sz="1800" kern="1200">
           <a:solidFill>
@@ -12949,7 +12968,7 @@
         <a:spcBef>
           <a:spcPts val="500"/>
         </a:spcBef>
-        <a:buFont typeface="Arial" panose="02080604020202020204" pitchFamily="34" charset="0"/>
+        <a:buFont typeface="Arial" panose="020B0604020202020204" pitchFamily="34" charset="0"/>
         <a:buChar char="•"/>
         <a:defRPr sz="1800" kern="1200">
           <a:solidFill>
@@ -12967,7 +12986,7 @@
         <a:spcBef>
           <a:spcPts val="500"/>
         </a:spcBef>
-        <a:buFont typeface="Arial" panose="02080604020202020204" pitchFamily="34" charset="0"/>
+        <a:buFont typeface="Arial" panose="020B0604020202020204" pitchFamily="34" charset="0"/>
         <a:buChar char="•"/>
         <a:defRPr sz="1800" kern="1200">
           <a:solidFill>
@@ -12985,7 +13004,7 @@
         <a:spcBef>
           <a:spcPts val="500"/>
         </a:spcBef>
-        <a:buFont typeface="Arial" panose="02080604020202020204" pitchFamily="34" charset="0"/>
+        <a:buFont typeface="Arial" panose="020B0604020202020204" pitchFamily="34" charset="0"/>
         <a:buChar char="•"/>
         <a:defRPr sz="1800" kern="1200">
           <a:solidFill>
@@ -13003,7 +13022,7 @@
         <a:spcBef>
           <a:spcPts val="500"/>
         </a:spcBef>
-        <a:buFont typeface="Arial" panose="02080604020202020204" pitchFamily="34" charset="0"/>
+        <a:buFont typeface="Arial" panose="020B0604020202020204" pitchFamily="34" charset="0"/>
         <a:buChar char="•"/>
         <a:defRPr sz="1800" kern="1200">
           <a:solidFill>
@@ -13021,7 +13040,7 @@
         <a:spcBef>
           <a:spcPts val="500"/>
         </a:spcBef>
-        <a:buFont typeface="Arial" panose="02080604020202020204" pitchFamily="34" charset="0"/>
+        <a:buFont typeface="Arial" panose="020B0604020202020204" pitchFamily="34" charset="0"/>
         <a:buChar char="•"/>
         <a:defRPr sz="1800" kern="1200">
           <a:solidFill>
@@ -13419,7 +13438,7 @@
         <a:spcBef>
           <a:spcPts val="1000"/>
         </a:spcBef>
-        <a:buFont typeface="Arial" panose="02080604020202020204" pitchFamily="34" charset="0"/>
+        <a:buFont typeface="Arial" panose="020B0604020202020204" pitchFamily="34" charset="0"/>
         <a:buChar char="•"/>
         <a:defRPr sz="2800" kern="1200">
           <a:solidFill>
@@ -13437,7 +13456,7 @@
         <a:spcBef>
           <a:spcPts val="500"/>
         </a:spcBef>
-        <a:buFont typeface="Arial" panose="02080604020202020204" pitchFamily="34" charset="0"/>
+        <a:buFont typeface="Arial" panose="020B0604020202020204" pitchFamily="34" charset="0"/>
         <a:buChar char="•"/>
         <a:defRPr sz="2400" kern="1200">
           <a:solidFill>
@@ -13455,7 +13474,7 @@
         <a:spcBef>
           <a:spcPts val="500"/>
         </a:spcBef>
-        <a:buFont typeface="Arial" panose="02080604020202020204" pitchFamily="34" charset="0"/>
+        <a:buFont typeface="Arial" panose="020B0604020202020204" pitchFamily="34" charset="0"/>
         <a:buChar char="•"/>
         <a:defRPr sz="2000" kern="1200">
           <a:solidFill>
@@ -13473,7 +13492,7 @@
         <a:spcBef>
           <a:spcPts val="500"/>
         </a:spcBef>
-        <a:buFont typeface="Arial" panose="02080604020202020204" pitchFamily="34" charset="0"/>
+        <a:buFont typeface="Arial" panose="020B0604020202020204" pitchFamily="34" charset="0"/>
         <a:buChar char="•"/>
         <a:defRPr sz="1800" kern="1200">
           <a:solidFill>
@@ -13491,7 +13510,7 @@
         <a:spcBef>
           <a:spcPts val="500"/>
         </a:spcBef>
-        <a:buFont typeface="Arial" panose="02080604020202020204" pitchFamily="34" charset="0"/>
+        <a:buFont typeface="Arial" panose="020B0604020202020204" pitchFamily="34" charset="0"/>
         <a:buChar char="•"/>
         <a:defRPr sz="1800" kern="1200">
           <a:solidFill>
@@ -13509,7 +13528,7 @@
         <a:spcBef>
           <a:spcPts val="500"/>
         </a:spcBef>
-        <a:buFont typeface="Arial" panose="02080604020202020204" pitchFamily="34" charset="0"/>
+        <a:buFont typeface="Arial" panose="020B0604020202020204" pitchFamily="34" charset="0"/>
         <a:buChar char="•"/>
         <a:defRPr sz="1800" kern="1200">
           <a:solidFill>
@@ -13527,7 +13546,7 @@
         <a:spcBef>
           <a:spcPts val="500"/>
         </a:spcBef>
-        <a:buFont typeface="Arial" panose="02080604020202020204" pitchFamily="34" charset="0"/>
+        <a:buFont typeface="Arial" panose="020B0604020202020204" pitchFamily="34" charset="0"/>
         <a:buChar char="•"/>
         <a:defRPr sz="1800" kern="1200">
           <a:solidFill>
@@ -13545,7 +13564,7 @@
         <a:spcBef>
           <a:spcPts val="500"/>
         </a:spcBef>
-        <a:buFont typeface="Arial" panose="02080604020202020204" pitchFamily="34" charset="0"/>
+        <a:buFont typeface="Arial" panose="020B0604020202020204" pitchFamily="34" charset="0"/>
         <a:buChar char="•"/>
         <a:defRPr sz="1800" kern="1200">
           <a:solidFill>
@@ -13563,7 +13582,7 @@
         <a:spcBef>
           <a:spcPts val="500"/>
         </a:spcBef>
-        <a:buFont typeface="Arial" panose="02080604020202020204" pitchFamily="34" charset="0"/>
+        <a:buFont typeface="Arial" panose="020B0604020202020204" pitchFamily="34" charset="0"/>
         <a:buChar char="•"/>
         <a:defRPr sz="1800" kern="1200">
           <a:solidFill>
@@ -13961,7 +13980,7 @@
         <a:spcBef>
           <a:spcPts val="1000"/>
         </a:spcBef>
-        <a:buFont typeface="Arial" panose="02080604020202020204" pitchFamily="34" charset="0"/>
+        <a:buFont typeface="Arial" panose="020B0604020202020204" pitchFamily="34" charset="0"/>
         <a:buChar char="•"/>
         <a:defRPr sz="2800" kern="1200">
           <a:solidFill>
@@ -13979,7 +13998,7 @@
         <a:spcBef>
           <a:spcPts val="500"/>
         </a:spcBef>
-        <a:buFont typeface="Arial" panose="02080604020202020204" pitchFamily="34" charset="0"/>
+        <a:buFont typeface="Arial" panose="020B0604020202020204" pitchFamily="34" charset="0"/>
         <a:buChar char="•"/>
         <a:defRPr sz="2400" kern="1200">
           <a:solidFill>
@@ -13997,7 +14016,7 @@
         <a:spcBef>
           <a:spcPts val="500"/>
         </a:spcBef>
-        <a:buFont typeface="Arial" panose="02080604020202020204" pitchFamily="34" charset="0"/>
+        <a:buFont typeface="Arial" panose="020B0604020202020204" pitchFamily="34" charset="0"/>
         <a:buChar char="•"/>
         <a:defRPr sz="2000" kern="1200">
           <a:solidFill>
@@ -14015,7 +14034,7 @@
         <a:spcBef>
           <a:spcPts val="500"/>
         </a:spcBef>
-        <a:buFont typeface="Arial" panose="02080604020202020204" pitchFamily="34" charset="0"/>
+        <a:buFont typeface="Arial" panose="020B0604020202020204" pitchFamily="34" charset="0"/>
         <a:buChar char="•"/>
         <a:defRPr sz="1800" kern="1200">
           <a:solidFill>
@@ -14033,7 +14052,7 @@
         <a:spcBef>
           <a:spcPts val="500"/>
         </a:spcBef>
-        <a:buFont typeface="Arial" panose="02080604020202020204" pitchFamily="34" charset="0"/>
+        <a:buFont typeface="Arial" panose="020B0604020202020204" pitchFamily="34" charset="0"/>
         <a:buChar char="•"/>
         <a:defRPr sz="1800" kern="1200">
           <a:solidFill>
@@ -14051,7 +14070,7 @@
         <a:spcBef>
           <a:spcPts val="500"/>
         </a:spcBef>
-        <a:buFont typeface="Arial" panose="02080604020202020204" pitchFamily="34" charset="0"/>
+        <a:buFont typeface="Arial" panose="020B0604020202020204" pitchFamily="34" charset="0"/>
         <a:buChar char="•"/>
         <a:defRPr sz="1800" kern="1200">
           <a:solidFill>
@@ -14069,7 +14088,7 @@
         <a:spcBef>
           <a:spcPts val="500"/>
         </a:spcBef>
-        <a:buFont typeface="Arial" panose="02080604020202020204" pitchFamily="34" charset="0"/>
+        <a:buFont typeface="Arial" panose="020B0604020202020204" pitchFamily="34" charset="0"/>
         <a:buChar char="•"/>
         <a:defRPr sz="1800" kern="1200">
           <a:solidFill>
@@ -14087,7 +14106,7 @@
         <a:spcBef>
           <a:spcPts val="500"/>
         </a:spcBef>
-        <a:buFont typeface="Arial" panose="02080604020202020204" pitchFamily="34" charset="0"/>
+        <a:buFont typeface="Arial" panose="020B0604020202020204" pitchFamily="34" charset="0"/>
         <a:buChar char="•"/>
         <a:defRPr sz="1800" kern="1200">
           <a:solidFill>
@@ -14105,7 +14124,7 @@
         <a:spcBef>
           <a:spcPts val="500"/>
         </a:spcBef>
-        <a:buFont typeface="Arial" panose="02080604020202020204" pitchFamily="34" charset="0"/>
+        <a:buFont typeface="Arial" panose="020B0604020202020204" pitchFamily="34" charset="0"/>
         <a:buChar char="•"/>
         <a:defRPr sz="1800" kern="1200">
           <a:solidFill>
@@ -14503,7 +14522,7 @@
         <a:spcBef>
           <a:spcPts val="1000"/>
         </a:spcBef>
-        <a:buFont typeface="Arial" panose="02080604020202020204" pitchFamily="34" charset="0"/>
+        <a:buFont typeface="Arial" panose="020B0604020202020204" pitchFamily="34" charset="0"/>
         <a:buChar char="•"/>
         <a:defRPr sz="2800" kern="1200">
           <a:solidFill>
@@ -14521,7 +14540,7 @@
         <a:spcBef>
           <a:spcPts val="500"/>
         </a:spcBef>
-        <a:buFont typeface="Arial" panose="02080604020202020204" pitchFamily="34" charset="0"/>
+        <a:buFont typeface="Arial" panose="020B0604020202020204" pitchFamily="34" charset="0"/>
         <a:buChar char="•"/>
         <a:defRPr sz="2400" kern="1200">
           <a:solidFill>
@@ -14539,7 +14558,7 @@
         <a:spcBef>
           <a:spcPts val="500"/>
         </a:spcBef>
-        <a:buFont typeface="Arial" panose="02080604020202020204" pitchFamily="34" charset="0"/>
+        <a:buFont typeface="Arial" panose="020B0604020202020204" pitchFamily="34" charset="0"/>
         <a:buChar char="•"/>
         <a:defRPr sz="2000" kern="1200">
           <a:solidFill>
@@ -14557,7 +14576,7 @@
         <a:spcBef>
           <a:spcPts val="500"/>
         </a:spcBef>
-        <a:buFont typeface="Arial" panose="02080604020202020204" pitchFamily="34" charset="0"/>
+        <a:buFont typeface="Arial" panose="020B0604020202020204" pitchFamily="34" charset="0"/>
         <a:buChar char="•"/>
         <a:defRPr sz="1800" kern="1200">
           <a:solidFill>
@@ -14575,7 +14594,7 @@
         <a:spcBef>
           <a:spcPts val="500"/>
         </a:spcBef>
-        <a:buFont typeface="Arial" panose="02080604020202020204" pitchFamily="34" charset="0"/>
+        <a:buFont typeface="Arial" panose="020B0604020202020204" pitchFamily="34" charset="0"/>
         <a:buChar char="•"/>
         <a:defRPr sz="1800" kern="1200">
           <a:solidFill>
@@ -14593,7 +14612,7 @@
         <a:spcBef>
           <a:spcPts val="500"/>
         </a:spcBef>
-        <a:buFont typeface="Arial" panose="02080604020202020204" pitchFamily="34" charset="0"/>
+        <a:buFont typeface="Arial" panose="020B0604020202020204" pitchFamily="34" charset="0"/>
         <a:buChar char="•"/>
         <a:defRPr sz="1800" kern="1200">
           <a:solidFill>
@@ -14611,7 +14630,7 @@
         <a:spcBef>
           <a:spcPts val="500"/>
         </a:spcBef>
-        <a:buFont typeface="Arial" panose="02080604020202020204" pitchFamily="34" charset="0"/>
+        <a:buFont typeface="Arial" panose="020B0604020202020204" pitchFamily="34" charset="0"/>
         <a:buChar char="•"/>
         <a:defRPr sz="1800" kern="1200">
           <a:solidFill>
@@ -14629,7 +14648,7 @@
         <a:spcBef>
           <a:spcPts val="500"/>
         </a:spcBef>
-        <a:buFont typeface="Arial" panose="02080604020202020204" pitchFamily="34" charset="0"/>
+        <a:buFont typeface="Arial" panose="020B0604020202020204" pitchFamily="34" charset="0"/>
         <a:buChar char="•"/>
         <a:defRPr sz="1800" kern="1200">
           <a:solidFill>
@@ -14647,7 +14666,7 @@
         <a:spcBef>
           <a:spcPts val="500"/>
         </a:spcBef>
-        <a:buFont typeface="Arial" panose="02080604020202020204" pitchFamily="34" charset="0"/>
+        <a:buFont typeface="Arial" panose="020B0604020202020204" pitchFamily="34" charset="0"/>
         <a:buChar char="•"/>
         <a:defRPr sz="1800" kern="1200">
           <a:solidFill>
@@ -15045,7 +15064,7 @@
         <a:spcBef>
           <a:spcPts val="1000"/>
         </a:spcBef>
-        <a:buFont typeface="Arial" panose="02080604020202020204" pitchFamily="34" charset="0"/>
+        <a:buFont typeface="Arial" panose="020B0604020202020204" pitchFamily="34" charset="0"/>
         <a:buChar char="•"/>
         <a:defRPr sz="2800" kern="1200">
           <a:solidFill>
@@ -15063,7 +15082,7 @@
         <a:spcBef>
           <a:spcPts val="500"/>
         </a:spcBef>
-        <a:buFont typeface="Arial" panose="02080604020202020204" pitchFamily="34" charset="0"/>
+        <a:buFont typeface="Arial" panose="020B0604020202020204" pitchFamily="34" charset="0"/>
         <a:buChar char="•"/>
         <a:defRPr sz="2400" kern="1200">
           <a:solidFill>
@@ -15081,7 +15100,7 @@
         <a:spcBef>
           <a:spcPts val="500"/>
         </a:spcBef>
-        <a:buFont typeface="Arial" panose="02080604020202020204" pitchFamily="34" charset="0"/>
+        <a:buFont typeface="Arial" panose="020B0604020202020204" pitchFamily="34" charset="0"/>
         <a:buChar char="•"/>
         <a:defRPr sz="2000" kern="1200">
           <a:solidFill>
@@ -15099,7 +15118,7 @@
         <a:spcBef>
           <a:spcPts val="500"/>
         </a:spcBef>
-        <a:buFont typeface="Arial" panose="02080604020202020204" pitchFamily="34" charset="0"/>
+        <a:buFont typeface="Arial" panose="020B0604020202020204" pitchFamily="34" charset="0"/>
         <a:buChar char="•"/>
         <a:defRPr sz="1800" kern="1200">
           <a:solidFill>
@@ -15117,7 +15136,7 @@
         <a:spcBef>
           <a:spcPts val="500"/>
         </a:spcBef>
-        <a:buFont typeface="Arial" panose="02080604020202020204" pitchFamily="34" charset="0"/>
+        <a:buFont typeface="Arial" panose="020B0604020202020204" pitchFamily="34" charset="0"/>
         <a:buChar char="•"/>
         <a:defRPr sz="1800" kern="1200">
           <a:solidFill>
@@ -15135,7 +15154,7 @@
         <a:spcBef>
           <a:spcPts val="500"/>
         </a:spcBef>
-        <a:buFont typeface="Arial" panose="02080604020202020204" pitchFamily="34" charset="0"/>
+        <a:buFont typeface="Arial" panose="020B0604020202020204" pitchFamily="34" charset="0"/>
         <a:buChar char="•"/>
         <a:defRPr sz="1800" kern="1200">
           <a:solidFill>
@@ -15153,7 +15172,7 @@
         <a:spcBef>
           <a:spcPts val="500"/>
         </a:spcBef>
-        <a:buFont typeface="Arial" panose="02080604020202020204" pitchFamily="34" charset="0"/>
+        <a:buFont typeface="Arial" panose="020B0604020202020204" pitchFamily="34" charset="0"/>
         <a:buChar char="•"/>
         <a:defRPr sz="1800" kern="1200">
           <a:solidFill>
@@ -15171,7 +15190,7 @@
         <a:spcBef>
           <a:spcPts val="500"/>
         </a:spcBef>
-        <a:buFont typeface="Arial" panose="02080604020202020204" pitchFamily="34" charset="0"/>
+        <a:buFont typeface="Arial" panose="020B0604020202020204" pitchFamily="34" charset="0"/>
         <a:buChar char="•"/>
         <a:defRPr sz="1800" kern="1200">
           <a:solidFill>
@@ -15189,7 +15208,7 @@
         <a:spcBef>
           <a:spcPts val="500"/>
         </a:spcBef>
-        <a:buFont typeface="Arial" panose="02080604020202020204" pitchFamily="34" charset="0"/>
+        <a:buFont typeface="Arial" panose="020B0604020202020204" pitchFamily="34" charset="0"/>
         <a:buChar char="•"/>
         <a:defRPr sz="1800" kern="1200">
           <a:solidFill>
@@ -15370,7 +15389,7 @@
                     <a:lumMod val="75000"/>
                   </a:schemeClr>
                 </a:solidFill>
-                <a:latin typeface="Comic Sans MS" pitchFamily="66" charset="0"/>
+                <a:latin typeface="Comic Sans MS" panose="030F0702030302020204" pitchFamily="66" charset="0"/>
                 <a:ea typeface="黑体" panose="02010609060101010101" pitchFamily="2" charset="-122"/>
               </a:rPr>
               <a:t>Advanced Compiler Technology</a:t>
@@ -15381,7 +15400,7 @@
                   <a:lumMod val="75000"/>
                 </a:schemeClr>
               </a:solidFill>
-              <a:latin typeface="Comic Sans MS" pitchFamily="66" charset="0"/>
+              <a:latin typeface="Comic Sans MS" panose="030F0702030302020204" pitchFamily="66" charset="0"/>
               <a:ea typeface="黑体" panose="02010609060101010101" pitchFamily="2" charset="-122"/>
             </a:endParaRPr>
           </a:p>
@@ -15563,7 +15582,7 @@
           </a:p>
           <a:p>
             <a:pPr marL="171450" indent="-171450" algn="l">
-              <a:buFont typeface="Arial" panose="02080604020202020204" pitchFamily="34" charset="0"/>
+              <a:buFont typeface="Arial" panose="020B0604020202020204" pitchFamily="34" charset="0"/>
               <a:buChar char="•"/>
             </a:pPr>
             <a:r>
@@ -15582,7 +15601,7 @@
           </a:p>
           <a:p>
             <a:pPr marL="171450" indent="-171450" algn="l">
-              <a:buFont typeface="Arial" panose="02080604020202020204" pitchFamily="34" charset="0"/>
+              <a:buFont typeface="Arial" panose="020B0604020202020204" pitchFamily="34" charset="0"/>
               <a:buChar char="•"/>
             </a:pPr>
             <a:r>
@@ -15681,7 +15700,7 @@
           </a:p>
           <a:p>
             <a:pPr marL="171450" indent="-171450" algn="l">
-              <a:buFont typeface="Arial" panose="02080604020202020204" pitchFamily="34" charset="0"/>
+              <a:buFont typeface="Arial" panose="020B0604020202020204" pitchFamily="34" charset="0"/>
               <a:buChar char="•"/>
             </a:pPr>
             <a:r>
@@ -15696,7 +15715,7 @@
           </a:p>
           <a:p>
             <a:pPr marL="171450" indent="-171450" algn="l">
-              <a:buFont typeface="Arial" panose="02080604020202020204" pitchFamily="34" charset="0"/>
+              <a:buFont typeface="Arial" panose="020B0604020202020204" pitchFamily="34" charset="0"/>
               <a:buChar char="•"/>
             </a:pPr>
             <a:r>
@@ -15719,7 +15738,7 @@
           </a:p>
           <a:p>
             <a:pPr marL="628650" lvl="1" indent="-171450" algn="l">
-              <a:buFont typeface="Arial" panose="02080604020202020204" pitchFamily="34" charset="0"/>
+              <a:buFont typeface="Arial" panose="020B0604020202020204" pitchFamily="34" charset="0"/>
               <a:buChar char="•"/>
             </a:pPr>
             <a:r>
@@ -15730,7 +15749,7 @@
           </a:p>
           <a:p>
             <a:pPr marL="628650" lvl="1" indent="-171450" algn="l">
-              <a:buFont typeface="Arial" panose="02080604020202020204" pitchFamily="34" charset="0"/>
+              <a:buFont typeface="Arial" panose="020B0604020202020204" pitchFamily="34" charset="0"/>
               <a:buChar char="•"/>
             </a:pPr>
             <a:r>
@@ -15741,7 +15760,7 @@
           </a:p>
           <a:p>
             <a:pPr marL="628650" lvl="1" indent="-171450" algn="l">
-              <a:buFont typeface="Arial" panose="02080604020202020204" pitchFamily="34" charset="0"/>
+              <a:buFont typeface="Arial" panose="020B0604020202020204" pitchFamily="34" charset="0"/>
               <a:buChar char="•"/>
             </a:pPr>
             <a:r>
@@ -15752,7 +15771,7 @@
           </a:p>
           <a:p>
             <a:pPr marL="171450" lvl="0" indent="-171450" algn="l">
-              <a:buFont typeface="Arial" panose="02080604020202020204" pitchFamily="34" charset="0"/>
+              <a:buFont typeface="Arial" panose="020B0604020202020204" pitchFamily="34" charset="0"/>
               <a:buChar char="•"/>
             </a:pPr>
             <a:r>
@@ -18786,6 +18805,697 @@
         <p:nvPr/>
       </p:nvGrpSpPr>
       <p:grpSpPr/>
+      <p:sp>
+        <p:nvSpPr>
+          <p:cNvPr id="2" name="Title 1"/>
+          <p:cNvSpPr>
+            <a:spLocks noGrp="1"/>
+          </p:cNvSpPr>
+          <p:nvPr>
+            <p:ph type="title"/>
+          </p:nvPr>
+        </p:nvSpPr>
+        <p:spPr/>
+        <p:txBody>
+          <a:bodyPr>
+            <a:normAutofit/>
+          </a:bodyPr>
+          <a:p>
+            <a:r>
+              <a:rPr lang="zh-CN" altLang="en-US"/>
+              <a:t>带标签的语法规则</a:t>
+            </a:r>
+            <a:endParaRPr lang="zh-CN" altLang="en-US"/>
+          </a:p>
+        </p:txBody>
+      </p:sp>
+      <p:pic>
+        <p:nvPicPr>
+          <p:cNvPr id="6" name="Content Placeholder 5" descr="Screenshot from 2023-03-17 19-22-38"/>
+          <p:cNvPicPr>
+            <a:picLocks noChangeAspect="1"/>
+          </p:cNvPicPr>
+          <p:nvPr>
+            <p:ph idx="1"/>
+          </p:nvPr>
+        </p:nvPicPr>
+        <p:blipFill>
+          <a:blip r:embed="rId1"/>
+          <a:stretch>
+            <a:fillRect/>
+          </a:stretch>
+        </p:blipFill>
+        <p:spPr>
+          <a:xfrm>
+            <a:off x="629285" y="1340485"/>
+            <a:ext cx="3862070" cy="1545590"/>
+          </a:xfrm>
+          <a:prstGeom prst="rect">
+            <a:avLst/>
+          </a:prstGeom>
+        </p:spPr>
+      </p:pic>
+      <p:pic>
+        <p:nvPicPr>
+          <p:cNvPr id="9" name="Content Placeholder 8" descr="Screenshot from 2023-03-17 19-31-53"/>
+          <p:cNvPicPr>
+            <a:picLocks noChangeAspect="1"/>
+          </p:cNvPicPr>
+          <p:nvPr>
+            <p:ph idx="13"/>
+          </p:nvPr>
+        </p:nvPicPr>
+        <p:blipFill>
+          <a:blip r:embed="rId2"/>
+          <a:stretch>
+            <a:fillRect/>
+          </a:stretch>
+        </p:blipFill>
+        <p:spPr>
+          <a:xfrm>
+            <a:off x="4653280" y="1340485"/>
+            <a:ext cx="3862070" cy="1544955"/>
+          </a:xfrm>
+          <a:prstGeom prst="rect">
+            <a:avLst/>
+          </a:prstGeom>
+        </p:spPr>
+      </p:pic>
+      <p:pic>
+        <p:nvPicPr>
+          <p:cNvPr id="7" name="Picture 6" descr="Screenshot from 2023-03-17 19-24-10"/>
+          <p:cNvPicPr>
+            <a:picLocks noChangeAspect="1"/>
+          </p:cNvPicPr>
+          <p:nvPr/>
+        </p:nvPicPr>
+        <p:blipFill>
+          <a:blip r:embed="rId3"/>
+          <a:stretch>
+            <a:fillRect/>
+          </a:stretch>
+        </p:blipFill>
+        <p:spPr>
+          <a:xfrm>
+            <a:off x="629285" y="3068955"/>
+            <a:ext cx="3862705" cy="3580765"/>
+          </a:xfrm>
+          <a:prstGeom prst="rect">
+            <a:avLst/>
+          </a:prstGeom>
+        </p:spPr>
+      </p:pic>
+      <p:sp>
+        <p:nvSpPr>
+          <p:cNvPr id="24" name="Rounded Rectangle 23"/>
+          <p:cNvSpPr/>
+          <p:nvPr/>
+        </p:nvSpPr>
+        <p:spPr>
+          <a:xfrm>
+            <a:off x="899795" y="4436745"/>
+            <a:ext cx="2666365" cy="229235"/>
+          </a:xfrm>
+          <a:prstGeom prst="roundRect">
+            <a:avLst/>
+          </a:prstGeom>
+          <a:noFill/>
+          <a:ln>
+            <a:solidFill>
+              <a:srgbClr val="FF0000"/>
+            </a:solidFill>
+          </a:ln>
+          <a:extLst>
+            <a:ext uri="{909E8E84-426E-40DD-AFC4-6F175D3DCCD1}">
+              <a14:hiddenFill xmlns:a14="http://schemas.microsoft.com/office/drawing/2010/main">
+                <a:solidFill>
+                  <a:schemeClr val="lt1"/>
+                </a:solidFill>
+              </a14:hiddenFill>
+            </a:ext>
+          </a:extLst>
+        </p:spPr>
+        <p:style>
+          <a:lnRef idx="2">
+            <a:schemeClr val="accent6"/>
+          </a:lnRef>
+          <a:fillRef idx="1">
+            <a:schemeClr val="lt1"/>
+          </a:fillRef>
+          <a:effectRef idx="0">
+            <a:schemeClr val="accent6"/>
+          </a:effectRef>
+          <a:fontRef idx="minor">
+            <a:schemeClr val="dk1"/>
+          </a:fontRef>
+        </p:style>
+        <p:txBody>
+          <a:bodyPr rtlCol="0" anchor="ctr"/>
+          <a:p>
+            <a:pPr algn="ctr"/>
+            <a:endParaRPr lang="en-US"/>
+          </a:p>
+        </p:txBody>
+      </p:sp>
+      <p:sp>
+        <p:nvSpPr>
+          <p:cNvPr id="8" name="Rounded Rectangle 7"/>
+          <p:cNvSpPr/>
+          <p:nvPr/>
+        </p:nvSpPr>
+        <p:spPr>
+          <a:xfrm>
+            <a:off x="899795" y="5445125"/>
+            <a:ext cx="2666365" cy="217805"/>
+          </a:xfrm>
+          <a:prstGeom prst="roundRect">
+            <a:avLst/>
+          </a:prstGeom>
+          <a:noFill/>
+          <a:ln>
+            <a:solidFill>
+              <a:srgbClr val="FF0000"/>
+            </a:solidFill>
+          </a:ln>
+          <a:extLst>
+            <a:ext uri="{909E8E84-426E-40DD-AFC4-6F175D3DCCD1}">
+              <a14:hiddenFill xmlns:a14="http://schemas.microsoft.com/office/drawing/2010/main">
+                <a:solidFill>
+                  <a:schemeClr val="lt1"/>
+                </a:solidFill>
+              </a14:hiddenFill>
+            </a:ext>
+          </a:extLst>
+        </p:spPr>
+        <p:style>
+          <a:lnRef idx="2">
+            <a:schemeClr val="accent6"/>
+          </a:lnRef>
+          <a:fillRef idx="1">
+            <a:schemeClr val="lt1"/>
+          </a:fillRef>
+          <a:effectRef idx="0">
+            <a:schemeClr val="accent6"/>
+          </a:effectRef>
+          <a:fontRef idx="minor">
+            <a:schemeClr val="dk1"/>
+          </a:fontRef>
+        </p:style>
+        <p:txBody>
+          <a:bodyPr rtlCol="0" anchor="ctr"/>
+          <a:p>
+            <a:pPr algn="ctr"/>
+            <a:endParaRPr lang="en-US"/>
+          </a:p>
+        </p:txBody>
+      </p:sp>
+      <p:pic>
+        <p:nvPicPr>
+          <p:cNvPr id="10" name="Picture 9" descr="Screenshot from 2023-03-17 19-32-59"/>
+          <p:cNvPicPr>
+            <a:picLocks noChangeAspect="1"/>
+          </p:cNvPicPr>
+          <p:nvPr/>
+        </p:nvPicPr>
+        <p:blipFill>
+          <a:blip r:embed="rId4"/>
+          <a:srcRect b="61875"/>
+          <a:stretch>
+            <a:fillRect/>
+          </a:stretch>
+        </p:blipFill>
+        <p:spPr>
+          <a:xfrm>
+            <a:off x="4653280" y="3068955"/>
+            <a:ext cx="3851910" cy="1597025"/>
+          </a:xfrm>
+          <a:prstGeom prst="rect">
+            <a:avLst/>
+          </a:prstGeom>
+        </p:spPr>
+      </p:pic>
+      <p:sp>
+        <p:nvSpPr>
+          <p:cNvPr id="23" name="Line Callout 2 22"/>
+          <p:cNvSpPr/>
+          <p:nvPr/>
+        </p:nvSpPr>
+        <p:spPr>
+          <a:xfrm>
+            <a:off x="3924300" y="5805805"/>
+            <a:ext cx="2174875" cy="363220"/>
+          </a:xfrm>
+          <a:prstGeom prst="borderCallout2">
+            <a:avLst>
+              <a:gd name="adj1" fmla="val 18750"/>
+              <a:gd name="adj2" fmla="val -8333"/>
+              <a:gd name="adj3" fmla="val 18750"/>
+              <a:gd name="adj4" fmla="val -16667"/>
+              <a:gd name="adj5" fmla="val -15596"/>
+              <a:gd name="adj6" fmla="val -26130"/>
+            </a:avLst>
+          </a:prstGeom>
+        </p:spPr>
+        <p:style>
+          <a:lnRef idx="2">
+            <a:schemeClr val="accent1">
+              <a:shade val="50000"/>
+            </a:schemeClr>
+          </a:lnRef>
+          <a:fillRef idx="1">
+            <a:schemeClr val="accent1"/>
+          </a:fillRef>
+          <a:effectRef idx="0">
+            <a:schemeClr val="accent1"/>
+          </a:effectRef>
+          <a:fontRef idx="minor">
+            <a:schemeClr val="lt1"/>
+          </a:fontRef>
+        </p:style>
+        <p:txBody>
+          <a:bodyPr rtlCol="0" anchor="ctr"/>
+          <a:p>
+            <a:pPr algn="l"/>
+            <a:r>
+              <a:rPr lang="zh-CN" altLang="en-US" sz="900"/>
+              <a:t>每个标签都会生成一个</a:t>
+            </a:r>
+            <a:r>
+              <a:rPr lang="en-US" altLang="zh-CN" sz="900"/>
+              <a:t>AST</a:t>
+            </a:r>
+            <a:r>
+              <a:rPr lang="zh-CN" altLang="en-US" sz="900"/>
+              <a:t>节点类型</a:t>
+            </a:r>
+            <a:endParaRPr lang="zh-CN" altLang="en-US" sz="900"/>
+          </a:p>
+        </p:txBody>
+      </p:sp>
+      <p:sp>
+        <p:nvSpPr>
+          <p:cNvPr id="11" name="Line Callout 2 10"/>
+          <p:cNvSpPr/>
+          <p:nvPr/>
+        </p:nvSpPr>
+        <p:spPr>
+          <a:xfrm>
+            <a:off x="6804660" y="3789045"/>
+            <a:ext cx="2174875" cy="719455"/>
+          </a:xfrm>
+          <a:prstGeom prst="borderCallout2">
+            <a:avLst>
+              <a:gd name="adj1" fmla="val 18750"/>
+              <a:gd name="adj2" fmla="val -8333"/>
+              <a:gd name="adj3" fmla="val 18750"/>
+              <a:gd name="adj4" fmla="val -16667"/>
+              <a:gd name="adj5" fmla="val -15596"/>
+              <a:gd name="adj6" fmla="val -26130"/>
+            </a:avLst>
+          </a:prstGeom>
+        </p:spPr>
+        <p:style>
+          <a:lnRef idx="2">
+            <a:schemeClr val="accent1">
+              <a:shade val="50000"/>
+            </a:schemeClr>
+          </a:lnRef>
+          <a:fillRef idx="1">
+            <a:schemeClr val="accent1"/>
+          </a:fillRef>
+          <a:effectRef idx="0">
+            <a:schemeClr val="accent1"/>
+          </a:effectRef>
+          <a:fontRef idx="minor">
+            <a:schemeClr val="lt1"/>
+          </a:fontRef>
+        </p:style>
+        <p:txBody>
+          <a:bodyPr rtlCol="0" anchor="ctr"/>
+          <a:p>
+            <a:pPr algn="l"/>
+            <a:r>
+              <a:rPr lang="zh-CN" sz="900"/>
+              <a:t>所有备选都被合并进一个结点类型，运行时仅有一个非</a:t>
+            </a:r>
+            <a:r>
+              <a:rPr lang="en-US" altLang="zh-CN" sz="900"/>
+              <a:t>nullptr</a:t>
+            </a:r>
+            <a:endParaRPr lang="en-US" altLang="zh-CN" sz="900"/>
+          </a:p>
+        </p:txBody>
+      </p:sp>
+      <p:sp>
+        <p:nvSpPr>
+          <p:cNvPr id="12" name="Rounded Rectangle 11"/>
+          <p:cNvSpPr/>
+          <p:nvPr/>
+        </p:nvSpPr>
+        <p:spPr>
+          <a:xfrm>
+            <a:off x="5004435" y="3501390"/>
+            <a:ext cx="1206500" cy="267970"/>
+          </a:xfrm>
+          <a:prstGeom prst="roundRect">
+            <a:avLst/>
+          </a:prstGeom>
+          <a:noFill/>
+          <a:ln>
+            <a:solidFill>
+              <a:srgbClr val="FF0000"/>
+            </a:solidFill>
+          </a:ln>
+          <a:extLst>
+            <a:ext uri="{909E8E84-426E-40DD-AFC4-6F175D3DCCD1}">
+              <a14:hiddenFill xmlns:a14="http://schemas.microsoft.com/office/drawing/2010/main">
+                <a:solidFill>
+                  <a:schemeClr val="lt1"/>
+                </a:solidFill>
+              </a14:hiddenFill>
+            </a:ext>
+          </a:extLst>
+        </p:spPr>
+        <p:style>
+          <a:lnRef idx="2">
+            <a:schemeClr val="accent6"/>
+          </a:lnRef>
+          <a:fillRef idx="1">
+            <a:schemeClr val="lt1"/>
+          </a:fillRef>
+          <a:effectRef idx="0">
+            <a:schemeClr val="accent6"/>
+          </a:effectRef>
+          <a:fontRef idx="minor">
+            <a:schemeClr val="dk1"/>
+          </a:fontRef>
+        </p:style>
+        <p:txBody>
+          <a:bodyPr rtlCol="0" anchor="ctr"/>
+          <a:p>
+            <a:pPr algn="ctr"/>
+            <a:endParaRPr lang="en-US"/>
+          </a:p>
+        </p:txBody>
+      </p:sp>
+    </p:spTree>
+  </p:cSld>
+  <p:clrMapOvr>
+    <a:masterClrMapping/>
+  </p:clrMapOvr>
+  <p:timing>
+    <p:tnLst>
+      <p:par>
+        <p:cTn id="1" dur="indefinite" restart="never" nodeType="tmRoot">
+          <p:childTnLst>
+            <p:seq concurrent="1" nextAc="seek">
+              <p:cTn id="2" dur="indefinite" nodeType="mainSeq">
+                <p:childTnLst>
+                  <p:par>
+                    <p:cTn id="3" fill="hold">
+                      <p:stCondLst>
+                        <p:cond delay="indefinite"/>
+                      </p:stCondLst>
+                      <p:childTnLst>
+                        <p:par>
+                          <p:cTn id="4" fill="hold">
+                            <p:stCondLst>
+                              <p:cond delay="0"/>
+                            </p:stCondLst>
+                            <p:childTnLst>
+                              <p:par>
+                                <p:cTn id="5" presetID="1" presetClass="entr" presetSubtype="0" fill="hold" grpId="0" nodeType="clickEffect">
+                                  <p:stCondLst>
+                                    <p:cond delay="0"/>
+                                  </p:stCondLst>
+                                  <p:childTnLst>
+                                    <p:set>
+                                      <p:cBhvr>
+                                        <p:cTn id="6" dur="1" fill="hold">
+                                          <p:stCondLst>
+                                            <p:cond delay="0"/>
+                                          </p:stCondLst>
+                                        </p:cTn>
+                                        <p:tgtEl>
+                                          <p:spTgt spid="24"/>
+                                        </p:tgtEl>
+                                        <p:attrNameLst>
+                                          <p:attrName>style.visibility</p:attrName>
+                                        </p:attrNameLst>
+                                      </p:cBhvr>
+                                      <p:to>
+                                        <p:strVal val="visible"/>
+                                      </p:to>
+                                    </p:set>
+                                  </p:childTnLst>
+                                </p:cTn>
+                              </p:par>
+                              <p:par>
+                                <p:cTn id="7" presetID="1" presetClass="entr" presetSubtype="0" fill="hold" grpId="0" nodeType="withEffect">
+                                  <p:stCondLst>
+                                    <p:cond delay="0"/>
+                                  </p:stCondLst>
+                                  <p:childTnLst>
+                                    <p:set>
+                                      <p:cBhvr>
+                                        <p:cTn id="8" dur="1" fill="hold">
+                                          <p:stCondLst>
+                                            <p:cond delay="0"/>
+                                          </p:stCondLst>
+                                        </p:cTn>
+                                        <p:tgtEl>
+                                          <p:spTgt spid="8"/>
+                                        </p:tgtEl>
+                                        <p:attrNameLst>
+                                          <p:attrName>style.visibility</p:attrName>
+                                        </p:attrNameLst>
+                                      </p:cBhvr>
+                                      <p:to>
+                                        <p:strVal val="visible"/>
+                                      </p:to>
+                                    </p:set>
+                                  </p:childTnLst>
+                                </p:cTn>
+                              </p:par>
+                              <p:par>
+                                <p:cTn id="9" presetID="1" presetClass="entr" presetSubtype="0" fill="hold" grpId="0" nodeType="withEffect">
+                                  <p:stCondLst>
+                                    <p:cond delay="0"/>
+                                  </p:stCondLst>
+                                  <p:childTnLst>
+                                    <p:set>
+                                      <p:cBhvr>
+                                        <p:cTn id="10" dur="1" fill="hold">
+                                          <p:stCondLst>
+                                            <p:cond delay="0"/>
+                                          </p:stCondLst>
+                                        </p:cTn>
+                                        <p:tgtEl>
+                                          <p:spTgt spid="23"/>
+                                        </p:tgtEl>
+                                        <p:attrNameLst>
+                                          <p:attrName>style.visibility</p:attrName>
+                                        </p:attrNameLst>
+                                      </p:cBhvr>
+                                      <p:to>
+                                        <p:strVal val="visible"/>
+                                      </p:to>
+                                    </p:set>
+                                  </p:childTnLst>
+                                </p:cTn>
+                              </p:par>
+                            </p:childTnLst>
+                          </p:cTn>
+                        </p:par>
+                      </p:childTnLst>
+                    </p:cTn>
+                  </p:par>
+                  <p:par>
+                    <p:cTn id="11" fill="hold">
+                      <p:stCondLst>
+                        <p:cond delay="indefinite"/>
+                      </p:stCondLst>
+                      <p:childTnLst>
+                        <p:par>
+                          <p:cTn id="12" fill="hold">
+                            <p:stCondLst>
+                              <p:cond delay="0"/>
+                            </p:stCondLst>
+                            <p:childTnLst>
+                              <p:par>
+                                <p:cTn id="13" presetID="1" presetClass="entr" presetSubtype="0" fill="hold" nodeType="clickEffect">
+                                  <p:stCondLst>
+                                    <p:cond delay="0"/>
+                                  </p:stCondLst>
+                                  <p:childTnLst>
+                                    <p:set>
+                                      <p:cBhvr>
+                                        <p:cTn id="14" dur="1" fill="hold">
+                                          <p:stCondLst>
+                                            <p:cond delay="0"/>
+                                          </p:stCondLst>
+                                        </p:cTn>
+                                        <p:tgtEl>
+                                          <p:spTgt spid="9"/>
+                                        </p:tgtEl>
+                                        <p:attrNameLst>
+                                          <p:attrName>style.visibility</p:attrName>
+                                        </p:attrNameLst>
+                                      </p:cBhvr>
+                                      <p:to>
+                                        <p:strVal val="visible"/>
+                                      </p:to>
+                                    </p:set>
+                                  </p:childTnLst>
+                                </p:cTn>
+                              </p:par>
+                              <p:par>
+                                <p:cTn id="15" presetID="1" presetClass="entr" presetSubtype="0" fill="hold" nodeType="withEffect">
+                                  <p:stCondLst>
+                                    <p:cond delay="0"/>
+                                  </p:stCondLst>
+                                  <p:childTnLst>
+                                    <p:set>
+                                      <p:cBhvr>
+                                        <p:cTn id="16" dur="1" fill="hold">
+                                          <p:stCondLst>
+                                            <p:cond delay="0"/>
+                                          </p:stCondLst>
+                                        </p:cTn>
+                                        <p:tgtEl>
+                                          <p:spTgt spid="10"/>
+                                        </p:tgtEl>
+                                        <p:attrNameLst>
+                                          <p:attrName>style.visibility</p:attrName>
+                                        </p:attrNameLst>
+                                      </p:cBhvr>
+                                      <p:to>
+                                        <p:strVal val="visible"/>
+                                      </p:to>
+                                    </p:set>
+                                  </p:childTnLst>
+                                </p:cTn>
+                              </p:par>
+                            </p:childTnLst>
+                          </p:cTn>
+                        </p:par>
+                      </p:childTnLst>
+                    </p:cTn>
+                  </p:par>
+                  <p:par>
+                    <p:cTn id="17" fill="hold">
+                      <p:stCondLst>
+                        <p:cond delay="indefinite"/>
+                      </p:stCondLst>
+                      <p:childTnLst>
+                        <p:par>
+                          <p:cTn id="18" fill="hold">
+                            <p:stCondLst>
+                              <p:cond delay="0"/>
+                            </p:stCondLst>
+                            <p:childTnLst>
+                              <p:par>
+                                <p:cTn id="19" presetID="1" presetClass="entr" presetSubtype="0" fill="hold" grpId="0" nodeType="clickEffect">
+                                  <p:stCondLst>
+                                    <p:cond delay="0"/>
+                                  </p:stCondLst>
+                                  <p:childTnLst>
+                                    <p:set>
+                                      <p:cBhvr>
+                                        <p:cTn id="20" dur="1" fill="hold">
+                                          <p:stCondLst>
+                                            <p:cond delay="0"/>
+                                          </p:stCondLst>
+                                        </p:cTn>
+                                        <p:tgtEl>
+                                          <p:spTgt spid="11"/>
+                                        </p:tgtEl>
+                                        <p:attrNameLst>
+                                          <p:attrName>style.visibility</p:attrName>
+                                        </p:attrNameLst>
+                                      </p:cBhvr>
+                                      <p:to>
+                                        <p:strVal val="visible"/>
+                                      </p:to>
+                                    </p:set>
+                                  </p:childTnLst>
+                                </p:cTn>
+                              </p:par>
+                              <p:par>
+                                <p:cTn id="21" presetID="1" presetClass="entr" presetSubtype="0" fill="hold" grpId="0" nodeType="withEffect">
+                                  <p:stCondLst>
+                                    <p:cond delay="0"/>
+                                  </p:stCondLst>
+                                  <p:childTnLst>
+                                    <p:set>
+                                      <p:cBhvr>
+                                        <p:cTn id="22" dur="1" fill="hold">
+                                          <p:stCondLst>
+                                            <p:cond delay="0"/>
+                                          </p:stCondLst>
+                                        </p:cTn>
+                                        <p:tgtEl>
+                                          <p:spTgt spid="12"/>
+                                        </p:tgtEl>
+                                        <p:attrNameLst>
+                                          <p:attrName>style.visibility</p:attrName>
+                                        </p:attrNameLst>
+                                      </p:cBhvr>
+                                      <p:to>
+                                        <p:strVal val="visible"/>
+                                      </p:to>
+                                    </p:set>
+                                  </p:childTnLst>
+                                </p:cTn>
+                              </p:par>
+                            </p:childTnLst>
+                          </p:cTn>
+                        </p:par>
+                      </p:childTnLst>
+                    </p:cTn>
+                  </p:par>
+                </p:childTnLst>
+              </p:cTn>
+              <p:prevCondLst>
+                <p:cond evt="onPrev" delay="0">
+                  <p:tgtEl>
+                    <p:sldTgt/>
+                  </p:tgtEl>
+                </p:cond>
+              </p:prevCondLst>
+              <p:nextCondLst>
+                <p:cond evt="onNext" delay="0">
+                  <p:tgtEl>
+                    <p:sldTgt/>
+                  </p:tgtEl>
+                </p:cond>
+              </p:nextCondLst>
+            </p:seq>
+          </p:childTnLst>
+        </p:cTn>
+      </p:par>
+    </p:tnLst>
+    <p:bldLst>
+      <p:bldP spid="24" grpId="0" bldLvl="0" animBg="1"/>
+      <p:bldP spid="8" grpId="0" bldLvl="0" animBg="1"/>
+      <p:bldP spid="23" grpId="0" bldLvl="0" animBg="1"/>
+      <p:bldP spid="11" grpId="0" bldLvl="0" animBg="1"/>
+      <p:bldP spid="12" grpId="0" bldLvl="0" animBg="1"/>
+    </p:bldLst>
+  </p:timing>
+</p:sld>
+</file>
+
+<file path=ppt/slides/slide16.xml><?xml version="1.0" encoding="utf-8"?>
+<p:sld xmlns:a="http://schemas.openxmlformats.org/drawingml/2006/main" xmlns:r="http://schemas.openxmlformats.org/officeDocument/2006/relationships" xmlns:p="http://schemas.openxmlformats.org/presentationml/2006/main">
+  <p:cSld>
+    <p:spTree>
+      <p:nvGrpSpPr>
+        <p:cNvPr id="1" name=""/>
+        <p:cNvGrpSpPr/>
+        <p:nvPr/>
+      </p:nvGrpSpPr>
+      <p:grpSpPr/>
       <p:pic>
         <p:nvPicPr>
           <p:cNvPr id="6" name="Content Placeholder 5" descr="classes"/>
@@ -19523,697 +20233,6 @@
 </p:sld>
 </file>
 
-<file path=ppt/slides/slide16.xml><?xml version="1.0" encoding="utf-8"?>
-<p:sld xmlns:a="http://schemas.openxmlformats.org/drawingml/2006/main" xmlns:r="http://schemas.openxmlformats.org/officeDocument/2006/relationships" xmlns:p="http://schemas.openxmlformats.org/presentationml/2006/main">
-  <p:cSld>
-    <p:spTree>
-      <p:nvGrpSpPr>
-        <p:cNvPr id="1" name=""/>
-        <p:cNvGrpSpPr/>
-        <p:nvPr/>
-      </p:nvGrpSpPr>
-      <p:grpSpPr/>
-      <p:sp>
-        <p:nvSpPr>
-          <p:cNvPr id="2" name="Title 1"/>
-          <p:cNvSpPr>
-            <a:spLocks noGrp="1"/>
-          </p:cNvSpPr>
-          <p:nvPr>
-            <p:ph type="title"/>
-          </p:nvPr>
-        </p:nvSpPr>
-        <p:spPr/>
-        <p:txBody>
-          <a:bodyPr>
-            <a:normAutofit/>
-          </a:bodyPr>
-          <a:p>
-            <a:r>
-              <a:rPr lang="zh-CN" altLang="en-US"/>
-              <a:t>带标签的语法规则</a:t>
-            </a:r>
-            <a:endParaRPr lang="zh-CN" altLang="en-US"/>
-          </a:p>
-        </p:txBody>
-      </p:sp>
-      <p:pic>
-        <p:nvPicPr>
-          <p:cNvPr id="6" name="Content Placeholder 5" descr="Screenshot from 2023-03-17 19-22-38"/>
-          <p:cNvPicPr>
-            <a:picLocks noChangeAspect="1"/>
-          </p:cNvPicPr>
-          <p:nvPr>
-            <p:ph idx="1"/>
-          </p:nvPr>
-        </p:nvPicPr>
-        <p:blipFill>
-          <a:blip r:embed="rId1"/>
-          <a:stretch>
-            <a:fillRect/>
-          </a:stretch>
-        </p:blipFill>
-        <p:spPr>
-          <a:xfrm>
-            <a:off x="629285" y="1340485"/>
-            <a:ext cx="3862070" cy="1545590"/>
-          </a:xfrm>
-          <a:prstGeom prst="rect">
-            <a:avLst/>
-          </a:prstGeom>
-        </p:spPr>
-      </p:pic>
-      <p:pic>
-        <p:nvPicPr>
-          <p:cNvPr id="9" name="Content Placeholder 8" descr="Screenshot from 2023-03-17 19-31-53"/>
-          <p:cNvPicPr>
-            <a:picLocks noChangeAspect="1"/>
-          </p:cNvPicPr>
-          <p:nvPr>
-            <p:ph idx="13"/>
-          </p:nvPr>
-        </p:nvPicPr>
-        <p:blipFill>
-          <a:blip r:embed="rId2"/>
-          <a:stretch>
-            <a:fillRect/>
-          </a:stretch>
-        </p:blipFill>
-        <p:spPr>
-          <a:xfrm>
-            <a:off x="4653280" y="1340485"/>
-            <a:ext cx="3862070" cy="1544955"/>
-          </a:xfrm>
-          <a:prstGeom prst="rect">
-            <a:avLst/>
-          </a:prstGeom>
-        </p:spPr>
-      </p:pic>
-      <p:pic>
-        <p:nvPicPr>
-          <p:cNvPr id="7" name="Picture 6" descr="Screenshot from 2023-03-17 19-24-10"/>
-          <p:cNvPicPr>
-            <a:picLocks noChangeAspect="1"/>
-          </p:cNvPicPr>
-          <p:nvPr/>
-        </p:nvPicPr>
-        <p:blipFill>
-          <a:blip r:embed="rId3"/>
-          <a:stretch>
-            <a:fillRect/>
-          </a:stretch>
-        </p:blipFill>
-        <p:spPr>
-          <a:xfrm>
-            <a:off x="629285" y="3068955"/>
-            <a:ext cx="3862705" cy="3580765"/>
-          </a:xfrm>
-          <a:prstGeom prst="rect">
-            <a:avLst/>
-          </a:prstGeom>
-        </p:spPr>
-      </p:pic>
-      <p:sp>
-        <p:nvSpPr>
-          <p:cNvPr id="24" name="Rounded Rectangle 23"/>
-          <p:cNvSpPr/>
-          <p:nvPr/>
-        </p:nvSpPr>
-        <p:spPr>
-          <a:xfrm>
-            <a:off x="899795" y="4436745"/>
-            <a:ext cx="2666365" cy="229235"/>
-          </a:xfrm>
-          <a:prstGeom prst="roundRect">
-            <a:avLst/>
-          </a:prstGeom>
-          <a:noFill/>
-          <a:ln>
-            <a:solidFill>
-              <a:srgbClr val="FF0000"/>
-            </a:solidFill>
-          </a:ln>
-          <a:extLst>
-            <a:ext uri="{909E8E84-426E-40DD-AFC4-6F175D3DCCD1}">
-              <a14:hiddenFill xmlns:a14="http://schemas.microsoft.com/office/drawing/2010/main">
-                <a:solidFill>
-                  <a:schemeClr val="lt1"/>
-                </a:solidFill>
-              </a14:hiddenFill>
-            </a:ext>
-          </a:extLst>
-        </p:spPr>
-        <p:style>
-          <a:lnRef idx="2">
-            <a:schemeClr val="accent6"/>
-          </a:lnRef>
-          <a:fillRef idx="1">
-            <a:schemeClr val="lt1"/>
-          </a:fillRef>
-          <a:effectRef idx="0">
-            <a:schemeClr val="accent6"/>
-          </a:effectRef>
-          <a:fontRef idx="minor">
-            <a:schemeClr val="dk1"/>
-          </a:fontRef>
-        </p:style>
-        <p:txBody>
-          <a:bodyPr rtlCol="0" anchor="ctr"/>
-          <a:p>
-            <a:pPr algn="ctr"/>
-            <a:endParaRPr lang="en-US"/>
-          </a:p>
-        </p:txBody>
-      </p:sp>
-      <p:sp>
-        <p:nvSpPr>
-          <p:cNvPr id="8" name="Rounded Rectangle 7"/>
-          <p:cNvSpPr/>
-          <p:nvPr/>
-        </p:nvSpPr>
-        <p:spPr>
-          <a:xfrm>
-            <a:off x="899795" y="5445125"/>
-            <a:ext cx="2666365" cy="217805"/>
-          </a:xfrm>
-          <a:prstGeom prst="roundRect">
-            <a:avLst/>
-          </a:prstGeom>
-          <a:noFill/>
-          <a:ln>
-            <a:solidFill>
-              <a:srgbClr val="FF0000"/>
-            </a:solidFill>
-          </a:ln>
-          <a:extLst>
-            <a:ext uri="{909E8E84-426E-40DD-AFC4-6F175D3DCCD1}">
-              <a14:hiddenFill xmlns:a14="http://schemas.microsoft.com/office/drawing/2010/main">
-                <a:solidFill>
-                  <a:schemeClr val="lt1"/>
-                </a:solidFill>
-              </a14:hiddenFill>
-            </a:ext>
-          </a:extLst>
-        </p:spPr>
-        <p:style>
-          <a:lnRef idx="2">
-            <a:schemeClr val="accent6"/>
-          </a:lnRef>
-          <a:fillRef idx="1">
-            <a:schemeClr val="lt1"/>
-          </a:fillRef>
-          <a:effectRef idx="0">
-            <a:schemeClr val="accent6"/>
-          </a:effectRef>
-          <a:fontRef idx="minor">
-            <a:schemeClr val="dk1"/>
-          </a:fontRef>
-        </p:style>
-        <p:txBody>
-          <a:bodyPr rtlCol="0" anchor="ctr"/>
-          <a:p>
-            <a:pPr algn="ctr"/>
-            <a:endParaRPr lang="en-US"/>
-          </a:p>
-        </p:txBody>
-      </p:sp>
-      <p:pic>
-        <p:nvPicPr>
-          <p:cNvPr id="10" name="Picture 9" descr="Screenshot from 2023-03-17 19-32-59"/>
-          <p:cNvPicPr>
-            <a:picLocks noChangeAspect="1"/>
-          </p:cNvPicPr>
-          <p:nvPr/>
-        </p:nvPicPr>
-        <p:blipFill>
-          <a:blip r:embed="rId4"/>
-          <a:srcRect b="61875"/>
-          <a:stretch>
-            <a:fillRect/>
-          </a:stretch>
-        </p:blipFill>
-        <p:spPr>
-          <a:xfrm>
-            <a:off x="4653280" y="3068955"/>
-            <a:ext cx="3851910" cy="1597025"/>
-          </a:xfrm>
-          <a:prstGeom prst="rect">
-            <a:avLst/>
-          </a:prstGeom>
-        </p:spPr>
-      </p:pic>
-      <p:sp>
-        <p:nvSpPr>
-          <p:cNvPr id="23" name="Line Callout 2 22"/>
-          <p:cNvSpPr/>
-          <p:nvPr/>
-        </p:nvSpPr>
-        <p:spPr>
-          <a:xfrm>
-            <a:off x="3924300" y="5805805"/>
-            <a:ext cx="2174875" cy="363220"/>
-          </a:xfrm>
-          <a:prstGeom prst="borderCallout2">
-            <a:avLst>
-              <a:gd name="adj1" fmla="val 18750"/>
-              <a:gd name="adj2" fmla="val -8333"/>
-              <a:gd name="adj3" fmla="val 18750"/>
-              <a:gd name="adj4" fmla="val -16667"/>
-              <a:gd name="adj5" fmla="val -15596"/>
-              <a:gd name="adj6" fmla="val -26130"/>
-            </a:avLst>
-          </a:prstGeom>
-        </p:spPr>
-        <p:style>
-          <a:lnRef idx="2">
-            <a:schemeClr val="accent1">
-              <a:shade val="50000"/>
-            </a:schemeClr>
-          </a:lnRef>
-          <a:fillRef idx="1">
-            <a:schemeClr val="accent1"/>
-          </a:fillRef>
-          <a:effectRef idx="0">
-            <a:schemeClr val="accent1"/>
-          </a:effectRef>
-          <a:fontRef idx="minor">
-            <a:schemeClr val="lt1"/>
-          </a:fontRef>
-        </p:style>
-        <p:txBody>
-          <a:bodyPr rtlCol="0" anchor="ctr"/>
-          <a:p>
-            <a:pPr algn="l"/>
-            <a:r>
-              <a:rPr lang="zh-CN" altLang="en-US" sz="900"/>
-              <a:t>每个标签都会生成一个</a:t>
-            </a:r>
-            <a:r>
-              <a:rPr lang="en-US" altLang="zh-CN" sz="900"/>
-              <a:t>AST</a:t>
-            </a:r>
-            <a:r>
-              <a:rPr lang="zh-CN" altLang="en-US" sz="900"/>
-              <a:t>节点类型</a:t>
-            </a:r>
-            <a:endParaRPr lang="zh-CN" altLang="en-US" sz="900"/>
-          </a:p>
-        </p:txBody>
-      </p:sp>
-      <p:sp>
-        <p:nvSpPr>
-          <p:cNvPr id="11" name="Line Callout 2 10"/>
-          <p:cNvSpPr/>
-          <p:nvPr/>
-        </p:nvSpPr>
-        <p:spPr>
-          <a:xfrm>
-            <a:off x="6804660" y="3789045"/>
-            <a:ext cx="2174875" cy="719455"/>
-          </a:xfrm>
-          <a:prstGeom prst="borderCallout2">
-            <a:avLst>
-              <a:gd name="adj1" fmla="val 18750"/>
-              <a:gd name="adj2" fmla="val -8333"/>
-              <a:gd name="adj3" fmla="val 18750"/>
-              <a:gd name="adj4" fmla="val -16667"/>
-              <a:gd name="adj5" fmla="val -15596"/>
-              <a:gd name="adj6" fmla="val -26130"/>
-            </a:avLst>
-          </a:prstGeom>
-        </p:spPr>
-        <p:style>
-          <a:lnRef idx="2">
-            <a:schemeClr val="accent1">
-              <a:shade val="50000"/>
-            </a:schemeClr>
-          </a:lnRef>
-          <a:fillRef idx="1">
-            <a:schemeClr val="accent1"/>
-          </a:fillRef>
-          <a:effectRef idx="0">
-            <a:schemeClr val="accent1"/>
-          </a:effectRef>
-          <a:fontRef idx="minor">
-            <a:schemeClr val="lt1"/>
-          </a:fontRef>
-        </p:style>
-        <p:txBody>
-          <a:bodyPr rtlCol="0" anchor="ctr"/>
-          <a:p>
-            <a:pPr algn="l"/>
-            <a:r>
-              <a:rPr lang="zh-CN" sz="900"/>
-              <a:t>所有备选都被合并进一个结点类型，运行时仅有一个非</a:t>
-            </a:r>
-            <a:r>
-              <a:rPr lang="en-US" altLang="zh-CN" sz="900"/>
-              <a:t>nullptr</a:t>
-            </a:r>
-            <a:endParaRPr lang="en-US" altLang="zh-CN" sz="900"/>
-          </a:p>
-        </p:txBody>
-      </p:sp>
-      <p:sp>
-        <p:nvSpPr>
-          <p:cNvPr id="12" name="Rounded Rectangle 11"/>
-          <p:cNvSpPr/>
-          <p:nvPr/>
-        </p:nvSpPr>
-        <p:spPr>
-          <a:xfrm>
-            <a:off x="5004435" y="3501390"/>
-            <a:ext cx="1206500" cy="267970"/>
-          </a:xfrm>
-          <a:prstGeom prst="roundRect">
-            <a:avLst/>
-          </a:prstGeom>
-          <a:noFill/>
-          <a:ln>
-            <a:solidFill>
-              <a:srgbClr val="FF0000"/>
-            </a:solidFill>
-          </a:ln>
-          <a:extLst>
-            <a:ext uri="{909E8E84-426E-40DD-AFC4-6F175D3DCCD1}">
-              <a14:hiddenFill xmlns:a14="http://schemas.microsoft.com/office/drawing/2010/main">
-                <a:solidFill>
-                  <a:schemeClr val="lt1"/>
-                </a:solidFill>
-              </a14:hiddenFill>
-            </a:ext>
-          </a:extLst>
-        </p:spPr>
-        <p:style>
-          <a:lnRef idx="2">
-            <a:schemeClr val="accent6"/>
-          </a:lnRef>
-          <a:fillRef idx="1">
-            <a:schemeClr val="lt1"/>
-          </a:fillRef>
-          <a:effectRef idx="0">
-            <a:schemeClr val="accent6"/>
-          </a:effectRef>
-          <a:fontRef idx="minor">
-            <a:schemeClr val="dk1"/>
-          </a:fontRef>
-        </p:style>
-        <p:txBody>
-          <a:bodyPr rtlCol="0" anchor="ctr"/>
-          <a:p>
-            <a:pPr algn="ctr"/>
-            <a:endParaRPr lang="en-US"/>
-          </a:p>
-        </p:txBody>
-      </p:sp>
-    </p:spTree>
-  </p:cSld>
-  <p:clrMapOvr>
-    <a:masterClrMapping/>
-  </p:clrMapOvr>
-  <p:timing>
-    <p:tnLst>
-      <p:par>
-        <p:cTn id="1" dur="indefinite" restart="never" nodeType="tmRoot">
-          <p:childTnLst>
-            <p:seq concurrent="1" nextAc="seek">
-              <p:cTn id="2" dur="indefinite" nodeType="mainSeq">
-                <p:childTnLst>
-                  <p:par>
-                    <p:cTn id="3" fill="hold">
-                      <p:stCondLst>
-                        <p:cond delay="indefinite"/>
-                      </p:stCondLst>
-                      <p:childTnLst>
-                        <p:par>
-                          <p:cTn id="4" fill="hold">
-                            <p:stCondLst>
-                              <p:cond delay="0"/>
-                            </p:stCondLst>
-                            <p:childTnLst>
-                              <p:par>
-                                <p:cTn id="5" presetID="1" presetClass="entr" presetSubtype="0" fill="hold" grpId="0" nodeType="clickEffect">
-                                  <p:stCondLst>
-                                    <p:cond delay="0"/>
-                                  </p:stCondLst>
-                                  <p:childTnLst>
-                                    <p:set>
-                                      <p:cBhvr>
-                                        <p:cTn id="6" dur="1" fill="hold">
-                                          <p:stCondLst>
-                                            <p:cond delay="0"/>
-                                          </p:stCondLst>
-                                        </p:cTn>
-                                        <p:tgtEl>
-                                          <p:spTgt spid="24"/>
-                                        </p:tgtEl>
-                                        <p:attrNameLst>
-                                          <p:attrName>style.visibility</p:attrName>
-                                        </p:attrNameLst>
-                                      </p:cBhvr>
-                                      <p:to>
-                                        <p:strVal val="visible"/>
-                                      </p:to>
-                                    </p:set>
-                                  </p:childTnLst>
-                                </p:cTn>
-                              </p:par>
-                              <p:par>
-                                <p:cTn id="7" presetID="1" presetClass="entr" presetSubtype="0" fill="hold" grpId="0" nodeType="withEffect">
-                                  <p:stCondLst>
-                                    <p:cond delay="0"/>
-                                  </p:stCondLst>
-                                  <p:childTnLst>
-                                    <p:set>
-                                      <p:cBhvr>
-                                        <p:cTn id="8" dur="1" fill="hold">
-                                          <p:stCondLst>
-                                            <p:cond delay="0"/>
-                                          </p:stCondLst>
-                                        </p:cTn>
-                                        <p:tgtEl>
-                                          <p:spTgt spid="8"/>
-                                        </p:tgtEl>
-                                        <p:attrNameLst>
-                                          <p:attrName>style.visibility</p:attrName>
-                                        </p:attrNameLst>
-                                      </p:cBhvr>
-                                      <p:to>
-                                        <p:strVal val="visible"/>
-                                      </p:to>
-                                    </p:set>
-                                  </p:childTnLst>
-                                </p:cTn>
-                              </p:par>
-                              <p:par>
-                                <p:cTn id="9" presetID="1" presetClass="entr" presetSubtype="0" fill="hold" grpId="0" nodeType="withEffect">
-                                  <p:stCondLst>
-                                    <p:cond delay="0"/>
-                                  </p:stCondLst>
-                                  <p:childTnLst>
-                                    <p:set>
-                                      <p:cBhvr>
-                                        <p:cTn id="10" dur="1" fill="hold">
-                                          <p:stCondLst>
-                                            <p:cond delay="0"/>
-                                          </p:stCondLst>
-                                        </p:cTn>
-                                        <p:tgtEl>
-                                          <p:spTgt spid="23"/>
-                                        </p:tgtEl>
-                                        <p:attrNameLst>
-                                          <p:attrName>style.visibility</p:attrName>
-                                        </p:attrNameLst>
-                                      </p:cBhvr>
-                                      <p:to>
-                                        <p:strVal val="visible"/>
-                                      </p:to>
-                                    </p:set>
-                                  </p:childTnLst>
-                                </p:cTn>
-                              </p:par>
-                            </p:childTnLst>
-                          </p:cTn>
-                        </p:par>
-                      </p:childTnLst>
-                    </p:cTn>
-                  </p:par>
-                  <p:par>
-                    <p:cTn id="11" fill="hold">
-                      <p:stCondLst>
-                        <p:cond delay="indefinite"/>
-                      </p:stCondLst>
-                      <p:childTnLst>
-                        <p:par>
-                          <p:cTn id="12" fill="hold">
-                            <p:stCondLst>
-                              <p:cond delay="0"/>
-                            </p:stCondLst>
-                            <p:childTnLst>
-                              <p:par>
-                                <p:cTn id="13" presetID="1" presetClass="entr" presetSubtype="0" fill="hold" nodeType="clickEffect">
-                                  <p:stCondLst>
-                                    <p:cond delay="0"/>
-                                  </p:stCondLst>
-                                  <p:childTnLst>
-                                    <p:set>
-                                      <p:cBhvr>
-                                        <p:cTn id="14" dur="1" fill="hold">
-                                          <p:stCondLst>
-                                            <p:cond delay="0"/>
-                                          </p:stCondLst>
-                                        </p:cTn>
-                                        <p:tgtEl>
-                                          <p:spTgt spid="9"/>
-                                        </p:tgtEl>
-                                        <p:attrNameLst>
-                                          <p:attrName>style.visibility</p:attrName>
-                                        </p:attrNameLst>
-                                      </p:cBhvr>
-                                      <p:to>
-                                        <p:strVal val="visible"/>
-                                      </p:to>
-                                    </p:set>
-                                  </p:childTnLst>
-                                </p:cTn>
-                              </p:par>
-                              <p:par>
-                                <p:cTn id="15" presetID="1" presetClass="entr" presetSubtype="0" fill="hold" nodeType="withEffect">
-                                  <p:stCondLst>
-                                    <p:cond delay="0"/>
-                                  </p:stCondLst>
-                                  <p:childTnLst>
-                                    <p:set>
-                                      <p:cBhvr>
-                                        <p:cTn id="16" dur="1" fill="hold">
-                                          <p:stCondLst>
-                                            <p:cond delay="0"/>
-                                          </p:stCondLst>
-                                        </p:cTn>
-                                        <p:tgtEl>
-                                          <p:spTgt spid="10"/>
-                                        </p:tgtEl>
-                                        <p:attrNameLst>
-                                          <p:attrName>style.visibility</p:attrName>
-                                        </p:attrNameLst>
-                                      </p:cBhvr>
-                                      <p:to>
-                                        <p:strVal val="visible"/>
-                                      </p:to>
-                                    </p:set>
-                                  </p:childTnLst>
-                                </p:cTn>
-                              </p:par>
-                            </p:childTnLst>
-                          </p:cTn>
-                        </p:par>
-                      </p:childTnLst>
-                    </p:cTn>
-                  </p:par>
-                  <p:par>
-                    <p:cTn id="17" fill="hold">
-                      <p:stCondLst>
-                        <p:cond delay="indefinite"/>
-                      </p:stCondLst>
-                      <p:childTnLst>
-                        <p:par>
-                          <p:cTn id="18" fill="hold">
-                            <p:stCondLst>
-                              <p:cond delay="0"/>
-                            </p:stCondLst>
-                            <p:childTnLst>
-                              <p:par>
-                                <p:cTn id="19" presetID="1" presetClass="entr" presetSubtype="0" fill="hold" grpId="0" nodeType="clickEffect">
-                                  <p:stCondLst>
-                                    <p:cond delay="0"/>
-                                  </p:stCondLst>
-                                  <p:childTnLst>
-                                    <p:set>
-                                      <p:cBhvr>
-                                        <p:cTn id="20" dur="1" fill="hold">
-                                          <p:stCondLst>
-                                            <p:cond delay="0"/>
-                                          </p:stCondLst>
-                                        </p:cTn>
-                                        <p:tgtEl>
-                                          <p:spTgt spid="11"/>
-                                        </p:tgtEl>
-                                        <p:attrNameLst>
-                                          <p:attrName>style.visibility</p:attrName>
-                                        </p:attrNameLst>
-                                      </p:cBhvr>
-                                      <p:to>
-                                        <p:strVal val="visible"/>
-                                      </p:to>
-                                    </p:set>
-                                  </p:childTnLst>
-                                </p:cTn>
-                              </p:par>
-                              <p:par>
-                                <p:cTn id="21" presetID="1" presetClass="entr" presetSubtype="0" fill="hold" grpId="0" nodeType="withEffect">
-                                  <p:stCondLst>
-                                    <p:cond delay="0"/>
-                                  </p:stCondLst>
-                                  <p:childTnLst>
-                                    <p:set>
-                                      <p:cBhvr>
-                                        <p:cTn id="22" dur="1" fill="hold">
-                                          <p:stCondLst>
-                                            <p:cond delay="0"/>
-                                          </p:stCondLst>
-                                        </p:cTn>
-                                        <p:tgtEl>
-                                          <p:spTgt spid="12"/>
-                                        </p:tgtEl>
-                                        <p:attrNameLst>
-                                          <p:attrName>style.visibility</p:attrName>
-                                        </p:attrNameLst>
-                                      </p:cBhvr>
-                                      <p:to>
-                                        <p:strVal val="visible"/>
-                                      </p:to>
-                                    </p:set>
-                                  </p:childTnLst>
-                                </p:cTn>
-                              </p:par>
-                            </p:childTnLst>
-                          </p:cTn>
-                        </p:par>
-                      </p:childTnLst>
-                    </p:cTn>
-                  </p:par>
-                </p:childTnLst>
-              </p:cTn>
-              <p:prevCondLst>
-                <p:cond evt="onPrev" delay="0">
-                  <p:tgtEl>
-                    <p:sldTgt/>
-                  </p:tgtEl>
-                </p:cond>
-              </p:prevCondLst>
-              <p:nextCondLst>
-                <p:cond evt="onNext" delay="0">
-                  <p:tgtEl>
-                    <p:sldTgt/>
-                  </p:tgtEl>
-                </p:cond>
-              </p:nextCondLst>
-            </p:seq>
-          </p:childTnLst>
-        </p:cTn>
-      </p:par>
-    </p:tnLst>
-    <p:bldLst>
-      <p:bldP spid="24" grpId="0" bldLvl="0" animBg="1"/>
-      <p:bldP spid="8" grpId="0" bldLvl="0" animBg="1"/>
-      <p:bldP spid="23" grpId="0" bldLvl="0" animBg="1"/>
-      <p:bldP spid="11" grpId="0" bldLvl="0" animBg="1"/>
-      <p:bldP spid="12" grpId="0" bldLvl="0" animBg="1"/>
-    </p:bldLst>
-  </p:timing>
-</p:sld>
-</file>
-
 <file path=ppt/slides/slide17.xml><?xml version="1.0" encoding="utf-8"?>
 <p:sld xmlns:a="http://schemas.openxmlformats.org/drawingml/2006/main" xmlns:r="http://schemas.openxmlformats.org/officeDocument/2006/relationships" xmlns:p="http://schemas.openxmlformats.org/presentationml/2006/main">
   <p:cSld>
@@ -20806,7 +20825,7 @@
           </a:p>
           <a:p>
             <a:pPr marL="171450" indent="-171450" algn="l">
-              <a:buFont typeface="Arial" panose="02080604020202020204" pitchFamily="34" charset="0"/>
+              <a:buFont typeface="Arial" panose="020B0604020202020204" pitchFamily="34" charset="0"/>
               <a:buChar char="•"/>
             </a:pPr>
             <a:r>
@@ -20821,7 +20840,7 @@
           </a:p>
           <a:p>
             <a:pPr marL="171450" indent="-171450" algn="l">
-              <a:buFont typeface="Arial" panose="02080604020202020204" pitchFamily="34" charset="0"/>
+              <a:buFont typeface="Arial" panose="020B0604020202020204" pitchFamily="34" charset="0"/>
               <a:buChar char="•"/>
             </a:pPr>
             <a:r>
@@ -20844,7 +20863,7 @@
           </a:p>
           <a:p>
             <a:pPr marL="628650" lvl="1" indent="-171450" algn="l">
-              <a:buFont typeface="Arial" panose="02080604020202020204" pitchFamily="34" charset="0"/>
+              <a:buFont typeface="Arial" panose="020B0604020202020204" pitchFamily="34" charset="0"/>
               <a:buChar char="•"/>
             </a:pPr>
             <a:r>
@@ -20855,7 +20874,7 @@
           </a:p>
           <a:p>
             <a:pPr marL="628650" lvl="1" indent="-171450" algn="l">
-              <a:buFont typeface="Arial" panose="02080604020202020204" pitchFamily="34" charset="0"/>
+              <a:buFont typeface="Arial" panose="020B0604020202020204" pitchFamily="34" charset="0"/>
               <a:buChar char="•"/>
             </a:pPr>
             <a:r>
@@ -21108,7 +21127,8 @@
                     </a:srgbClr>
                   </a:outerShdw>
                 </a:effectLst>
-                <a:latin typeface="Lucida Handwriting" pitchFamily="66" charset="0"/>
+                <a:latin typeface="Comic Sans MS" panose="030F0702030302020204" pitchFamily="66" charset="0"/>
+                <a:cs typeface="Comic Sans MS" panose="030F0702030302020204" pitchFamily="66" charset="0"/>
               </a:rPr>
               <a:t>Experiment One:</a:t>
             </a:r>
@@ -21124,7 +21144,8 @@
                     </a:srgbClr>
                   </a:outerShdw>
                 </a:effectLst>
-                <a:latin typeface="Lucida Handwriting" pitchFamily="66" charset="0"/>
+                <a:latin typeface="Comic Sans MS" panose="030F0702030302020204" pitchFamily="66" charset="0"/>
+                <a:cs typeface="Comic Sans MS" panose="030F0702030302020204" pitchFamily="66" charset="0"/>
               </a:rPr>
             </a:br>
             <a:r>
@@ -21139,25 +21160,10 @@
                     </a:srgbClr>
                   </a:outerShdw>
                 </a:effectLst>
-                <a:latin typeface="Lucida Handwriting" pitchFamily="66" charset="0"/>
+                <a:latin typeface="Comic Sans MS" panose="030F0702030302020204" pitchFamily="66" charset="0"/>
+                <a:cs typeface="Comic Sans MS" panose="030F0702030302020204" pitchFamily="66" charset="0"/>
               </a:rPr>
-              <a:t>Implement </a:t>
-            </a:r>
-            <a:r>
-              <a:rPr lang="en-US" altLang="zh-CN" sz="3600" dirty="0">
-                <a:solidFill>
-                  <a:srgbClr val="00B050"/>
-                </a:solidFill>
-                <a:effectLst>
-                  <a:outerShdw blurRad="38100" dist="38100" dir="2700000" algn="tl">
-                    <a:srgbClr val="000000">
-                      <a:alpha val="43137"/>
-                    </a:srgbClr>
-                  </a:outerShdw>
-                </a:effectLst>
-                <a:latin typeface="Lucida Handwriting" pitchFamily="66" charset="0"/>
-              </a:rPr>
-              <a:t>SysY Lexer/Parser with ANTLR</a:t>
+              <a:t>Implement SysY Lexer/Parser with ANTLR</a:t>
             </a:r>
             <a:endParaRPr lang="zh-CN" altLang="en-US" sz="3600" dirty="0">
               <a:solidFill>
@@ -21170,7 +21176,8 @@
                   </a:srgbClr>
                 </a:outerShdw>
               </a:effectLst>
-              <a:latin typeface="Lucida Handwriting" pitchFamily="66" charset="0"/>
+              <a:latin typeface="Comic Sans MS" panose="030F0702030302020204" pitchFamily="66" charset="0"/>
+              <a:cs typeface="Comic Sans MS" panose="030F0702030302020204" pitchFamily="66" charset="0"/>
             </a:endParaRPr>
           </a:p>
         </p:txBody>
@@ -21197,8 +21204,9 @@
                 <a:solidFill>
                   <a:srgbClr val="0070C0"/>
                 </a:solidFill>
-                <a:latin typeface="华文隶书" pitchFamily="2" charset="-122"/>
-                <a:ea typeface="华文隶书" pitchFamily="2" charset="-122"/>
+                <a:latin typeface="华文中宋" panose="02010600040101010101" charset="-122"/>
+                <a:ea typeface="华文中宋" panose="02010600040101010101" charset="-122"/>
+                <a:cs typeface="华文中宋" panose="02010600040101010101" charset="-122"/>
               </a:rPr>
               <a:t>实验</a:t>
             </a:r>
@@ -21207,8 +21215,9 @@
                 <a:solidFill>
                   <a:srgbClr val="0070C0"/>
                 </a:solidFill>
-                <a:latin typeface="华文隶书" pitchFamily="2" charset="-122"/>
-                <a:ea typeface="华文隶书" pitchFamily="2" charset="-122"/>
+                <a:latin typeface="华文中宋" panose="02010600040101010101" charset="-122"/>
+                <a:ea typeface="华文中宋" panose="02010600040101010101" charset="-122"/>
+                <a:cs typeface="华文中宋" panose="02010600040101010101" charset="-122"/>
               </a:rPr>
               <a:t>1</a:t>
             </a:r>
@@ -21217,8 +21226,9 @@
                 <a:solidFill>
                   <a:srgbClr val="0070C0"/>
                 </a:solidFill>
-                <a:latin typeface="华文隶书" pitchFamily="2" charset="-122"/>
-                <a:ea typeface="华文隶书" pitchFamily="2" charset="-122"/>
+                <a:latin typeface="华文中宋" panose="02010600040101010101" charset="-122"/>
+                <a:ea typeface="华文中宋" panose="02010600040101010101" charset="-122"/>
+                <a:cs typeface="华文中宋" panose="02010600040101010101" charset="-122"/>
               </a:rPr>
               <a:t>：用</a:t>
             </a:r>
@@ -21227,8 +21237,9 @@
                 <a:solidFill>
                   <a:srgbClr val="0070C0"/>
                 </a:solidFill>
-                <a:latin typeface="华文隶书" pitchFamily="2" charset="-122"/>
-                <a:ea typeface="华文隶书" pitchFamily="2" charset="-122"/>
+                <a:latin typeface="华文中宋" panose="02010600040101010101" charset="-122"/>
+                <a:ea typeface="华文中宋" panose="02010600040101010101" charset="-122"/>
+                <a:cs typeface="华文中宋" panose="02010600040101010101" charset="-122"/>
               </a:rPr>
               <a:t>ANTLR</a:t>
             </a:r>
@@ -21237,8 +21248,9 @@
                 <a:solidFill>
                   <a:srgbClr val="0070C0"/>
                 </a:solidFill>
-                <a:latin typeface="华文隶书" pitchFamily="2" charset="-122"/>
-                <a:ea typeface="华文隶书" pitchFamily="2" charset="-122"/>
+                <a:latin typeface="华文中宋" panose="02010600040101010101" charset="-122"/>
+                <a:ea typeface="华文中宋" panose="02010600040101010101" charset="-122"/>
+                <a:cs typeface="华文中宋" panose="02010600040101010101" charset="-122"/>
               </a:rPr>
               <a:t>实现</a:t>
             </a:r>
@@ -21247,8 +21259,9 @@
                 <a:solidFill>
                   <a:srgbClr val="0070C0"/>
                 </a:solidFill>
-                <a:latin typeface="华文隶书" pitchFamily="2" charset="-122"/>
-                <a:ea typeface="华文隶书" pitchFamily="2" charset="-122"/>
+                <a:latin typeface="华文中宋" panose="02010600040101010101" charset="-122"/>
+                <a:ea typeface="华文中宋" panose="02010600040101010101" charset="-122"/>
+                <a:cs typeface="华文中宋" panose="02010600040101010101" charset="-122"/>
               </a:rPr>
               <a:t>SysY</a:t>
             </a:r>
@@ -21257,8 +21270,9 @@
                 <a:solidFill>
                   <a:srgbClr val="0070C0"/>
                 </a:solidFill>
-                <a:latin typeface="华文隶书" pitchFamily="2" charset="-122"/>
-                <a:ea typeface="华文隶书" pitchFamily="2" charset="-122"/>
+                <a:latin typeface="华文中宋" panose="02010600040101010101" charset="-122"/>
+                <a:ea typeface="华文中宋" panose="02010600040101010101" charset="-122"/>
+                <a:cs typeface="华文中宋" panose="02010600040101010101" charset="-122"/>
               </a:rPr>
               <a:t>词法</a:t>
             </a:r>
@@ -21267,8 +21281,9 @@
                 <a:solidFill>
                   <a:srgbClr val="0070C0"/>
                 </a:solidFill>
-                <a:latin typeface="华文隶书" pitchFamily="2" charset="-122"/>
-                <a:ea typeface="华文隶书" pitchFamily="2" charset="-122"/>
+                <a:latin typeface="华文中宋" panose="02010600040101010101" charset="-122"/>
+                <a:ea typeface="华文中宋" panose="02010600040101010101" charset="-122"/>
+                <a:cs typeface="华文中宋" panose="02010600040101010101" charset="-122"/>
               </a:rPr>
               <a:t>/</a:t>
             </a:r>
@@ -21277,8 +21292,9 @@
                 <a:solidFill>
                   <a:srgbClr val="0070C0"/>
                 </a:solidFill>
-                <a:latin typeface="华文隶书" pitchFamily="2" charset="-122"/>
-                <a:ea typeface="华文隶书" pitchFamily="2" charset="-122"/>
+                <a:latin typeface="华文中宋" panose="02010600040101010101" charset="-122"/>
+                <a:ea typeface="华文中宋" panose="02010600040101010101" charset="-122"/>
+                <a:cs typeface="华文中宋" panose="02010600040101010101" charset="-122"/>
               </a:rPr>
               <a:t>语法分析器</a:t>
             </a:r>
@@ -21287,8 +21303,9 @@
                 <a:solidFill>
                   <a:srgbClr val="0070C0"/>
                 </a:solidFill>
-                <a:latin typeface="华文隶书" pitchFamily="2" charset="-122"/>
-                <a:ea typeface="华文隶书" pitchFamily="2" charset="-122"/>
+                <a:latin typeface="华文中宋" panose="02010600040101010101" charset="-122"/>
+                <a:ea typeface="华文中宋" panose="02010600040101010101" charset="-122"/>
+                <a:cs typeface="华文中宋" panose="02010600040101010101" charset="-122"/>
               </a:rPr>
               <a:t>  </a:t>
             </a:r>
@@ -21296,8 +21313,9 @@
               <a:solidFill>
                 <a:srgbClr val="0070C0"/>
               </a:solidFill>
-              <a:latin typeface="华文隶书" pitchFamily="2" charset="-122"/>
-              <a:ea typeface="华文隶书" pitchFamily="2" charset="-122"/>
+              <a:latin typeface="华文中宋" panose="02010600040101010101" charset="-122"/>
+              <a:ea typeface="华文中宋" panose="02010600040101010101" charset="-122"/>
+              <a:cs typeface="华文中宋" panose="02010600040101010101" charset="-122"/>
             </a:endParaRPr>
           </a:p>
         </p:txBody>
@@ -23399,84 +23417,84 @@
           <a:p>
             <a:r>
               <a:rPr lang="zh-CN" altLang="en-US" sz="2800" dirty="0">
-                <a:latin typeface="Microsoft YaHei" panose="020B0503020204020204" pitchFamily="34" charset="-122"/>
-                <a:ea typeface="Microsoft YaHei" panose="020B0503020204020204" pitchFamily="34" charset="-122"/>
+                <a:latin typeface="微软雅黑" panose="020B0503020204020204" pitchFamily="34" charset="-122"/>
+                <a:ea typeface="微软雅黑" panose="020B0503020204020204" pitchFamily="34" charset="-122"/>
               </a:rPr>
               <a:t>前端</a:t>
             </a:r>
             <a:endParaRPr lang="en-US" altLang="zh-CN" sz="2800" dirty="0">
-              <a:latin typeface="Microsoft YaHei" panose="020B0503020204020204" pitchFamily="34" charset="-122"/>
-              <a:ea typeface="Microsoft YaHei" panose="020B0503020204020204" pitchFamily="34" charset="-122"/>
+              <a:latin typeface="微软雅黑" panose="020B0503020204020204" pitchFamily="34" charset="-122"/>
+              <a:ea typeface="微软雅黑" panose="020B0503020204020204" pitchFamily="34" charset="-122"/>
             </a:endParaRPr>
           </a:p>
           <a:p>
             <a:pPr lvl="1"/>
             <a:r>
               <a:rPr lang="zh-CN" altLang="en-US" sz="2400" dirty="0">
-                <a:latin typeface="Microsoft YaHei" panose="020B0503020204020204" pitchFamily="34" charset="-122"/>
-                <a:ea typeface="Microsoft YaHei" panose="020B0503020204020204" pitchFamily="34" charset="-122"/>
+                <a:latin typeface="微软雅黑" panose="020B0503020204020204" pitchFamily="34" charset="-122"/>
+                <a:ea typeface="微软雅黑" panose="020B0503020204020204" pitchFamily="34" charset="-122"/>
               </a:rPr>
               <a:t>扫描程序，识别合法程序</a:t>
             </a:r>
             <a:endParaRPr lang="en-US" altLang="zh-CN" sz="2400" dirty="0">
-              <a:latin typeface="Microsoft YaHei" panose="020B0503020204020204" pitchFamily="34" charset="-122"/>
-              <a:ea typeface="Microsoft YaHei" panose="020B0503020204020204" pitchFamily="34" charset="-122"/>
+              <a:latin typeface="微软雅黑" panose="020B0503020204020204" pitchFamily="34" charset="-122"/>
+              <a:ea typeface="微软雅黑" panose="020B0503020204020204" pitchFamily="34" charset="-122"/>
             </a:endParaRPr>
           </a:p>
           <a:p>
             <a:pPr lvl="1"/>
             <a:r>
               <a:rPr lang="zh-CN" altLang="en-US" sz="2400" dirty="0">
-                <a:latin typeface="Microsoft YaHei" panose="020B0503020204020204" pitchFamily="34" charset="-122"/>
-                <a:ea typeface="Microsoft YaHei" panose="020B0503020204020204" pitchFamily="34" charset="-122"/>
+                <a:latin typeface="微软雅黑" panose="020B0503020204020204" pitchFamily="34" charset="-122"/>
+                <a:ea typeface="微软雅黑" panose="020B0503020204020204" pitchFamily="34" charset="-122"/>
               </a:rPr>
               <a:t>给出恰当的警告</a:t>
             </a:r>
             <a:r>
               <a:rPr lang="en-US" altLang="zh-CN" sz="2400" dirty="0">
-                <a:latin typeface="Microsoft YaHei" panose="020B0503020204020204" pitchFamily="34" charset="-122"/>
-                <a:ea typeface="Microsoft YaHei" panose="020B0503020204020204" pitchFamily="34" charset="-122"/>
+                <a:latin typeface="微软雅黑" panose="020B0503020204020204" pitchFamily="34" charset="-122"/>
+                <a:ea typeface="微软雅黑" panose="020B0503020204020204" pitchFamily="34" charset="-122"/>
               </a:rPr>
               <a:t>/</a:t>
             </a:r>
             <a:r>
               <a:rPr lang="zh-CN" altLang="en-US" sz="2400" dirty="0">
-                <a:latin typeface="Microsoft YaHei" panose="020B0503020204020204" pitchFamily="34" charset="-122"/>
-                <a:ea typeface="Microsoft YaHei" panose="020B0503020204020204" pitchFamily="34" charset="-122"/>
+                <a:latin typeface="微软雅黑" panose="020B0503020204020204" pitchFamily="34" charset="-122"/>
+                <a:ea typeface="微软雅黑" panose="020B0503020204020204" pitchFamily="34" charset="-122"/>
               </a:rPr>
               <a:t>错误信息</a:t>
             </a:r>
             <a:endParaRPr lang="en-US" altLang="zh-CN" sz="2400" dirty="0">
-              <a:latin typeface="Microsoft YaHei" panose="020B0503020204020204" pitchFamily="34" charset="-122"/>
-              <a:ea typeface="Microsoft YaHei" panose="020B0503020204020204" pitchFamily="34" charset="-122"/>
+              <a:latin typeface="微软雅黑" panose="020B0503020204020204" pitchFamily="34" charset="-122"/>
+              <a:ea typeface="微软雅黑" panose="020B0503020204020204" pitchFamily="34" charset="-122"/>
             </a:endParaRPr>
           </a:p>
           <a:p>
             <a:pPr lvl="1"/>
             <a:r>
               <a:rPr lang="zh-CN" altLang="en-US" sz="2400" dirty="0">
-                <a:latin typeface="Microsoft YaHei" panose="020B0503020204020204" pitchFamily="34" charset="-122"/>
-                <a:ea typeface="Microsoft YaHei" panose="020B0503020204020204" pitchFamily="34" charset="-122"/>
+                <a:latin typeface="微软雅黑" panose="020B0503020204020204" pitchFamily="34" charset="-122"/>
+                <a:ea typeface="微软雅黑" panose="020B0503020204020204" pitchFamily="34" charset="-122"/>
               </a:rPr>
               <a:t>生成中间表示代码（</a:t>
             </a:r>
             <a:r>
               <a:rPr lang="en-US" altLang="zh-CN" sz="2400" dirty="0">
-                <a:latin typeface="Microsoft YaHei" panose="020B0503020204020204" pitchFamily="34" charset="-122"/>
-                <a:ea typeface="Microsoft YaHei" panose="020B0503020204020204" pitchFamily="34" charset="-122"/>
+                <a:latin typeface="微软雅黑" panose="020B0503020204020204" pitchFamily="34" charset="-122"/>
+                <a:ea typeface="微软雅黑" panose="020B0503020204020204" pitchFamily="34" charset="-122"/>
               </a:rPr>
               <a:t>IR</a:t>
             </a:r>
             <a:r>
               <a:rPr lang="zh-CN" altLang="en-US" sz="2400" dirty="0">
-                <a:latin typeface="Microsoft YaHei" panose="020B0503020204020204" pitchFamily="34" charset="-122"/>
-                <a:ea typeface="Microsoft YaHei" panose="020B0503020204020204" pitchFamily="34" charset="-122"/>
+                <a:latin typeface="微软雅黑" panose="020B0503020204020204" pitchFamily="34" charset="-122"/>
+                <a:ea typeface="微软雅黑" panose="020B0503020204020204" pitchFamily="34" charset="-122"/>
               </a:rPr>
               <a:t>）</a:t>
             </a:r>
             <a:endParaRPr lang="en-US" altLang="zh-CN" sz="2400" dirty="0">
-              <a:latin typeface="Microsoft YaHei" panose="020B0503020204020204" pitchFamily="34" charset="-122"/>
-              <a:ea typeface="Microsoft YaHei" panose="020B0503020204020204" pitchFamily="34" charset="-122"/>
+              <a:latin typeface="微软雅黑" panose="020B0503020204020204" pitchFamily="34" charset="-122"/>
+              <a:ea typeface="微软雅黑" panose="020B0503020204020204" pitchFamily="34" charset="-122"/>
             </a:endParaRPr>
           </a:p>
         </p:txBody>
@@ -23917,7 +23935,7 @@
                 <a:solidFill>
                   <a:srgbClr val="FFC000"/>
                 </a:solidFill>
-                <a:latin typeface="Comic Sans MS" pitchFamily="66" charset="0"/>
+                <a:latin typeface="Comic Sans MS" panose="030F0702030302020204" pitchFamily="66" charset="0"/>
               </a:rPr>
               <a:t>IR</a:t>
             </a:r>
@@ -23925,7 +23943,7 @@
               <a:solidFill>
                 <a:srgbClr val="FFC000"/>
               </a:solidFill>
-              <a:latin typeface="Comic Sans MS" pitchFamily="66" charset="0"/>
+              <a:latin typeface="Comic Sans MS" panose="030F0702030302020204" pitchFamily="66" charset="0"/>
             </a:endParaRPr>
           </a:p>
         </p:txBody>
@@ -25491,7 +25509,7 @@
           </a:p>
           <a:p>
             <a:pPr marL="171450" indent="-171450" algn="l">
-              <a:buFont typeface="Arial" panose="02080604020202020204" pitchFamily="34" charset="0"/>
+              <a:buFont typeface="Arial" panose="020B0604020202020204" pitchFamily="34" charset="0"/>
               <a:buChar char="•"/>
             </a:pPr>
             <a:r>
@@ -25514,7 +25532,7 @@
           </a:p>
           <a:p>
             <a:pPr marL="171450" indent="-171450" algn="l">
-              <a:buFont typeface="Arial" panose="02080604020202020204" pitchFamily="34" charset="0"/>
+              <a:buFont typeface="Arial" panose="020B0604020202020204" pitchFamily="34" charset="0"/>
               <a:buChar char="•"/>
             </a:pPr>
             <a:r>
@@ -25595,7 +25613,7 @@
           </a:p>
           <a:p>
             <a:pPr marL="171450" indent="-171450" algn="l">
-              <a:buFont typeface="Arial" panose="02080604020202020204" pitchFamily="34" charset="0"/>
+              <a:buFont typeface="Arial" panose="020B0604020202020204" pitchFamily="34" charset="0"/>
               <a:buChar char="•"/>
             </a:pPr>
             <a:r>
@@ -25610,7 +25628,7 @@
           </a:p>
           <a:p>
             <a:pPr marL="171450" indent="-171450" algn="l">
-              <a:buFont typeface="Arial" panose="02080604020202020204" pitchFamily="34" charset="0"/>
+              <a:buFont typeface="Arial" panose="020B0604020202020204" pitchFamily="34" charset="0"/>
               <a:buChar char="•"/>
             </a:pPr>
             <a:r>
@@ -25687,7 +25705,7 @@
           </a:p>
           <a:p>
             <a:pPr marL="171450" indent="-171450" algn="l">
-              <a:buFont typeface="Arial" panose="02080604020202020204" pitchFamily="34" charset="0"/>
+              <a:buFont typeface="Arial" panose="020B0604020202020204" pitchFamily="34" charset="0"/>
               <a:buChar char="•"/>
             </a:pPr>
             <a:r>
@@ -25706,7 +25724,7 @@
           </a:p>
           <a:p>
             <a:pPr marL="171450" indent="-171450" algn="l">
-              <a:buFont typeface="Arial" panose="02080604020202020204" pitchFamily="34" charset="0"/>
+              <a:buFont typeface="Arial" panose="020B0604020202020204" pitchFamily="34" charset="0"/>
               <a:buChar char="•"/>
             </a:pPr>
             <a:r>
@@ -26769,6 +26787,357 @@
                                   </p:childTnLst>
                                 </p:cTn>
                               </p:par>
+                              <p:par>
+                                <p:cTn id="7" presetID="1" presetClass="entr" presetSubtype="0" fill="hold" grpId="0" nodeType="withEffect">
+                                  <p:stCondLst>
+                                    <p:cond delay="0"/>
+                                  </p:stCondLst>
+                                  <p:childTnLst>
+                                    <p:set>
+                                      <p:cBhvr>
+                                        <p:cTn id="8" dur="1" fill="hold">
+                                          <p:stCondLst>
+                                            <p:cond delay="0"/>
+                                          </p:stCondLst>
+                                        </p:cTn>
+                                        <p:tgtEl>
+                                          <p:spTgt spid="14"/>
+                                        </p:tgtEl>
+                                        <p:attrNameLst>
+                                          <p:attrName>style.visibility</p:attrName>
+                                        </p:attrNameLst>
+                                      </p:cBhvr>
+                                      <p:to>
+                                        <p:strVal val="visible"/>
+                                      </p:to>
+                                    </p:set>
+                                  </p:childTnLst>
+                                </p:cTn>
+                              </p:par>
+                              <p:par>
+                                <p:cTn id="9" presetID="1" presetClass="entr" presetSubtype="0" fill="hold" grpId="0" nodeType="withEffect">
+                                  <p:stCondLst>
+                                    <p:cond delay="0"/>
+                                  </p:stCondLst>
+                                  <p:childTnLst>
+                                    <p:set>
+                                      <p:cBhvr>
+                                        <p:cTn id="10" dur="1" fill="hold">
+                                          <p:stCondLst>
+                                            <p:cond delay="0"/>
+                                          </p:stCondLst>
+                                        </p:cTn>
+                                        <p:tgtEl>
+                                          <p:spTgt spid="15"/>
+                                        </p:tgtEl>
+                                        <p:attrNameLst>
+                                          <p:attrName>style.visibility</p:attrName>
+                                        </p:attrNameLst>
+                                      </p:cBhvr>
+                                      <p:to>
+                                        <p:strVal val="visible"/>
+                                      </p:to>
+                                    </p:set>
+                                  </p:childTnLst>
+                                </p:cTn>
+                              </p:par>
+                              <p:par>
+                                <p:cTn id="11" presetID="1" presetClass="entr" presetSubtype="0" fill="hold" grpId="0" nodeType="withEffect">
+                                  <p:stCondLst>
+                                    <p:cond delay="0"/>
+                                  </p:stCondLst>
+                                  <p:childTnLst>
+                                    <p:set>
+                                      <p:cBhvr>
+                                        <p:cTn id="12" dur="1" fill="hold">
+                                          <p:stCondLst>
+                                            <p:cond delay="0"/>
+                                          </p:stCondLst>
+                                        </p:cTn>
+                                        <p:tgtEl>
+                                          <p:spTgt spid="16"/>
+                                        </p:tgtEl>
+                                        <p:attrNameLst>
+                                          <p:attrName>style.visibility</p:attrName>
+                                        </p:attrNameLst>
+                                      </p:cBhvr>
+                                      <p:to>
+                                        <p:strVal val="visible"/>
+                                      </p:to>
+                                    </p:set>
+                                  </p:childTnLst>
+                                </p:cTn>
+                              </p:par>
+                              <p:par>
+                                <p:cTn id="13" presetID="1" presetClass="entr" presetSubtype="0" fill="hold" grpId="0" nodeType="withEffect">
+                                  <p:stCondLst>
+                                    <p:cond delay="0"/>
+                                  </p:stCondLst>
+                                  <p:childTnLst>
+                                    <p:set>
+                                      <p:cBhvr>
+                                        <p:cTn id="14" dur="1" fill="hold">
+                                          <p:stCondLst>
+                                            <p:cond delay="0"/>
+                                          </p:stCondLst>
+                                        </p:cTn>
+                                        <p:tgtEl>
+                                          <p:spTgt spid="17"/>
+                                        </p:tgtEl>
+                                        <p:attrNameLst>
+                                          <p:attrName>style.visibility</p:attrName>
+                                        </p:attrNameLst>
+                                      </p:cBhvr>
+                                      <p:to>
+                                        <p:strVal val="visible"/>
+                                      </p:to>
+                                    </p:set>
+                                  </p:childTnLst>
+                                </p:cTn>
+                              </p:par>
+                              <p:par>
+                                <p:cTn id="15" presetID="1" presetClass="entr" presetSubtype="0" fill="hold" grpId="0" nodeType="withEffect">
+                                  <p:stCondLst>
+                                    <p:cond delay="0"/>
+                                  </p:stCondLst>
+                                  <p:childTnLst>
+                                    <p:set>
+                                      <p:cBhvr>
+                                        <p:cTn id="16" dur="1" fill="hold">
+                                          <p:stCondLst>
+                                            <p:cond delay="0"/>
+                                          </p:stCondLst>
+                                        </p:cTn>
+                                        <p:tgtEl>
+                                          <p:spTgt spid="18"/>
+                                        </p:tgtEl>
+                                        <p:attrNameLst>
+                                          <p:attrName>style.visibility</p:attrName>
+                                        </p:attrNameLst>
+                                      </p:cBhvr>
+                                      <p:to>
+                                        <p:strVal val="visible"/>
+                                      </p:to>
+                                    </p:set>
+                                  </p:childTnLst>
+                                </p:cTn>
+                              </p:par>
+                              <p:par>
+                                <p:cTn id="17" presetID="1" presetClass="entr" presetSubtype="0" fill="hold" grpId="0" nodeType="withEffect">
+                                  <p:stCondLst>
+                                    <p:cond delay="0"/>
+                                  </p:stCondLst>
+                                  <p:childTnLst>
+                                    <p:set>
+                                      <p:cBhvr>
+                                        <p:cTn id="18" dur="1" fill="hold">
+                                          <p:stCondLst>
+                                            <p:cond delay="0"/>
+                                          </p:stCondLst>
+                                        </p:cTn>
+                                        <p:tgtEl>
+                                          <p:spTgt spid="19"/>
+                                        </p:tgtEl>
+                                        <p:attrNameLst>
+                                          <p:attrName>style.visibility</p:attrName>
+                                        </p:attrNameLst>
+                                      </p:cBhvr>
+                                      <p:to>
+                                        <p:strVal val="visible"/>
+                                      </p:to>
+                                    </p:set>
+                                  </p:childTnLst>
+                                </p:cTn>
+                              </p:par>
+                              <p:par>
+                                <p:cTn id="19" presetID="1" presetClass="entr" presetSubtype="0" fill="hold" grpId="0" nodeType="withEffect">
+                                  <p:stCondLst>
+                                    <p:cond delay="0"/>
+                                  </p:stCondLst>
+                                  <p:childTnLst>
+                                    <p:set>
+                                      <p:cBhvr>
+                                        <p:cTn id="20" dur="1" fill="hold">
+                                          <p:stCondLst>
+                                            <p:cond delay="0"/>
+                                          </p:stCondLst>
+                                        </p:cTn>
+                                        <p:tgtEl>
+                                          <p:spTgt spid="20"/>
+                                        </p:tgtEl>
+                                        <p:attrNameLst>
+                                          <p:attrName>style.visibility</p:attrName>
+                                        </p:attrNameLst>
+                                      </p:cBhvr>
+                                      <p:to>
+                                        <p:strVal val="visible"/>
+                                      </p:to>
+                                    </p:set>
+                                  </p:childTnLst>
+                                </p:cTn>
+                              </p:par>
+                              <p:par>
+                                <p:cTn id="21" presetID="1" presetClass="entr" presetSubtype="0" fill="hold" grpId="0" nodeType="withEffect">
+                                  <p:stCondLst>
+                                    <p:cond delay="0"/>
+                                  </p:stCondLst>
+                                  <p:childTnLst>
+                                    <p:set>
+                                      <p:cBhvr>
+                                        <p:cTn id="22" dur="1" fill="hold">
+                                          <p:stCondLst>
+                                            <p:cond delay="0"/>
+                                          </p:stCondLst>
+                                        </p:cTn>
+                                        <p:tgtEl>
+                                          <p:spTgt spid="21"/>
+                                        </p:tgtEl>
+                                        <p:attrNameLst>
+                                          <p:attrName>style.visibility</p:attrName>
+                                        </p:attrNameLst>
+                                      </p:cBhvr>
+                                      <p:to>
+                                        <p:strVal val="visible"/>
+                                      </p:to>
+                                    </p:set>
+                                  </p:childTnLst>
+                                </p:cTn>
+                              </p:par>
+                              <p:par>
+                                <p:cTn id="23" presetID="1" presetClass="entr" presetSubtype="0" fill="hold" grpId="0" nodeType="withEffect">
+                                  <p:stCondLst>
+                                    <p:cond delay="0"/>
+                                  </p:stCondLst>
+                                  <p:childTnLst>
+                                    <p:set>
+                                      <p:cBhvr>
+                                        <p:cTn id="24" dur="1" fill="hold">
+                                          <p:stCondLst>
+                                            <p:cond delay="0"/>
+                                          </p:stCondLst>
+                                        </p:cTn>
+                                        <p:tgtEl>
+                                          <p:spTgt spid="23"/>
+                                        </p:tgtEl>
+                                        <p:attrNameLst>
+                                          <p:attrName>style.visibility</p:attrName>
+                                        </p:attrNameLst>
+                                      </p:cBhvr>
+                                      <p:to>
+                                        <p:strVal val="visible"/>
+                                      </p:to>
+                                    </p:set>
+                                  </p:childTnLst>
+                                </p:cTn>
+                              </p:par>
+                              <p:par>
+                                <p:cTn id="25" presetID="1" presetClass="entr" presetSubtype="0" fill="hold" grpId="0" nodeType="withEffect">
+                                  <p:stCondLst>
+                                    <p:cond delay="0"/>
+                                  </p:stCondLst>
+                                  <p:childTnLst>
+                                    <p:set>
+                                      <p:cBhvr>
+                                        <p:cTn id="26" dur="1" fill="hold">
+                                          <p:stCondLst>
+                                            <p:cond delay="0"/>
+                                          </p:stCondLst>
+                                        </p:cTn>
+                                        <p:tgtEl>
+                                          <p:spTgt spid="24"/>
+                                        </p:tgtEl>
+                                        <p:attrNameLst>
+                                          <p:attrName>style.visibility</p:attrName>
+                                        </p:attrNameLst>
+                                      </p:cBhvr>
+                                      <p:to>
+                                        <p:strVal val="visible"/>
+                                      </p:to>
+                                    </p:set>
+                                  </p:childTnLst>
+                                </p:cTn>
+                              </p:par>
+                              <p:par>
+                                <p:cTn id="27" presetID="1" presetClass="entr" presetSubtype="0" fill="hold" grpId="0" nodeType="withEffect">
+                                  <p:stCondLst>
+                                    <p:cond delay="0"/>
+                                  </p:stCondLst>
+                                  <p:childTnLst>
+                                    <p:set>
+                                      <p:cBhvr>
+                                        <p:cTn id="28" dur="1" fill="hold">
+                                          <p:stCondLst>
+                                            <p:cond delay="0"/>
+                                          </p:stCondLst>
+                                        </p:cTn>
+                                        <p:tgtEl>
+                                          <p:spTgt spid="25"/>
+                                        </p:tgtEl>
+                                        <p:attrNameLst>
+                                          <p:attrName>style.visibility</p:attrName>
+                                        </p:attrNameLst>
+                                      </p:cBhvr>
+                                      <p:to>
+                                        <p:strVal val="visible"/>
+                                      </p:to>
+                                    </p:set>
+                                  </p:childTnLst>
+                                </p:cTn>
+                              </p:par>
+                              <p:par>
+                                <p:cTn id="29" presetID="1" presetClass="entr" presetSubtype="0" fill="hold" grpId="0" nodeType="withEffect">
+                                  <p:stCondLst>
+                                    <p:cond delay="0"/>
+                                  </p:stCondLst>
+                                  <p:childTnLst>
+                                    <p:set>
+                                      <p:cBhvr>
+                                        <p:cTn id="30" dur="1" fill="hold">
+                                          <p:stCondLst>
+                                            <p:cond delay="0"/>
+                                          </p:stCondLst>
+                                        </p:cTn>
+                                        <p:tgtEl>
+                                          <p:spTgt spid="26"/>
+                                        </p:tgtEl>
+                                        <p:attrNameLst>
+                                          <p:attrName>style.visibility</p:attrName>
+                                        </p:attrNameLst>
+                                      </p:cBhvr>
+                                      <p:to>
+                                        <p:strVal val="visible"/>
+                                      </p:to>
+                                    </p:set>
+                                  </p:childTnLst>
+                                </p:cTn>
+                              </p:par>
+                              <p:par>
+                                <p:cTn id="31" presetID="1" presetClass="entr" presetSubtype="0" fill="hold" grpId="0" nodeType="withEffect">
+                                  <p:stCondLst>
+                                    <p:cond delay="0"/>
+                                  </p:stCondLst>
+                                  <p:childTnLst>
+                                    <p:set>
+                                      <p:cBhvr>
+                                        <p:cTn id="32" dur="1" fill="hold">
+                                          <p:stCondLst>
+                                            <p:cond delay="0"/>
+                                          </p:stCondLst>
+                                        </p:cTn>
+                                        <p:tgtEl>
+                                          <p:spTgt spid="27"/>
+                                        </p:tgtEl>
+                                        <p:attrNameLst>
+                                          <p:attrName>style.visibility</p:attrName>
+                                        </p:attrNameLst>
+                                      </p:cBhvr>
+                                      <p:to>
+                                        <p:strVal val="visible"/>
+                                      </p:to>
+                                    </p:set>
+                                  </p:childTnLst>
+                                </p:cTn>
+                              </p:par>
                             </p:childTnLst>
                           </p:cTn>
                         </p:par>
@@ -26798,9 +27167,42 @@
     </p:tnLst>
     <p:bldLst>
       <p:bldP spid="28" grpId="0" animBg="1"/>
+      <p:bldP spid="14" grpId="0" animBg="1"/>
+      <p:bldP spid="15" grpId="0" animBg="1"/>
+      <p:bldP spid="16" grpId="0" animBg="1"/>
+      <p:bldP spid="17" grpId="0" animBg="1"/>
+      <p:bldP spid="18" grpId="0" animBg="1"/>
+      <p:bldP spid="19" grpId="0" animBg="1"/>
+      <p:bldP spid="20" grpId="0" animBg="1"/>
+      <p:bldP spid="21" grpId="0" animBg="1"/>
+      <p:bldP spid="23" grpId="0" animBg="1"/>
+      <p:bldP spid="24" grpId="0" animBg="1"/>
+      <p:bldP spid="25" grpId="0" animBg="1"/>
+      <p:bldP spid="26" grpId="0" animBg="1"/>
+      <p:bldP spid="27" grpId="0" animBg="1"/>
+      <p:bldP spid="14" grpId="1" animBg="1"/>
+      <p:bldP spid="15" grpId="1" animBg="1"/>
+      <p:bldP spid="16" grpId="1" animBg="1"/>
+      <p:bldP spid="17" grpId="1" animBg="1"/>
+      <p:bldP spid="18" grpId="1" animBg="1"/>
+      <p:bldP spid="19" grpId="1" animBg="1"/>
+      <p:bldP spid="20" grpId="1" animBg="1"/>
+      <p:bldP spid="21" grpId="1" animBg="1"/>
+      <p:bldP spid="23" grpId="1" animBg="1"/>
+      <p:bldP spid="24" grpId="1" animBg="1"/>
+      <p:bldP spid="25" grpId="1" animBg="1"/>
+      <p:bldP spid="26" grpId="1" animBg="1"/>
+      <p:bldP spid="27" grpId="1" animBg="1"/>
     </p:bldLst>
   </p:timing>
 </p:sld>
+</file>
+
+<file path=ppt/tags/tag1.xml><?xml version="1.0" encoding="utf-8"?>
+<p:tagLst xmlns:p="http://schemas.openxmlformats.org/presentationml/2006/main">
+  <p:tag name="KSO_WPP_MARK_KEY" val="c84bf729-b87e-4b41-a68e-686c901be70f"/>
+  <p:tag name="COMMONDATA" val="eyJoZGlkIjoiYzc5YTNiOWVjOWM4OTlmODVmMWU4M2IyYzg0NWI5MDEifQ=="/>
+</p:tagLst>
 </file>
 
 <file path=ppt/theme/theme1.xml><?xml version="1.0" encoding="utf-8"?>
